--- a/docs/images_of_spec.pptx
+++ b/docs/images_of_spec.pptx
@@ -4473,8 +4473,8 @@
           <a:lstStyle/>
           <a:p>
             <a:r>
-              <a:rPr lang="en-US" dirty="0" smtClean="0"/>
-              <a:t>Example 1</a:t>
+              <a:rPr lang="en-US" smtClean="0"/>
+              <a:t>Introduction</a:t>
             </a:r>
             <a:endParaRPr lang="en-US" dirty="0"/>
           </a:p>
@@ -6489,7 +6489,7 @@
           <a:p>
             <a:r>
               <a:rPr lang="en-US" dirty="0" smtClean="0"/>
-              <a:t>Example 2</a:t>
+              <a:t>Overview</a:t>
             </a:r>
             <a:endParaRPr lang="en-US" dirty="0"/>
           </a:p>

--- a/docs/images_of_spec.pptx
+++ b/docs/images_of_spec.pptx
@@ -7,9 +7,9 @@
   <p:sldIdLst>
     <p:sldId id="266" r:id="rId2"/>
     <p:sldId id="263" r:id="rId3"/>
-    <p:sldId id="256" r:id="rId4"/>
-    <p:sldId id="257" r:id="rId5"/>
-    <p:sldId id="264" r:id="rId6"/>
+    <p:sldId id="267" r:id="rId4"/>
+    <p:sldId id="264" r:id="rId5"/>
+    <p:sldId id="268" r:id="rId6"/>
     <p:sldId id="261" r:id="rId7"/>
     <p:sldId id="259" r:id="rId8"/>
     <p:sldId id="265" r:id="rId9"/>
@@ -252,7 +252,7 @@
           <a:p>
             <a:fld id="{278DCA68-1BB8-4FF4-BF77-5209A30E84B9}" type="datetimeFigureOut">
               <a:rPr lang="en-US" smtClean="0"/>
-              <a:t>3/23/2018</a:t>
+              <a:t>5/16/2018</a:t>
             </a:fld>
             <a:endParaRPr lang="en-US"/>
           </a:p>
@@ -422,7 +422,7 @@
           <a:p>
             <a:fld id="{278DCA68-1BB8-4FF4-BF77-5209A30E84B9}" type="datetimeFigureOut">
               <a:rPr lang="en-US" smtClean="0"/>
-              <a:t>3/23/2018</a:t>
+              <a:t>5/16/2018</a:t>
             </a:fld>
             <a:endParaRPr lang="en-US"/>
           </a:p>
@@ -602,7 +602,7 @@
           <a:p>
             <a:fld id="{278DCA68-1BB8-4FF4-BF77-5209A30E84B9}" type="datetimeFigureOut">
               <a:rPr lang="en-US" smtClean="0"/>
-              <a:t>3/23/2018</a:t>
+              <a:t>5/16/2018</a:t>
             </a:fld>
             <a:endParaRPr lang="en-US"/>
           </a:p>
@@ -772,7 +772,7 @@
           <a:p>
             <a:fld id="{278DCA68-1BB8-4FF4-BF77-5209A30E84B9}" type="datetimeFigureOut">
               <a:rPr lang="en-US" smtClean="0"/>
-              <a:t>3/23/2018</a:t>
+              <a:t>5/16/2018</a:t>
             </a:fld>
             <a:endParaRPr lang="en-US"/>
           </a:p>
@@ -1018,7 +1018,7 @@
           <a:p>
             <a:fld id="{278DCA68-1BB8-4FF4-BF77-5209A30E84B9}" type="datetimeFigureOut">
               <a:rPr lang="en-US" smtClean="0"/>
-              <a:t>3/23/2018</a:t>
+              <a:t>5/16/2018</a:t>
             </a:fld>
             <a:endParaRPr lang="en-US"/>
           </a:p>
@@ -1250,7 +1250,7 @@
           <a:p>
             <a:fld id="{278DCA68-1BB8-4FF4-BF77-5209A30E84B9}" type="datetimeFigureOut">
               <a:rPr lang="en-US" smtClean="0"/>
-              <a:t>3/23/2018</a:t>
+              <a:t>5/16/2018</a:t>
             </a:fld>
             <a:endParaRPr lang="en-US"/>
           </a:p>
@@ -1617,7 +1617,7 @@
           <a:p>
             <a:fld id="{278DCA68-1BB8-4FF4-BF77-5209A30E84B9}" type="datetimeFigureOut">
               <a:rPr lang="en-US" smtClean="0"/>
-              <a:t>3/23/2018</a:t>
+              <a:t>5/16/2018</a:t>
             </a:fld>
             <a:endParaRPr lang="en-US"/>
           </a:p>
@@ -1735,7 +1735,7 @@
           <a:p>
             <a:fld id="{278DCA68-1BB8-4FF4-BF77-5209A30E84B9}" type="datetimeFigureOut">
               <a:rPr lang="en-US" smtClean="0"/>
-              <a:t>3/23/2018</a:t>
+              <a:t>5/16/2018</a:t>
             </a:fld>
             <a:endParaRPr lang="en-US"/>
           </a:p>
@@ -1830,7 +1830,7 @@
           <a:p>
             <a:fld id="{278DCA68-1BB8-4FF4-BF77-5209A30E84B9}" type="datetimeFigureOut">
               <a:rPr lang="en-US" smtClean="0"/>
-              <a:t>3/23/2018</a:t>
+              <a:t>5/16/2018</a:t>
             </a:fld>
             <a:endParaRPr lang="en-US"/>
           </a:p>
@@ -2107,7 +2107,7 @@
           <a:p>
             <a:fld id="{278DCA68-1BB8-4FF4-BF77-5209A30E84B9}" type="datetimeFigureOut">
               <a:rPr lang="en-US" smtClean="0"/>
-              <a:t>3/23/2018</a:t>
+              <a:t>5/16/2018</a:t>
             </a:fld>
             <a:endParaRPr lang="en-US"/>
           </a:p>
@@ -2360,7 +2360,7 @@
           <a:p>
             <a:fld id="{278DCA68-1BB8-4FF4-BF77-5209A30E84B9}" type="datetimeFigureOut">
               <a:rPr lang="en-US" smtClean="0"/>
-              <a:t>3/23/2018</a:t>
+              <a:t>5/16/2018</a:t>
             </a:fld>
             <a:endParaRPr lang="en-US"/>
           </a:p>
@@ -2573,7 +2573,7 @@
           <a:p>
             <a:fld id="{278DCA68-1BB8-4FF4-BF77-5209A30E84B9}" type="datetimeFigureOut">
               <a:rPr lang="en-US" smtClean="0"/>
-              <a:t>3/23/2018</a:t>
+              <a:t>5/16/2018</a:t>
             </a:fld>
             <a:endParaRPr lang="en-US"/>
           </a:p>
@@ -4518,7 +4518,7 @@
         </p:nvSpPr>
         <p:spPr>
           <a:xfrm>
-            <a:off x="2628900" y="1117600"/>
+            <a:off x="241300" y="1595120"/>
             <a:ext cx="7861300" cy="4941982"/>
           </a:xfrm>
           <a:prstGeom prst="rect">
@@ -4559,7 +4559,7 @@
         </p:nvSpPr>
         <p:spPr>
           <a:xfrm>
-            <a:off x="4610100" y="2413910"/>
+            <a:off x="2222500" y="2891430"/>
             <a:ext cx="5537806" cy="3320143"/>
           </a:xfrm>
           <a:prstGeom prst="rect">
@@ -4607,7 +4607,7 @@
         </p:nvSpPr>
         <p:spPr>
           <a:xfrm>
-            <a:off x="2897843" y="2824982"/>
+            <a:off x="510243" y="3302502"/>
             <a:ext cx="1440000" cy="360000"/>
           </a:xfrm>
           <a:prstGeom prst="rect">
@@ -4659,7 +4659,7 @@
         </p:nvSpPr>
         <p:spPr>
           <a:xfrm>
-            <a:off x="2897843" y="3345682"/>
+            <a:off x="510243" y="3823202"/>
             <a:ext cx="1440000" cy="360000"/>
           </a:xfrm>
           <a:prstGeom prst="rect">
@@ -4711,7 +4711,7 @@
         </p:nvSpPr>
         <p:spPr>
           <a:xfrm>
-            <a:off x="2897843" y="3866382"/>
+            <a:off x="510243" y="4343902"/>
             <a:ext cx="1440000" cy="360000"/>
           </a:xfrm>
           <a:prstGeom prst="rect">
@@ -4763,7 +4763,7 @@
         </p:nvSpPr>
         <p:spPr>
           <a:xfrm>
-            <a:off x="2897843" y="4387082"/>
+            <a:off x="510243" y="4864602"/>
             <a:ext cx="1440000" cy="360000"/>
           </a:xfrm>
           <a:prstGeom prst="rect">
@@ -4815,7 +4815,7 @@
         </p:nvSpPr>
         <p:spPr>
           <a:xfrm>
-            <a:off x="2897843" y="4907782"/>
+            <a:off x="510243" y="5385302"/>
             <a:ext cx="1440000" cy="360000"/>
           </a:xfrm>
           <a:prstGeom prst="rect">
@@ -4867,7 +4867,7 @@
         </p:nvSpPr>
         <p:spPr>
           <a:xfrm>
-            <a:off x="4837036" y="2773138"/>
+            <a:off x="2449436" y="3250658"/>
             <a:ext cx="1404000" cy="1080000"/>
           </a:xfrm>
           <a:prstGeom prst="rect">
@@ -4907,7 +4907,7 @@
         </p:nvSpPr>
         <p:spPr>
           <a:xfrm>
-            <a:off x="6538050" y="2773138"/>
+            <a:off x="4150450" y="3250658"/>
             <a:ext cx="1404000" cy="1080000"/>
           </a:xfrm>
           <a:prstGeom prst="rect">
@@ -4947,7 +4947,7 @@
         </p:nvSpPr>
         <p:spPr>
           <a:xfrm>
-            <a:off x="8296213" y="2766993"/>
+            <a:off x="5908613" y="3244513"/>
             <a:ext cx="1404000" cy="1080000"/>
           </a:xfrm>
           <a:prstGeom prst="rect">
@@ -4987,7 +4987,7 @@
         </p:nvSpPr>
         <p:spPr>
           <a:xfrm>
-            <a:off x="4837036" y="4187782"/>
+            <a:off x="2449436" y="4665302"/>
             <a:ext cx="1404000" cy="1080000"/>
           </a:xfrm>
           <a:prstGeom prst="rect">
@@ -5027,7 +5027,7 @@
         </p:nvSpPr>
         <p:spPr>
           <a:xfrm>
-            <a:off x="6538050" y="4187782"/>
+            <a:off x="4150450" y="4665302"/>
             <a:ext cx="1404000" cy="1080000"/>
           </a:xfrm>
           <a:prstGeom prst="rect">
@@ -5067,7 +5067,7 @@
         </p:nvSpPr>
         <p:spPr>
           <a:xfrm>
-            <a:off x="8296213" y="4187782"/>
+            <a:off x="5908613" y="4665302"/>
             <a:ext cx="1404000" cy="1080000"/>
           </a:xfrm>
           <a:prstGeom prst="rect">
@@ -5107,7 +5107,7 @@
         </p:nvSpPr>
         <p:spPr>
           <a:xfrm>
-            <a:off x="4595398" y="1500568"/>
+            <a:off x="2207798" y="1978088"/>
             <a:ext cx="1620000" cy="540000"/>
           </a:xfrm>
           <a:prstGeom prst="roundRect">
@@ -5147,7 +5147,7 @@
         </p:nvSpPr>
         <p:spPr>
           <a:xfrm>
-            <a:off x="6566949" y="1500568"/>
+            <a:off x="4179349" y="1978088"/>
             <a:ext cx="1620000" cy="540000"/>
           </a:xfrm>
           <a:prstGeom prst="roundRect">
@@ -5187,7 +5187,7 @@
         </p:nvSpPr>
         <p:spPr>
           <a:xfrm>
-            <a:off x="8538501" y="1500568"/>
+            <a:off x="6150901" y="1978088"/>
             <a:ext cx="1620000" cy="540000"/>
           </a:xfrm>
           <a:prstGeom prst="roundRect">
@@ -5227,7 +5227,7 @@
         </p:nvSpPr>
         <p:spPr>
           <a:xfrm>
-            <a:off x="9926564" y="2413910"/>
+            <a:off x="7538964" y="2891430"/>
             <a:ext cx="254000" cy="3320143"/>
           </a:xfrm>
           <a:prstGeom prst="rect">
@@ -5273,7 +5273,7 @@
         </p:nvSpPr>
         <p:spPr>
           <a:xfrm>
-            <a:off x="9952253" y="2620738"/>
+            <a:off x="7564653" y="3098258"/>
             <a:ext cx="206248" cy="1041400"/>
           </a:xfrm>
           <a:prstGeom prst="rect">
@@ -5321,7 +5321,7 @@
         </p:nvGrpSpPr>
         <p:grpSpPr>
           <a:xfrm>
-            <a:off x="9952253" y="2424796"/>
+            <a:off x="7564653" y="2902316"/>
             <a:ext cx="206248" cy="177800"/>
             <a:chOff x="676338" y="1066800"/>
             <a:chExt cx="206248" cy="177800"/>
@@ -5430,7 +5430,7 @@
         </p:nvGrpSpPr>
         <p:grpSpPr>
           <a:xfrm flipH="1" flipV="1">
-            <a:off x="9952253" y="5556254"/>
+            <a:off x="7564653" y="6033774"/>
             <a:ext cx="206248" cy="177800"/>
             <a:chOff x="676338" y="1066800"/>
             <a:chExt cx="206248" cy="177800"/>
@@ -5531,610 +5531,132 @@
           </p:txBody>
         </p:sp>
       </p:grpSp>
-    </p:spTree>
-    <p:extLst>
-      <p:ext uri="{BB962C8B-B14F-4D97-AF65-F5344CB8AC3E}">
-        <p14:creationId xmlns:p14="http://schemas.microsoft.com/office/powerpoint/2010/main" val="1723998503"/>
-      </p:ext>
-    </p:extLst>
-  </p:cSld>
-  <p:clrMapOvr>
-    <a:masterClrMapping/>
-  </p:clrMapOvr>
-</p:sld>
-</file>
-
-<file path=ppt/slides/slide4.xml><?xml version="1.0" encoding="utf-8"?>
-<p:sld xmlns:a="http://schemas.openxmlformats.org/drawingml/2006/main" xmlns:r="http://schemas.openxmlformats.org/officeDocument/2006/relationships" xmlns:p="http://schemas.openxmlformats.org/presentationml/2006/main">
-  <p:cSld>
-    <p:spTree>
-      <p:nvGrpSpPr>
-        <p:cNvPr id="1" name=""/>
-        <p:cNvGrpSpPr/>
-        <p:nvPr/>
-      </p:nvGrpSpPr>
-      <p:grpSpPr>
-        <a:xfrm>
-          <a:off x="0" y="0"/>
-          <a:ext cx="0" cy="0"/>
-          <a:chOff x="0" y="0"/>
-          <a:chExt cx="0" cy="0"/>
-        </a:xfrm>
-      </p:grpSpPr>
-      <p:sp>
-        <p:nvSpPr>
-          <p:cNvPr id="4" name="직사각형 3"/>
-          <p:cNvSpPr/>
-          <p:nvPr/>
-        </p:nvSpPr>
-        <p:spPr>
-          <a:xfrm>
-            <a:off x="4082142" y="889000"/>
-            <a:ext cx="6369957" cy="5729514"/>
-          </a:xfrm>
-          <a:prstGeom prst="rect">
-            <a:avLst/>
-          </a:prstGeom>
-          <a:solidFill>
-            <a:schemeClr val="bg2"/>
-          </a:solidFill>
-        </p:spPr>
-        <p:style>
-          <a:lnRef idx="2">
-            <a:schemeClr val="accent3"/>
-          </a:lnRef>
-          <a:fillRef idx="1">
-            <a:schemeClr val="lt1"/>
-          </a:fillRef>
-          <a:effectRef idx="0">
-            <a:schemeClr val="accent3"/>
-          </a:effectRef>
-          <a:fontRef idx="minor">
-            <a:schemeClr val="dk1"/>
-          </a:fontRef>
-        </p:style>
-        <p:txBody>
-          <a:bodyPr rtlCol="0" anchor="ctr"/>
-          <a:lstStyle/>
-          <a:p>
-            <a:pPr algn="ctr"/>
-            <a:endParaRPr lang="en-US"/>
-          </a:p>
-        </p:txBody>
-      </p:sp>
-      <p:sp>
-        <p:nvSpPr>
-          <p:cNvPr id="32" name="직사각형 31"/>
-          <p:cNvSpPr/>
-          <p:nvPr/>
-        </p:nvSpPr>
-        <p:spPr>
-          <a:xfrm>
-            <a:off x="4400250" y="2141766"/>
-            <a:ext cx="5780314" cy="3320143"/>
-          </a:xfrm>
-          <a:prstGeom prst="rect">
-            <a:avLst/>
-          </a:prstGeom>
-          <a:solidFill>
-            <a:schemeClr val="bg1"/>
-          </a:solidFill>
-          <a:ln>
-            <a:solidFill>
-              <a:schemeClr val="tx1"/>
-            </a:solidFill>
-          </a:ln>
-        </p:spPr>
-        <p:style>
-          <a:lnRef idx="2">
-            <a:schemeClr val="accent1">
-              <a:shade val="50000"/>
-            </a:schemeClr>
-          </a:lnRef>
-          <a:fillRef idx="1">
-            <a:schemeClr val="accent1"/>
-          </a:fillRef>
-          <a:effectRef idx="0">
-            <a:schemeClr val="accent1"/>
-          </a:effectRef>
-          <a:fontRef idx="minor">
-            <a:schemeClr val="lt1"/>
-          </a:fontRef>
-        </p:style>
-        <p:txBody>
-          <a:bodyPr rtlCol="0" anchor="ctr"/>
-          <a:lstStyle/>
-          <a:p>
-            <a:pPr algn="ctr"/>
-            <a:endParaRPr lang="en-US"/>
-          </a:p>
-        </p:txBody>
-      </p:sp>
-      <p:sp>
-        <p:nvSpPr>
-          <p:cNvPr id="11" name="직사각형 10"/>
-          <p:cNvSpPr/>
-          <p:nvPr/>
-        </p:nvSpPr>
-        <p:spPr>
-          <a:xfrm>
-            <a:off x="4691894" y="2500994"/>
-            <a:ext cx="1440000" cy="1080000"/>
-          </a:xfrm>
-          <a:prstGeom prst="rect">
-            <a:avLst/>
-          </a:prstGeom>
-        </p:spPr>
-        <p:style>
-          <a:lnRef idx="2">
-            <a:schemeClr val="accent1">
-              <a:shade val="50000"/>
-            </a:schemeClr>
-          </a:lnRef>
-          <a:fillRef idx="1">
-            <a:schemeClr val="accent1"/>
-          </a:fillRef>
-          <a:effectRef idx="0">
-            <a:schemeClr val="accent1"/>
-          </a:effectRef>
-          <a:fontRef idx="minor">
-            <a:schemeClr val="lt1"/>
-          </a:fontRef>
-        </p:style>
-        <p:txBody>
-          <a:bodyPr rtlCol="0" anchor="ctr"/>
-          <a:lstStyle/>
-          <a:p>
-            <a:pPr algn="ctr"/>
-            <a:endParaRPr lang="en-US"/>
-          </a:p>
-        </p:txBody>
-      </p:sp>
-      <p:sp>
-        <p:nvSpPr>
-          <p:cNvPr id="12" name="직사각형 11"/>
-          <p:cNvSpPr/>
-          <p:nvPr/>
-        </p:nvSpPr>
-        <p:spPr>
-          <a:xfrm>
-            <a:off x="6392908" y="2500994"/>
-            <a:ext cx="1440000" cy="1080000"/>
-          </a:xfrm>
-          <a:prstGeom prst="rect">
-            <a:avLst/>
-          </a:prstGeom>
-        </p:spPr>
-        <p:style>
-          <a:lnRef idx="2">
-            <a:schemeClr val="accent1">
-              <a:shade val="50000"/>
-            </a:schemeClr>
-          </a:lnRef>
-          <a:fillRef idx="1">
-            <a:schemeClr val="accent1"/>
-          </a:fillRef>
-          <a:effectRef idx="0">
-            <a:schemeClr val="accent1"/>
-          </a:effectRef>
-          <a:fontRef idx="minor">
-            <a:schemeClr val="lt1"/>
-          </a:fontRef>
-        </p:style>
-        <p:txBody>
-          <a:bodyPr rtlCol="0" anchor="ctr"/>
-          <a:lstStyle/>
-          <a:p>
-            <a:pPr algn="ctr"/>
-            <a:endParaRPr lang="en-US"/>
-          </a:p>
-        </p:txBody>
-      </p:sp>
-      <p:sp>
-        <p:nvSpPr>
-          <p:cNvPr id="13" name="직사각형 12"/>
-          <p:cNvSpPr/>
-          <p:nvPr/>
-        </p:nvSpPr>
-        <p:spPr>
-          <a:xfrm>
-            <a:off x="8151071" y="2494849"/>
-            <a:ext cx="1440000" cy="1080000"/>
-          </a:xfrm>
-          <a:prstGeom prst="rect">
-            <a:avLst/>
-          </a:prstGeom>
-        </p:spPr>
-        <p:style>
-          <a:lnRef idx="2">
-            <a:schemeClr val="accent1">
-              <a:shade val="50000"/>
-            </a:schemeClr>
-          </a:lnRef>
-          <a:fillRef idx="1">
-            <a:schemeClr val="accent1"/>
-          </a:fillRef>
-          <a:effectRef idx="0">
-            <a:schemeClr val="accent1"/>
-          </a:effectRef>
-          <a:fontRef idx="minor">
-            <a:schemeClr val="lt1"/>
-          </a:fontRef>
-        </p:style>
-        <p:txBody>
-          <a:bodyPr rtlCol="0" anchor="ctr"/>
-          <a:lstStyle/>
-          <a:p>
-            <a:pPr algn="ctr"/>
-            <a:endParaRPr lang="en-US"/>
-          </a:p>
-        </p:txBody>
-      </p:sp>
-      <p:sp>
-        <p:nvSpPr>
-          <p:cNvPr id="14" name="직사각형 13"/>
-          <p:cNvSpPr/>
-          <p:nvPr/>
-        </p:nvSpPr>
-        <p:spPr>
-          <a:xfrm>
-            <a:off x="4691894" y="3915638"/>
-            <a:ext cx="1440000" cy="1080000"/>
-          </a:xfrm>
-          <a:prstGeom prst="rect">
-            <a:avLst/>
-          </a:prstGeom>
-        </p:spPr>
-        <p:style>
-          <a:lnRef idx="2">
-            <a:schemeClr val="accent1">
-              <a:shade val="50000"/>
-            </a:schemeClr>
-          </a:lnRef>
-          <a:fillRef idx="1">
-            <a:schemeClr val="accent1"/>
-          </a:fillRef>
-          <a:effectRef idx="0">
-            <a:schemeClr val="accent1"/>
-          </a:effectRef>
-          <a:fontRef idx="minor">
-            <a:schemeClr val="lt1"/>
-          </a:fontRef>
-        </p:style>
-        <p:txBody>
-          <a:bodyPr rtlCol="0" anchor="ctr"/>
-          <a:lstStyle/>
-          <a:p>
-            <a:pPr algn="ctr"/>
-            <a:endParaRPr lang="en-US"/>
-          </a:p>
-        </p:txBody>
-      </p:sp>
-      <p:sp>
-        <p:nvSpPr>
-          <p:cNvPr id="15" name="직사각형 14"/>
-          <p:cNvSpPr/>
-          <p:nvPr/>
-        </p:nvSpPr>
-        <p:spPr>
-          <a:xfrm>
-            <a:off x="6392908" y="3915638"/>
-            <a:ext cx="1440000" cy="1080000"/>
-          </a:xfrm>
-          <a:prstGeom prst="rect">
-            <a:avLst/>
-          </a:prstGeom>
-        </p:spPr>
-        <p:style>
-          <a:lnRef idx="2">
-            <a:schemeClr val="accent1">
-              <a:shade val="50000"/>
-            </a:schemeClr>
-          </a:lnRef>
-          <a:fillRef idx="1">
-            <a:schemeClr val="accent1"/>
-          </a:fillRef>
-          <a:effectRef idx="0">
-            <a:schemeClr val="accent1"/>
-          </a:effectRef>
-          <a:fontRef idx="minor">
-            <a:schemeClr val="lt1"/>
-          </a:fontRef>
-        </p:style>
-        <p:txBody>
-          <a:bodyPr rtlCol="0" anchor="ctr"/>
-          <a:lstStyle/>
-          <a:p>
-            <a:pPr algn="ctr"/>
-            <a:endParaRPr lang="en-US"/>
-          </a:p>
-        </p:txBody>
-      </p:sp>
-      <p:sp>
-        <p:nvSpPr>
-          <p:cNvPr id="16" name="직사각형 15"/>
-          <p:cNvSpPr/>
-          <p:nvPr/>
-        </p:nvSpPr>
-        <p:spPr>
-          <a:xfrm>
-            <a:off x="8151071" y="3915638"/>
-            <a:ext cx="1440000" cy="1080000"/>
-          </a:xfrm>
-          <a:prstGeom prst="rect">
-            <a:avLst/>
-          </a:prstGeom>
-        </p:spPr>
-        <p:style>
-          <a:lnRef idx="2">
-            <a:schemeClr val="accent1">
-              <a:shade val="50000"/>
-            </a:schemeClr>
-          </a:lnRef>
-          <a:fillRef idx="1">
-            <a:schemeClr val="accent1"/>
-          </a:fillRef>
-          <a:effectRef idx="0">
-            <a:schemeClr val="accent1"/>
-          </a:effectRef>
-          <a:fontRef idx="minor">
-            <a:schemeClr val="lt1"/>
-          </a:fontRef>
-        </p:style>
-        <p:txBody>
-          <a:bodyPr rtlCol="0" anchor="ctr"/>
-          <a:lstStyle/>
-          <a:p>
-            <a:pPr algn="ctr"/>
-            <a:endParaRPr lang="en-US"/>
-          </a:p>
-        </p:txBody>
-      </p:sp>
-      <p:sp>
-        <p:nvSpPr>
-          <p:cNvPr id="18" name="모서리가 둥근 직사각형 17"/>
-          <p:cNvSpPr/>
-          <p:nvPr/>
-        </p:nvSpPr>
-        <p:spPr>
-          <a:xfrm>
-            <a:off x="4445514" y="1184935"/>
-            <a:ext cx="1653722" cy="635000"/>
-          </a:xfrm>
-          <a:prstGeom prst="roundRect">
-            <a:avLst/>
-          </a:prstGeom>
-        </p:spPr>
-        <p:style>
-          <a:lnRef idx="2">
-            <a:schemeClr val="dk1">
-              <a:shade val="50000"/>
-            </a:schemeClr>
-          </a:lnRef>
-          <a:fillRef idx="1">
-            <a:schemeClr val="dk1"/>
-          </a:fillRef>
-          <a:effectRef idx="0">
-            <a:schemeClr val="dk1"/>
-          </a:effectRef>
-          <a:fontRef idx="minor">
-            <a:schemeClr val="lt1"/>
-          </a:fontRef>
-        </p:style>
-        <p:txBody>
-          <a:bodyPr rtlCol="0" anchor="ctr"/>
-          <a:lstStyle/>
-          <a:p>
-            <a:pPr algn="ctr"/>
-            <a:endParaRPr lang="en-US"/>
-          </a:p>
-        </p:txBody>
-      </p:sp>
-      <p:sp>
-        <p:nvSpPr>
-          <p:cNvPr id="19" name="모서리가 둥근 직사각형 18"/>
-          <p:cNvSpPr/>
-          <p:nvPr/>
-        </p:nvSpPr>
-        <p:spPr>
-          <a:xfrm>
-            <a:off x="6438172" y="1184935"/>
-            <a:ext cx="1653722" cy="635000"/>
-          </a:xfrm>
-          <a:prstGeom prst="roundRect">
-            <a:avLst/>
-          </a:prstGeom>
-        </p:spPr>
-        <p:style>
-          <a:lnRef idx="2">
-            <a:schemeClr val="dk1">
-              <a:shade val="50000"/>
-            </a:schemeClr>
-          </a:lnRef>
-          <a:fillRef idx="1">
-            <a:schemeClr val="dk1"/>
-          </a:fillRef>
-          <a:effectRef idx="0">
-            <a:schemeClr val="dk1"/>
-          </a:effectRef>
-          <a:fontRef idx="minor">
-            <a:schemeClr val="lt1"/>
-          </a:fontRef>
-        </p:style>
-        <p:txBody>
-          <a:bodyPr rtlCol="0" anchor="ctr"/>
-          <a:lstStyle/>
-          <a:p>
-            <a:pPr algn="ctr"/>
-            <a:endParaRPr lang="en-US"/>
-          </a:p>
-        </p:txBody>
-      </p:sp>
-      <p:sp>
-        <p:nvSpPr>
-          <p:cNvPr id="20" name="모서리가 둥근 직사각형 19"/>
-          <p:cNvSpPr/>
-          <p:nvPr/>
-        </p:nvSpPr>
-        <p:spPr>
-          <a:xfrm>
-            <a:off x="8430830" y="1184935"/>
-            <a:ext cx="1653722" cy="635000"/>
-          </a:xfrm>
-          <a:prstGeom prst="roundRect">
-            <a:avLst/>
-          </a:prstGeom>
-        </p:spPr>
-        <p:style>
-          <a:lnRef idx="2">
-            <a:schemeClr val="dk1">
-              <a:shade val="50000"/>
-            </a:schemeClr>
-          </a:lnRef>
-          <a:fillRef idx="1">
-            <a:schemeClr val="dk1"/>
-          </a:fillRef>
-          <a:effectRef idx="0">
-            <a:schemeClr val="dk1"/>
-          </a:effectRef>
-          <a:fontRef idx="minor">
-            <a:schemeClr val="lt1"/>
-          </a:fontRef>
-        </p:style>
-        <p:txBody>
-          <a:bodyPr rtlCol="0" anchor="ctr"/>
-          <a:lstStyle/>
-          <a:p>
-            <a:pPr algn="ctr"/>
-            <a:endParaRPr lang="en-US"/>
-          </a:p>
-        </p:txBody>
-      </p:sp>
-      <p:sp>
-        <p:nvSpPr>
-          <p:cNvPr id="21" name="직사각형 20"/>
-          <p:cNvSpPr/>
-          <p:nvPr/>
-        </p:nvSpPr>
-        <p:spPr>
-          <a:xfrm>
-            <a:off x="9959222" y="2141766"/>
-            <a:ext cx="254000" cy="3320143"/>
-          </a:xfrm>
-          <a:prstGeom prst="rect">
-            <a:avLst/>
-          </a:prstGeom>
-          <a:solidFill>
-            <a:schemeClr val="bg1"/>
-          </a:solidFill>
-          <a:ln>
-            <a:solidFill>
-              <a:schemeClr val="tx1"/>
-            </a:solidFill>
-          </a:ln>
-        </p:spPr>
-        <p:style>
-          <a:lnRef idx="2">
-            <a:schemeClr val="accent3"/>
-          </a:lnRef>
-          <a:fillRef idx="1">
-            <a:schemeClr val="lt1"/>
-          </a:fillRef>
-          <a:effectRef idx="0">
-            <a:schemeClr val="accent3"/>
-          </a:effectRef>
-          <a:fontRef idx="minor">
-            <a:schemeClr val="dk1"/>
-          </a:fontRef>
-        </p:style>
-        <p:txBody>
-          <a:bodyPr rtlCol="0" anchor="ctr"/>
-          <a:lstStyle/>
-          <a:p>
-            <a:pPr algn="ctr"/>
-            <a:endParaRPr lang="en-US"/>
-          </a:p>
-        </p:txBody>
-      </p:sp>
-      <p:sp>
-        <p:nvSpPr>
-          <p:cNvPr id="22" name="직사각형 21"/>
-          <p:cNvSpPr/>
-          <p:nvPr/>
-        </p:nvSpPr>
-        <p:spPr>
-          <a:xfrm>
-            <a:off x="9984911" y="2348594"/>
-            <a:ext cx="206248" cy="1041400"/>
-          </a:xfrm>
-          <a:prstGeom prst="rect">
-            <a:avLst/>
-          </a:prstGeom>
-          <a:solidFill>
-            <a:schemeClr val="bg1">
-              <a:lumMod val="75000"/>
-            </a:schemeClr>
-          </a:solidFill>
-          <a:ln>
-            <a:noFill/>
-          </a:ln>
-        </p:spPr>
-        <p:style>
-          <a:lnRef idx="2">
-            <a:schemeClr val="dk1">
-              <a:shade val="50000"/>
-            </a:schemeClr>
-          </a:lnRef>
-          <a:fillRef idx="1">
-            <a:schemeClr val="dk1"/>
-          </a:fillRef>
-          <a:effectRef idx="0">
-            <a:schemeClr val="dk1"/>
-          </a:effectRef>
-          <a:fontRef idx="minor">
-            <a:schemeClr val="lt1"/>
-          </a:fontRef>
-        </p:style>
-        <p:txBody>
-          <a:bodyPr rtlCol="0" anchor="ctr"/>
-          <a:lstStyle/>
-          <a:p>
-            <a:pPr algn="ctr"/>
-            <a:endParaRPr lang="en-US"/>
-          </a:p>
-        </p:txBody>
-      </p:sp>
       <p:grpSp>
         <p:nvGrpSpPr>
-          <p:cNvPr id="25" name="그룹 24"/>
+          <p:cNvPr id="26" name="그룹 25"/>
           <p:cNvGrpSpPr/>
           <p:nvPr/>
         </p:nvGrpSpPr>
         <p:grpSpPr>
           <a:xfrm>
-            <a:off x="9984911" y="2152652"/>
-            <a:ext cx="206248" cy="177800"/>
-            <a:chOff x="676338" y="1066800"/>
-            <a:chExt cx="206248" cy="177800"/>
+            <a:off x="8771836" y="3351515"/>
+            <a:ext cx="3095530" cy="1945996"/>
+            <a:chOff x="2628900" y="1117600"/>
+            <a:chExt cx="7861300" cy="4941982"/>
           </a:xfrm>
         </p:grpSpPr>
         <p:sp>
           <p:nvSpPr>
-            <p:cNvPr id="24" name="직사각형 23"/>
+            <p:cNvPr id="27" name="직사각형 26"/>
             <p:cNvSpPr/>
             <p:nvPr/>
           </p:nvSpPr>
           <p:spPr>
             <a:xfrm>
-              <a:off x="676338" y="1066800"/>
-              <a:ext cx="206248" cy="177800"/>
+              <a:off x="2628900" y="1117600"/>
+              <a:ext cx="7861300" cy="4941982"/>
             </a:xfrm>
             <a:prstGeom prst="rect">
               <a:avLst/>
             </a:prstGeom>
             <a:solidFill>
-              <a:schemeClr val="bg1">
-                <a:lumMod val="75000"/>
+              <a:schemeClr val="bg2"/>
+            </a:solidFill>
+          </p:spPr>
+          <p:style>
+            <a:lnRef idx="2">
+              <a:schemeClr val="accent3"/>
+            </a:lnRef>
+            <a:fillRef idx="1">
+              <a:schemeClr val="lt1"/>
+            </a:fillRef>
+            <a:effectRef idx="0">
+              <a:schemeClr val="accent3"/>
+            </a:effectRef>
+            <a:fontRef idx="minor">
+              <a:schemeClr val="dk1"/>
+            </a:fontRef>
+          </p:style>
+          <p:txBody>
+            <a:bodyPr rtlCol="0" anchor="ctr"/>
+            <a:lstStyle/>
+            <a:p>
+              <a:pPr algn="ctr"/>
+              <a:endParaRPr lang="en-US" sz="1600">
+                <a:latin typeface="Roboto" panose="02000000000000000000" pitchFamily="2" charset="0"/>
+                <a:ea typeface="Roboto" panose="02000000000000000000" pitchFamily="2" charset="0"/>
+              </a:endParaRPr>
+            </a:p>
+          </p:txBody>
+        </p:sp>
+        <p:sp>
+          <p:nvSpPr>
+            <p:cNvPr id="28" name="직사각형 27"/>
+            <p:cNvSpPr/>
+            <p:nvPr/>
+          </p:nvSpPr>
+          <p:spPr>
+            <a:xfrm>
+              <a:off x="4610097" y="2413907"/>
+              <a:ext cx="5633232" cy="3379939"/>
+            </a:xfrm>
+            <a:prstGeom prst="rect">
+              <a:avLst/>
+            </a:prstGeom>
+            <a:solidFill>
+              <a:schemeClr val="bg1"/>
+            </a:solidFill>
+            <a:ln>
+              <a:solidFill>
+                <a:schemeClr val="tx1"/>
+              </a:solidFill>
+            </a:ln>
+          </p:spPr>
+          <p:style>
+            <a:lnRef idx="2">
+              <a:schemeClr val="accent1">
+                <a:shade val="50000"/>
+              </a:schemeClr>
+            </a:lnRef>
+            <a:fillRef idx="1">
+              <a:schemeClr val="accent1"/>
+            </a:fillRef>
+            <a:effectRef idx="0">
+              <a:schemeClr val="accent1"/>
+            </a:effectRef>
+            <a:fontRef idx="minor">
+              <a:schemeClr val="lt1"/>
+            </a:fontRef>
+          </p:style>
+          <p:txBody>
+            <a:bodyPr rtlCol="0" anchor="ctr"/>
+            <a:lstStyle/>
+            <a:p>
+              <a:pPr algn="ctr"/>
+              <a:endParaRPr lang="en-US" sz="1600">
+                <a:latin typeface="Roboto" panose="02000000000000000000" pitchFamily="2" charset="0"/>
+                <a:ea typeface="Roboto" panose="02000000000000000000" pitchFamily="2" charset="0"/>
+              </a:endParaRPr>
+            </a:p>
+          </p:txBody>
+        </p:sp>
+        <p:sp>
+          <p:nvSpPr>
+            <p:cNvPr id="33" name="직사각형 32"/>
+            <p:cNvSpPr/>
+            <p:nvPr/>
+          </p:nvSpPr>
+          <p:spPr>
+            <a:xfrm>
+              <a:off x="2897843" y="2824982"/>
+              <a:ext cx="1440000" cy="360000"/>
+            </a:xfrm>
+            <a:prstGeom prst="rect">
+              <a:avLst/>
+            </a:prstGeom>
+            <a:solidFill>
+              <a:schemeClr val="bg2">
+                <a:lumMod val="50000"/>
               </a:schemeClr>
             </a:solidFill>
             <a:ln>
@@ -6162,42 +5684,47 @@
             <a:lstStyle/>
             <a:p>
               <a:pPr algn="ctr"/>
-              <a:endParaRPr lang="en-US"/>
+              <a:endParaRPr lang="en-US" sz="1600">
+                <a:latin typeface="Roboto" panose="02000000000000000000" pitchFamily="2" charset="0"/>
+                <a:ea typeface="Roboto" panose="02000000000000000000" pitchFamily="2" charset="0"/>
+              </a:endParaRPr>
             </a:p>
           </p:txBody>
         </p:sp>
         <p:sp>
           <p:nvSpPr>
-            <p:cNvPr id="23" name="이등변 삼각형 22"/>
+            <p:cNvPr id="34" name="직사각형 33"/>
             <p:cNvSpPr/>
             <p:nvPr/>
           </p:nvSpPr>
           <p:spPr>
             <a:xfrm>
-              <a:off x="701738" y="1085850"/>
-              <a:ext cx="154686" cy="133350"/>
+              <a:off x="2897843" y="3345682"/>
+              <a:ext cx="1440000" cy="360000"/>
             </a:xfrm>
-            <a:prstGeom prst="triangle">
+            <a:prstGeom prst="rect">
               <a:avLst/>
             </a:prstGeom>
             <a:solidFill>
-              <a:schemeClr val="tx1"/>
+              <a:schemeClr val="bg2">
+                <a:lumMod val="50000"/>
+              </a:schemeClr>
             </a:solidFill>
-            <a:ln>
+            <a:ln w="44450">
               <a:noFill/>
             </a:ln>
           </p:spPr>
           <p:style>
             <a:lnRef idx="2">
-              <a:schemeClr val="dk1">
+              <a:schemeClr val="accent1">
                 <a:shade val="50000"/>
               </a:schemeClr>
             </a:lnRef>
             <a:fillRef idx="1">
-              <a:schemeClr val="dk1"/>
+              <a:schemeClr val="accent1"/>
             </a:fillRef>
             <a:effectRef idx="0">
-              <a:schemeClr val="dk1"/>
+              <a:schemeClr val="accent1"/>
             </a:effectRef>
             <a:fontRef idx="minor">
               <a:schemeClr val="lt1"/>
@@ -6208,42 +5735,30 @@
             <a:lstStyle/>
             <a:p>
               <a:pPr algn="ctr"/>
-              <a:endParaRPr lang="en-US"/>
+              <a:endParaRPr lang="en-US" sz="1600">
+                <a:latin typeface="Roboto" panose="02000000000000000000" pitchFamily="2" charset="0"/>
+                <a:ea typeface="Roboto" panose="02000000000000000000" pitchFamily="2" charset="0"/>
+              </a:endParaRPr>
             </a:p>
           </p:txBody>
         </p:sp>
-      </p:grpSp>
-      <p:grpSp>
-        <p:nvGrpSpPr>
-          <p:cNvPr id="29" name="그룹 28"/>
-          <p:cNvGrpSpPr/>
-          <p:nvPr/>
-        </p:nvGrpSpPr>
-        <p:grpSpPr>
-          <a:xfrm flipH="1" flipV="1">
-            <a:off x="9984911" y="5284110"/>
-            <a:ext cx="206248" cy="177800"/>
-            <a:chOff x="676338" y="1066800"/>
-            <a:chExt cx="206248" cy="177800"/>
-          </a:xfrm>
-        </p:grpSpPr>
         <p:sp>
           <p:nvSpPr>
-            <p:cNvPr id="30" name="직사각형 29"/>
+            <p:cNvPr id="35" name="직사각형 34"/>
             <p:cNvSpPr/>
             <p:nvPr/>
           </p:nvSpPr>
           <p:spPr>
             <a:xfrm>
-              <a:off x="676338" y="1066800"/>
-              <a:ext cx="206248" cy="177800"/>
+              <a:off x="2897843" y="3866382"/>
+              <a:ext cx="1440000" cy="360000"/>
             </a:xfrm>
             <a:prstGeom prst="rect">
               <a:avLst/>
             </a:prstGeom>
             <a:solidFill>
-              <a:schemeClr val="bg1">
-                <a:lumMod val="75000"/>
+              <a:schemeClr val="bg2">
+                <a:lumMod val="50000"/>
               </a:schemeClr>
             </a:solidFill>
             <a:ln>
@@ -6271,26 +5786,569 @@
             <a:lstStyle/>
             <a:p>
               <a:pPr algn="ctr"/>
-              <a:endParaRPr lang="en-US"/>
+              <a:endParaRPr lang="en-US" sz="1600">
+                <a:latin typeface="Roboto" panose="02000000000000000000" pitchFamily="2" charset="0"/>
+                <a:ea typeface="Roboto" panose="02000000000000000000" pitchFamily="2" charset="0"/>
+              </a:endParaRPr>
             </a:p>
           </p:txBody>
         </p:sp>
         <p:sp>
           <p:nvSpPr>
-            <p:cNvPr id="31" name="이등변 삼각형 30"/>
+            <p:cNvPr id="36" name="직사각형 35"/>
             <p:cNvSpPr/>
             <p:nvPr/>
           </p:nvSpPr>
           <p:spPr>
             <a:xfrm>
-              <a:off x="701738" y="1085850"/>
-              <a:ext cx="154686" cy="133350"/>
+              <a:off x="2897843" y="4387082"/>
+              <a:ext cx="1440000" cy="360000"/>
             </a:xfrm>
-            <a:prstGeom prst="triangle">
+            <a:prstGeom prst="rect">
               <a:avLst/>
             </a:prstGeom>
             <a:solidFill>
-              <a:schemeClr val="tx1"/>
+              <a:schemeClr val="bg2">
+                <a:lumMod val="50000"/>
+              </a:schemeClr>
+            </a:solidFill>
+            <a:ln>
+              <a:noFill/>
+            </a:ln>
+          </p:spPr>
+          <p:style>
+            <a:lnRef idx="2">
+              <a:schemeClr val="accent1">
+                <a:shade val="50000"/>
+              </a:schemeClr>
+            </a:lnRef>
+            <a:fillRef idx="1">
+              <a:schemeClr val="accent1"/>
+            </a:fillRef>
+            <a:effectRef idx="0">
+              <a:schemeClr val="accent1"/>
+            </a:effectRef>
+            <a:fontRef idx="minor">
+              <a:schemeClr val="lt1"/>
+            </a:fontRef>
+          </p:style>
+          <p:txBody>
+            <a:bodyPr rtlCol="0" anchor="ctr"/>
+            <a:lstStyle/>
+            <a:p>
+              <a:pPr algn="ctr"/>
+              <a:endParaRPr lang="en-US" sz="1600">
+                <a:latin typeface="Roboto" panose="02000000000000000000" pitchFamily="2" charset="0"/>
+                <a:ea typeface="Roboto" panose="02000000000000000000" pitchFamily="2" charset="0"/>
+              </a:endParaRPr>
+            </a:p>
+          </p:txBody>
+        </p:sp>
+        <p:sp>
+          <p:nvSpPr>
+            <p:cNvPr id="37" name="직사각형 36"/>
+            <p:cNvSpPr/>
+            <p:nvPr/>
+          </p:nvSpPr>
+          <p:spPr>
+            <a:xfrm>
+              <a:off x="2897843" y="4907782"/>
+              <a:ext cx="1440000" cy="360000"/>
+            </a:xfrm>
+            <a:prstGeom prst="rect">
+              <a:avLst/>
+            </a:prstGeom>
+            <a:solidFill>
+              <a:schemeClr val="bg2">
+                <a:lumMod val="50000"/>
+              </a:schemeClr>
+            </a:solidFill>
+            <a:ln>
+              <a:noFill/>
+            </a:ln>
+          </p:spPr>
+          <p:style>
+            <a:lnRef idx="2">
+              <a:schemeClr val="accent1">
+                <a:shade val="50000"/>
+              </a:schemeClr>
+            </a:lnRef>
+            <a:fillRef idx="1">
+              <a:schemeClr val="accent1"/>
+            </a:fillRef>
+            <a:effectRef idx="0">
+              <a:schemeClr val="accent1"/>
+            </a:effectRef>
+            <a:fontRef idx="minor">
+              <a:schemeClr val="lt1"/>
+            </a:fontRef>
+          </p:style>
+          <p:txBody>
+            <a:bodyPr rtlCol="0" anchor="ctr"/>
+            <a:lstStyle/>
+            <a:p>
+              <a:pPr algn="ctr"/>
+              <a:endParaRPr lang="en-US" sz="1600">
+                <a:latin typeface="Roboto" panose="02000000000000000000" pitchFamily="2" charset="0"/>
+                <a:ea typeface="Roboto" panose="02000000000000000000" pitchFamily="2" charset="0"/>
+              </a:endParaRPr>
+            </a:p>
+          </p:txBody>
+        </p:sp>
+        <p:sp>
+          <p:nvSpPr>
+            <p:cNvPr id="38" name="직사각형 37"/>
+            <p:cNvSpPr/>
+            <p:nvPr/>
+          </p:nvSpPr>
+          <p:spPr>
+            <a:xfrm>
+              <a:off x="4837036" y="2773138"/>
+              <a:ext cx="1404000" cy="1080000"/>
+            </a:xfrm>
+            <a:prstGeom prst="rect">
+              <a:avLst/>
+            </a:prstGeom>
+          </p:spPr>
+          <p:style>
+            <a:lnRef idx="2">
+              <a:schemeClr val="accent1">
+                <a:shade val="50000"/>
+              </a:schemeClr>
+            </a:lnRef>
+            <a:fillRef idx="1">
+              <a:schemeClr val="accent1"/>
+            </a:fillRef>
+            <a:effectRef idx="0">
+              <a:schemeClr val="accent1"/>
+            </a:effectRef>
+            <a:fontRef idx="minor">
+              <a:schemeClr val="lt1"/>
+            </a:fontRef>
+          </p:style>
+          <p:txBody>
+            <a:bodyPr rtlCol="0" anchor="ctr"/>
+            <a:lstStyle/>
+            <a:p>
+              <a:pPr algn="ctr"/>
+              <a:endParaRPr lang="en-US" sz="1600">
+                <a:latin typeface="Roboto" panose="02000000000000000000" pitchFamily="2" charset="0"/>
+                <a:ea typeface="Roboto" panose="02000000000000000000" pitchFamily="2" charset="0"/>
+              </a:endParaRPr>
+            </a:p>
+          </p:txBody>
+        </p:sp>
+        <p:sp>
+          <p:nvSpPr>
+            <p:cNvPr id="39" name="직사각형 38"/>
+            <p:cNvSpPr/>
+            <p:nvPr/>
+          </p:nvSpPr>
+          <p:spPr>
+            <a:xfrm>
+              <a:off x="6538050" y="2773138"/>
+              <a:ext cx="1404000" cy="1080000"/>
+            </a:xfrm>
+            <a:prstGeom prst="rect">
+              <a:avLst/>
+            </a:prstGeom>
+          </p:spPr>
+          <p:style>
+            <a:lnRef idx="2">
+              <a:schemeClr val="accent1">
+                <a:shade val="50000"/>
+              </a:schemeClr>
+            </a:lnRef>
+            <a:fillRef idx="1">
+              <a:schemeClr val="accent1"/>
+            </a:fillRef>
+            <a:effectRef idx="0">
+              <a:schemeClr val="accent1"/>
+            </a:effectRef>
+            <a:fontRef idx="minor">
+              <a:schemeClr val="lt1"/>
+            </a:fontRef>
+          </p:style>
+          <p:txBody>
+            <a:bodyPr rtlCol="0" anchor="ctr"/>
+            <a:lstStyle/>
+            <a:p>
+              <a:pPr algn="ctr"/>
+              <a:endParaRPr lang="en-US" sz="1600">
+                <a:latin typeface="Roboto" panose="02000000000000000000" pitchFamily="2" charset="0"/>
+                <a:ea typeface="Roboto" panose="02000000000000000000" pitchFamily="2" charset="0"/>
+              </a:endParaRPr>
+            </a:p>
+          </p:txBody>
+        </p:sp>
+        <p:sp>
+          <p:nvSpPr>
+            <p:cNvPr id="40" name="직사각형 39"/>
+            <p:cNvSpPr/>
+            <p:nvPr/>
+          </p:nvSpPr>
+          <p:spPr>
+            <a:xfrm>
+              <a:off x="8296213" y="2766993"/>
+              <a:ext cx="1404000" cy="1080000"/>
+            </a:xfrm>
+            <a:prstGeom prst="rect">
+              <a:avLst/>
+            </a:prstGeom>
+          </p:spPr>
+          <p:style>
+            <a:lnRef idx="2">
+              <a:schemeClr val="accent1">
+                <a:shade val="50000"/>
+              </a:schemeClr>
+            </a:lnRef>
+            <a:fillRef idx="1">
+              <a:schemeClr val="accent1"/>
+            </a:fillRef>
+            <a:effectRef idx="0">
+              <a:schemeClr val="accent1"/>
+            </a:effectRef>
+            <a:fontRef idx="minor">
+              <a:schemeClr val="lt1"/>
+            </a:fontRef>
+          </p:style>
+          <p:txBody>
+            <a:bodyPr rtlCol="0" anchor="ctr"/>
+            <a:lstStyle/>
+            <a:p>
+              <a:pPr algn="ctr"/>
+              <a:endParaRPr lang="en-US" sz="1600">
+                <a:latin typeface="Roboto" panose="02000000000000000000" pitchFamily="2" charset="0"/>
+                <a:ea typeface="Roboto" panose="02000000000000000000" pitchFamily="2" charset="0"/>
+              </a:endParaRPr>
+            </a:p>
+          </p:txBody>
+        </p:sp>
+        <p:sp>
+          <p:nvSpPr>
+            <p:cNvPr id="41" name="직사각형 40"/>
+            <p:cNvSpPr/>
+            <p:nvPr/>
+          </p:nvSpPr>
+          <p:spPr>
+            <a:xfrm>
+              <a:off x="4837036" y="4187782"/>
+              <a:ext cx="1404000" cy="1080000"/>
+            </a:xfrm>
+            <a:prstGeom prst="rect">
+              <a:avLst/>
+            </a:prstGeom>
+          </p:spPr>
+          <p:style>
+            <a:lnRef idx="2">
+              <a:schemeClr val="accent1">
+                <a:shade val="50000"/>
+              </a:schemeClr>
+            </a:lnRef>
+            <a:fillRef idx="1">
+              <a:schemeClr val="accent1"/>
+            </a:fillRef>
+            <a:effectRef idx="0">
+              <a:schemeClr val="accent1"/>
+            </a:effectRef>
+            <a:fontRef idx="minor">
+              <a:schemeClr val="lt1"/>
+            </a:fontRef>
+          </p:style>
+          <p:txBody>
+            <a:bodyPr rtlCol="0" anchor="ctr"/>
+            <a:lstStyle/>
+            <a:p>
+              <a:pPr algn="ctr"/>
+              <a:endParaRPr lang="en-US" sz="1600">
+                <a:latin typeface="Roboto" panose="02000000000000000000" pitchFamily="2" charset="0"/>
+                <a:ea typeface="Roboto" panose="02000000000000000000" pitchFamily="2" charset="0"/>
+              </a:endParaRPr>
+            </a:p>
+          </p:txBody>
+        </p:sp>
+        <p:sp>
+          <p:nvSpPr>
+            <p:cNvPr id="42" name="직사각형 41"/>
+            <p:cNvSpPr/>
+            <p:nvPr/>
+          </p:nvSpPr>
+          <p:spPr>
+            <a:xfrm>
+              <a:off x="6538050" y="4187782"/>
+              <a:ext cx="1404000" cy="1080000"/>
+            </a:xfrm>
+            <a:prstGeom prst="rect">
+              <a:avLst/>
+            </a:prstGeom>
+          </p:spPr>
+          <p:style>
+            <a:lnRef idx="2">
+              <a:schemeClr val="accent1">
+                <a:shade val="50000"/>
+              </a:schemeClr>
+            </a:lnRef>
+            <a:fillRef idx="1">
+              <a:schemeClr val="accent1"/>
+            </a:fillRef>
+            <a:effectRef idx="0">
+              <a:schemeClr val="accent1"/>
+            </a:effectRef>
+            <a:fontRef idx="minor">
+              <a:schemeClr val="lt1"/>
+            </a:fontRef>
+          </p:style>
+          <p:txBody>
+            <a:bodyPr rtlCol="0" anchor="ctr"/>
+            <a:lstStyle/>
+            <a:p>
+              <a:pPr algn="ctr"/>
+              <a:endParaRPr lang="en-US" sz="1600">
+                <a:latin typeface="Roboto" panose="02000000000000000000" pitchFamily="2" charset="0"/>
+                <a:ea typeface="Roboto" panose="02000000000000000000" pitchFamily="2" charset="0"/>
+              </a:endParaRPr>
+            </a:p>
+          </p:txBody>
+        </p:sp>
+        <p:sp>
+          <p:nvSpPr>
+            <p:cNvPr id="43" name="직사각형 42"/>
+            <p:cNvSpPr/>
+            <p:nvPr/>
+          </p:nvSpPr>
+          <p:spPr>
+            <a:xfrm>
+              <a:off x="8296213" y="4187782"/>
+              <a:ext cx="1404000" cy="1080000"/>
+            </a:xfrm>
+            <a:prstGeom prst="rect">
+              <a:avLst/>
+            </a:prstGeom>
+          </p:spPr>
+          <p:style>
+            <a:lnRef idx="2">
+              <a:schemeClr val="accent1">
+                <a:shade val="50000"/>
+              </a:schemeClr>
+            </a:lnRef>
+            <a:fillRef idx="1">
+              <a:schemeClr val="accent1"/>
+            </a:fillRef>
+            <a:effectRef idx="0">
+              <a:schemeClr val="accent1"/>
+            </a:effectRef>
+            <a:fontRef idx="minor">
+              <a:schemeClr val="lt1"/>
+            </a:fontRef>
+          </p:style>
+          <p:txBody>
+            <a:bodyPr rtlCol="0" anchor="ctr"/>
+            <a:lstStyle/>
+            <a:p>
+              <a:pPr algn="ctr"/>
+              <a:endParaRPr lang="en-US" sz="1600">
+                <a:latin typeface="Roboto" panose="02000000000000000000" pitchFamily="2" charset="0"/>
+                <a:ea typeface="Roboto" panose="02000000000000000000" pitchFamily="2" charset="0"/>
+              </a:endParaRPr>
+            </a:p>
+          </p:txBody>
+        </p:sp>
+        <p:sp>
+          <p:nvSpPr>
+            <p:cNvPr id="44" name="모서리가 둥근 직사각형 43"/>
+            <p:cNvSpPr/>
+            <p:nvPr/>
+          </p:nvSpPr>
+          <p:spPr>
+            <a:xfrm>
+              <a:off x="4595398" y="1500568"/>
+              <a:ext cx="1620000" cy="540000"/>
+            </a:xfrm>
+            <a:prstGeom prst="roundRect">
+              <a:avLst/>
+            </a:prstGeom>
+          </p:spPr>
+          <p:style>
+            <a:lnRef idx="2">
+              <a:schemeClr val="dk1">
+                <a:shade val="50000"/>
+              </a:schemeClr>
+            </a:lnRef>
+            <a:fillRef idx="1">
+              <a:schemeClr val="dk1"/>
+            </a:fillRef>
+            <a:effectRef idx="0">
+              <a:schemeClr val="dk1"/>
+            </a:effectRef>
+            <a:fontRef idx="minor">
+              <a:schemeClr val="lt1"/>
+            </a:fontRef>
+          </p:style>
+          <p:txBody>
+            <a:bodyPr rtlCol="0" anchor="ctr"/>
+            <a:lstStyle/>
+            <a:p>
+              <a:pPr algn="ctr"/>
+              <a:endParaRPr lang="en-US" sz="1600">
+                <a:latin typeface="Roboto" panose="02000000000000000000" pitchFamily="2" charset="0"/>
+                <a:ea typeface="Roboto" panose="02000000000000000000" pitchFamily="2" charset="0"/>
+              </a:endParaRPr>
+            </a:p>
+          </p:txBody>
+        </p:sp>
+        <p:sp>
+          <p:nvSpPr>
+            <p:cNvPr id="45" name="모서리가 둥근 직사각형 44"/>
+            <p:cNvSpPr/>
+            <p:nvPr/>
+          </p:nvSpPr>
+          <p:spPr>
+            <a:xfrm>
+              <a:off x="6566949" y="1500568"/>
+              <a:ext cx="1620000" cy="540000"/>
+            </a:xfrm>
+            <a:prstGeom prst="roundRect">
+              <a:avLst/>
+            </a:prstGeom>
+          </p:spPr>
+          <p:style>
+            <a:lnRef idx="2">
+              <a:schemeClr val="dk1">
+                <a:shade val="50000"/>
+              </a:schemeClr>
+            </a:lnRef>
+            <a:fillRef idx="1">
+              <a:schemeClr val="dk1"/>
+            </a:fillRef>
+            <a:effectRef idx="0">
+              <a:schemeClr val="dk1"/>
+            </a:effectRef>
+            <a:fontRef idx="minor">
+              <a:schemeClr val="lt1"/>
+            </a:fontRef>
+          </p:style>
+          <p:txBody>
+            <a:bodyPr rtlCol="0" anchor="ctr"/>
+            <a:lstStyle/>
+            <a:p>
+              <a:pPr algn="ctr"/>
+              <a:endParaRPr lang="en-US" sz="1600">
+                <a:latin typeface="Roboto" panose="02000000000000000000" pitchFamily="2" charset="0"/>
+                <a:ea typeface="Roboto" panose="02000000000000000000" pitchFamily="2" charset="0"/>
+              </a:endParaRPr>
+            </a:p>
+          </p:txBody>
+        </p:sp>
+        <p:sp>
+          <p:nvSpPr>
+            <p:cNvPr id="46" name="모서리가 둥근 직사각형 45"/>
+            <p:cNvSpPr/>
+            <p:nvPr/>
+          </p:nvSpPr>
+          <p:spPr>
+            <a:xfrm>
+              <a:off x="8538501" y="1500568"/>
+              <a:ext cx="1620000" cy="540000"/>
+            </a:xfrm>
+            <a:prstGeom prst="roundRect">
+              <a:avLst/>
+            </a:prstGeom>
+          </p:spPr>
+          <p:style>
+            <a:lnRef idx="2">
+              <a:schemeClr val="dk1">
+                <a:shade val="50000"/>
+              </a:schemeClr>
+            </a:lnRef>
+            <a:fillRef idx="1">
+              <a:schemeClr val="dk1"/>
+            </a:fillRef>
+            <a:effectRef idx="0">
+              <a:schemeClr val="dk1"/>
+            </a:effectRef>
+            <a:fontRef idx="minor">
+              <a:schemeClr val="lt1"/>
+            </a:fontRef>
+          </p:style>
+          <p:txBody>
+            <a:bodyPr rtlCol="0" anchor="ctr"/>
+            <a:lstStyle/>
+            <a:p>
+              <a:pPr algn="ctr"/>
+              <a:endParaRPr lang="en-US" sz="1600">
+                <a:latin typeface="Roboto" panose="02000000000000000000" pitchFamily="2" charset="0"/>
+                <a:ea typeface="Roboto" panose="02000000000000000000" pitchFamily="2" charset="0"/>
+              </a:endParaRPr>
+            </a:p>
+          </p:txBody>
+        </p:sp>
+        <p:sp>
+          <p:nvSpPr>
+            <p:cNvPr id="47" name="직사각형 46"/>
+            <p:cNvSpPr/>
+            <p:nvPr/>
+          </p:nvSpPr>
+          <p:spPr>
+            <a:xfrm>
+              <a:off x="9952485" y="2439831"/>
+              <a:ext cx="253999" cy="3320142"/>
+            </a:xfrm>
+            <a:prstGeom prst="rect">
+              <a:avLst/>
+            </a:prstGeom>
+            <a:solidFill>
+              <a:schemeClr val="bg1"/>
+            </a:solidFill>
+            <a:ln>
+              <a:solidFill>
+                <a:schemeClr val="tx1"/>
+              </a:solidFill>
+            </a:ln>
+          </p:spPr>
+          <p:style>
+            <a:lnRef idx="2">
+              <a:schemeClr val="accent3"/>
+            </a:lnRef>
+            <a:fillRef idx="1">
+              <a:schemeClr val="lt1"/>
+            </a:fillRef>
+            <a:effectRef idx="0">
+              <a:schemeClr val="accent3"/>
+            </a:effectRef>
+            <a:fontRef idx="minor">
+              <a:schemeClr val="dk1"/>
+            </a:fontRef>
+          </p:style>
+          <p:txBody>
+            <a:bodyPr rtlCol="0" anchor="ctr"/>
+            <a:lstStyle/>
+            <a:p>
+              <a:pPr algn="ctr"/>
+              <a:endParaRPr lang="en-US" sz="1600">
+                <a:latin typeface="Roboto" panose="02000000000000000000" pitchFamily="2" charset="0"/>
+                <a:ea typeface="Roboto" panose="02000000000000000000" pitchFamily="2" charset="0"/>
+              </a:endParaRPr>
+            </a:p>
+          </p:txBody>
+        </p:sp>
+        <p:sp>
+          <p:nvSpPr>
+            <p:cNvPr id="48" name="직사각형 47"/>
+            <p:cNvSpPr/>
+            <p:nvPr/>
+          </p:nvSpPr>
+          <p:spPr>
+            <a:xfrm>
+              <a:off x="9978175" y="2629380"/>
+              <a:ext cx="206247" cy="1041399"/>
+            </a:xfrm>
+            <a:prstGeom prst="rect">
+              <a:avLst/>
+            </a:prstGeom>
+            <a:solidFill>
+              <a:schemeClr val="bg1">
+                <a:lumMod val="75000"/>
+              </a:schemeClr>
             </a:solidFill>
             <a:ln>
               <a:noFill/>
@@ -6317,135 +6375,284 @@
             <a:lstStyle/>
             <a:p>
               <a:pPr algn="ctr"/>
-              <a:endParaRPr lang="en-US"/>
+              <a:endParaRPr lang="en-US" sz="1600">
+                <a:latin typeface="Roboto" panose="02000000000000000000" pitchFamily="2" charset="0"/>
+                <a:ea typeface="Roboto" panose="02000000000000000000" pitchFamily="2" charset="0"/>
+              </a:endParaRPr>
             </a:p>
           </p:txBody>
         </p:sp>
+        <p:grpSp>
+          <p:nvGrpSpPr>
+            <p:cNvPr id="49" name="그룹 48"/>
+            <p:cNvGrpSpPr/>
+            <p:nvPr/>
+          </p:nvGrpSpPr>
+          <p:grpSpPr>
+            <a:xfrm>
+              <a:off x="9969533" y="2433436"/>
+              <a:ext cx="206248" cy="177800"/>
+              <a:chOff x="693618" y="1075440"/>
+              <a:chExt cx="206248" cy="177800"/>
+            </a:xfrm>
+          </p:grpSpPr>
+          <p:sp>
+            <p:nvSpPr>
+              <p:cNvPr id="53" name="직사각형 52"/>
+              <p:cNvSpPr/>
+              <p:nvPr/>
+            </p:nvSpPr>
+            <p:spPr>
+              <a:xfrm>
+                <a:off x="693618" y="1075440"/>
+                <a:ext cx="206248" cy="177800"/>
+              </a:xfrm>
+              <a:prstGeom prst="rect">
+                <a:avLst/>
+              </a:prstGeom>
+              <a:solidFill>
+                <a:schemeClr val="bg1">
+                  <a:lumMod val="75000"/>
+                </a:schemeClr>
+              </a:solidFill>
+              <a:ln>
+                <a:noFill/>
+              </a:ln>
+            </p:spPr>
+            <p:style>
+              <a:lnRef idx="2">
+                <a:schemeClr val="accent1">
+                  <a:shade val="50000"/>
+                </a:schemeClr>
+              </a:lnRef>
+              <a:fillRef idx="1">
+                <a:schemeClr val="accent1"/>
+              </a:fillRef>
+              <a:effectRef idx="0">
+                <a:schemeClr val="accent1"/>
+              </a:effectRef>
+              <a:fontRef idx="minor">
+                <a:schemeClr val="lt1"/>
+              </a:fontRef>
+            </p:style>
+            <p:txBody>
+              <a:bodyPr rtlCol="0" anchor="ctr"/>
+              <a:lstStyle/>
+              <a:p>
+                <a:pPr algn="ctr"/>
+                <a:endParaRPr lang="en-US" sz="1600">
+                  <a:latin typeface="Roboto" panose="02000000000000000000" pitchFamily="2" charset="0"/>
+                  <a:ea typeface="Roboto" panose="02000000000000000000" pitchFamily="2" charset="0"/>
+                </a:endParaRPr>
+              </a:p>
+            </p:txBody>
+          </p:sp>
+          <p:sp>
+            <p:nvSpPr>
+              <p:cNvPr id="54" name="이등변 삼각형 53"/>
+              <p:cNvSpPr/>
+              <p:nvPr/>
+            </p:nvSpPr>
+            <p:spPr>
+              <a:xfrm>
+                <a:off x="719017" y="1094490"/>
+                <a:ext cx="154686" cy="133349"/>
+              </a:xfrm>
+              <a:prstGeom prst="triangle">
+                <a:avLst/>
+              </a:prstGeom>
+              <a:solidFill>
+                <a:schemeClr val="tx1"/>
+              </a:solidFill>
+              <a:ln>
+                <a:noFill/>
+              </a:ln>
+            </p:spPr>
+            <p:style>
+              <a:lnRef idx="2">
+                <a:schemeClr val="dk1">
+                  <a:shade val="50000"/>
+                </a:schemeClr>
+              </a:lnRef>
+              <a:fillRef idx="1">
+                <a:schemeClr val="dk1"/>
+              </a:fillRef>
+              <a:effectRef idx="0">
+                <a:schemeClr val="dk1"/>
+              </a:effectRef>
+              <a:fontRef idx="minor">
+                <a:schemeClr val="lt1"/>
+              </a:fontRef>
+            </p:style>
+            <p:txBody>
+              <a:bodyPr rtlCol="0" anchor="ctr"/>
+              <a:lstStyle/>
+              <a:p>
+                <a:pPr algn="ctr"/>
+                <a:endParaRPr lang="en-US" sz="1600">
+                  <a:latin typeface="Roboto" panose="02000000000000000000" pitchFamily="2" charset="0"/>
+                  <a:ea typeface="Roboto" panose="02000000000000000000" pitchFamily="2" charset="0"/>
+                </a:endParaRPr>
+              </a:p>
+            </p:txBody>
+          </p:sp>
+        </p:grpSp>
+        <p:grpSp>
+          <p:nvGrpSpPr>
+            <p:cNvPr id="50" name="그룹 49"/>
+            <p:cNvGrpSpPr/>
+            <p:nvPr/>
+          </p:nvGrpSpPr>
+          <p:grpSpPr>
+            <a:xfrm flipH="1" flipV="1">
+              <a:off x="9969533" y="5564894"/>
+              <a:ext cx="206248" cy="177800"/>
+              <a:chOff x="659058" y="1058160"/>
+              <a:chExt cx="206248" cy="177800"/>
+            </a:xfrm>
+          </p:grpSpPr>
+          <p:sp>
+            <p:nvSpPr>
+              <p:cNvPr id="51" name="직사각형 50"/>
+              <p:cNvSpPr/>
+              <p:nvPr/>
+            </p:nvSpPr>
+            <p:spPr>
+              <a:xfrm>
+                <a:off x="659058" y="1058160"/>
+                <a:ext cx="206248" cy="177800"/>
+              </a:xfrm>
+              <a:prstGeom prst="rect">
+                <a:avLst/>
+              </a:prstGeom>
+              <a:solidFill>
+                <a:schemeClr val="bg1">
+                  <a:lumMod val="75000"/>
+                </a:schemeClr>
+              </a:solidFill>
+              <a:ln>
+                <a:noFill/>
+              </a:ln>
+            </p:spPr>
+            <p:style>
+              <a:lnRef idx="2">
+                <a:schemeClr val="accent1">
+                  <a:shade val="50000"/>
+                </a:schemeClr>
+              </a:lnRef>
+              <a:fillRef idx="1">
+                <a:schemeClr val="accent1"/>
+              </a:fillRef>
+              <a:effectRef idx="0">
+                <a:schemeClr val="accent1"/>
+              </a:effectRef>
+              <a:fontRef idx="minor">
+                <a:schemeClr val="lt1"/>
+              </a:fontRef>
+            </p:style>
+            <p:txBody>
+              <a:bodyPr rtlCol="0" anchor="ctr"/>
+              <a:lstStyle/>
+              <a:p>
+                <a:pPr algn="ctr"/>
+                <a:endParaRPr lang="en-US" sz="1600">
+                  <a:latin typeface="Roboto" panose="02000000000000000000" pitchFamily="2" charset="0"/>
+                  <a:ea typeface="Roboto" panose="02000000000000000000" pitchFamily="2" charset="0"/>
+                </a:endParaRPr>
+              </a:p>
+            </p:txBody>
+          </p:sp>
+          <p:sp>
+            <p:nvSpPr>
+              <p:cNvPr id="52" name="이등변 삼각형 51"/>
+              <p:cNvSpPr/>
+              <p:nvPr/>
+            </p:nvSpPr>
+            <p:spPr>
+              <a:xfrm>
+                <a:off x="684457" y="1077210"/>
+                <a:ext cx="154686" cy="133349"/>
+              </a:xfrm>
+              <a:prstGeom prst="triangle">
+                <a:avLst/>
+              </a:prstGeom>
+              <a:solidFill>
+                <a:schemeClr val="tx1"/>
+              </a:solidFill>
+              <a:ln>
+                <a:noFill/>
+              </a:ln>
+            </p:spPr>
+            <p:style>
+              <a:lnRef idx="2">
+                <a:schemeClr val="dk1">
+                  <a:shade val="50000"/>
+                </a:schemeClr>
+              </a:lnRef>
+              <a:fillRef idx="1">
+                <a:schemeClr val="dk1"/>
+              </a:fillRef>
+              <a:effectRef idx="0">
+                <a:schemeClr val="dk1"/>
+              </a:effectRef>
+              <a:fontRef idx="minor">
+                <a:schemeClr val="lt1"/>
+              </a:fontRef>
+            </p:style>
+            <p:txBody>
+              <a:bodyPr rtlCol="0" anchor="ctr"/>
+              <a:lstStyle/>
+              <a:p>
+                <a:pPr algn="ctr"/>
+                <a:endParaRPr lang="en-US" sz="1600">
+                  <a:latin typeface="Roboto" panose="02000000000000000000" pitchFamily="2" charset="0"/>
+                  <a:ea typeface="Roboto" panose="02000000000000000000" pitchFamily="2" charset="0"/>
+                </a:endParaRPr>
+              </a:p>
+            </p:txBody>
+          </p:sp>
+        </p:grpSp>
       </p:grpSp>
       <p:sp>
         <p:nvSpPr>
-          <p:cNvPr id="27" name="모서리가 둥근 직사각형 26"/>
-          <p:cNvSpPr/>
+          <p:cNvPr id="55" name="TextBox 54"/>
+          <p:cNvSpPr txBox="1"/>
           <p:nvPr/>
         </p:nvSpPr>
         <p:spPr>
           <a:xfrm>
-            <a:off x="4445514" y="5694136"/>
-            <a:ext cx="1653722" cy="635000"/>
+            <a:off x="1852315" y="107334"/>
+            <a:ext cx="1770036" cy="369332"/>
           </a:xfrm>
-          <a:prstGeom prst="roundRect">
+          <a:prstGeom prst="rect">
             <a:avLst/>
           </a:prstGeom>
+          <a:noFill/>
         </p:spPr>
-        <p:style>
-          <a:lnRef idx="2">
-            <a:schemeClr val="dk1">
-              <a:shade val="50000"/>
-            </a:schemeClr>
-          </a:lnRef>
-          <a:fillRef idx="1">
-            <a:schemeClr val="dk1"/>
-          </a:fillRef>
-          <a:effectRef idx="0">
-            <a:schemeClr val="dk1"/>
-          </a:effectRef>
-          <a:fontRef idx="minor">
-            <a:schemeClr val="lt1"/>
-          </a:fontRef>
-        </p:style>
         <p:txBody>
-          <a:bodyPr rtlCol="0" anchor="ctr"/>
+          <a:bodyPr wrap="none" rtlCol="0">
+            <a:spAutoFit/>
+          </a:bodyPr>
           <a:lstStyle/>
           <a:p>
-            <a:pPr algn="ctr"/>
-            <a:endParaRPr lang="en-US"/>
-          </a:p>
-        </p:txBody>
-      </p:sp>
-      <p:sp>
-        <p:nvSpPr>
-          <p:cNvPr id="28" name="모서리가 둥근 직사각형 27"/>
-          <p:cNvSpPr/>
-          <p:nvPr/>
-        </p:nvSpPr>
-        <p:spPr>
-          <a:xfrm>
-            <a:off x="6438172" y="5694136"/>
-            <a:ext cx="1653722" cy="635000"/>
-          </a:xfrm>
-          <a:prstGeom prst="roundRect">
-            <a:avLst/>
-          </a:prstGeom>
-        </p:spPr>
-        <p:style>
-          <a:lnRef idx="2">
-            <a:schemeClr val="dk1">
-              <a:shade val="50000"/>
-            </a:schemeClr>
-          </a:lnRef>
-          <a:fillRef idx="1">
-            <a:schemeClr val="dk1"/>
-          </a:fillRef>
-          <a:effectRef idx="0">
-            <a:schemeClr val="dk1"/>
-          </a:effectRef>
-          <a:fontRef idx="minor">
-            <a:schemeClr val="lt1"/>
-          </a:fontRef>
-        </p:style>
-        <p:txBody>
-          <a:bodyPr rtlCol="0" anchor="ctr"/>
-          <a:lstStyle/>
-          <a:p>
-            <a:pPr algn="ctr"/>
-            <a:endParaRPr lang="en-US"/>
-          </a:p>
-        </p:txBody>
-      </p:sp>
-      <p:sp>
-        <p:nvSpPr>
-          <p:cNvPr id="33" name="모서리가 둥근 직사각형 32"/>
-          <p:cNvSpPr/>
-          <p:nvPr/>
-        </p:nvSpPr>
-        <p:spPr>
-          <a:xfrm>
-            <a:off x="8430830" y="5694136"/>
-            <a:ext cx="1653722" cy="635000"/>
-          </a:xfrm>
-          <a:prstGeom prst="roundRect">
-            <a:avLst/>
-          </a:prstGeom>
-        </p:spPr>
-        <p:style>
-          <a:lnRef idx="2">
-            <a:schemeClr val="dk1">
-              <a:shade val="50000"/>
-            </a:schemeClr>
-          </a:lnRef>
-          <a:fillRef idx="1">
-            <a:schemeClr val="dk1"/>
-          </a:fillRef>
-          <a:effectRef idx="0">
-            <a:schemeClr val="dk1"/>
-          </a:effectRef>
-          <a:fontRef idx="minor">
-            <a:schemeClr val="lt1"/>
-          </a:fontRef>
-        </p:style>
-        <p:txBody>
-          <a:bodyPr rtlCol="0" anchor="ctr"/>
-          <a:lstStyle/>
-          <a:p>
-            <a:pPr algn="ctr"/>
-            <a:endParaRPr lang="en-US"/>
+            <a:r>
+              <a:rPr lang="en-US" dirty="0" smtClean="0">
+                <a:latin typeface="Roboto" panose="02000000000000000000" pitchFamily="2" charset="0"/>
+                <a:ea typeface="Roboto" panose="02000000000000000000" pitchFamily="2" charset="0"/>
+              </a:rPr>
+              <a:t>Grid-like Layout</a:t>
+            </a:r>
+            <a:endParaRPr lang="en-US" dirty="0">
+              <a:latin typeface="Roboto" panose="02000000000000000000" pitchFamily="2" charset="0"/>
+              <a:ea typeface="Roboto" panose="02000000000000000000" pitchFamily="2" charset="0"/>
+            </a:endParaRPr>
           </a:p>
         </p:txBody>
       </p:sp>
     </p:spTree>
     <p:extLst>
       <p:ext uri="{BB962C8B-B14F-4D97-AF65-F5344CB8AC3E}">
-        <p14:creationId xmlns:p14="http://schemas.microsoft.com/office/powerpoint/2010/main" val="63509754"/>
+        <p14:creationId xmlns:p14="http://schemas.microsoft.com/office/powerpoint/2010/main" val="1777458453"/>
       </p:ext>
     </p:extLst>
   </p:cSld>
@@ -6455,7 +6662,7 @@
 </p:sld>
 </file>
 
-<file path=ppt/slides/slide5.xml><?xml version="1.0" encoding="utf-8"?>
+<file path=ppt/slides/slide4.xml><?xml version="1.0" encoding="utf-8"?>
 <p:sld xmlns:a="http://schemas.openxmlformats.org/drawingml/2006/main" xmlns:r="http://schemas.openxmlformats.org/officeDocument/2006/relationships" xmlns:p="http://schemas.openxmlformats.org/presentationml/2006/main">
   <p:cSld>
     <p:spTree>
@@ -6499,6 +6706,5438 @@
     <p:extLst>
       <p:ext uri="{BB962C8B-B14F-4D97-AF65-F5344CB8AC3E}">
         <p14:creationId xmlns:p14="http://schemas.microsoft.com/office/powerpoint/2010/main" val="1222386320"/>
+      </p:ext>
+    </p:extLst>
+  </p:cSld>
+  <p:clrMapOvr>
+    <a:masterClrMapping/>
+  </p:clrMapOvr>
+</p:sld>
+</file>
+
+<file path=ppt/slides/slide5.xml><?xml version="1.0" encoding="utf-8"?>
+<p:sld xmlns:a="http://schemas.openxmlformats.org/drawingml/2006/main" xmlns:r="http://schemas.openxmlformats.org/officeDocument/2006/relationships" xmlns:p="http://schemas.openxmlformats.org/presentationml/2006/main">
+  <p:cSld>
+    <p:spTree>
+      <p:nvGrpSpPr>
+        <p:cNvPr id="1" name=""/>
+        <p:cNvGrpSpPr/>
+        <p:nvPr/>
+      </p:nvGrpSpPr>
+      <p:grpSpPr>
+        <a:xfrm>
+          <a:off x="0" y="0"/>
+          <a:ext cx="0" cy="0"/>
+          <a:chOff x="0" y="0"/>
+          <a:chExt cx="0" cy="0"/>
+        </a:xfrm>
+      </p:grpSpPr>
+      <p:sp>
+        <p:nvSpPr>
+          <p:cNvPr id="2" name="TextBox 1"/>
+          <p:cNvSpPr txBox="1"/>
+          <p:nvPr/>
+        </p:nvSpPr>
+        <p:spPr>
+          <a:xfrm>
+            <a:off x="1910269" y="86706"/>
+            <a:ext cx="6053260" cy="400110"/>
+          </a:xfrm>
+          <a:prstGeom prst="rect">
+            <a:avLst/>
+          </a:prstGeom>
+          <a:noFill/>
+        </p:spPr>
+        <p:txBody>
+          <a:bodyPr wrap="none" rtlCol="0">
+            <a:spAutoFit/>
+          </a:bodyPr>
+          <a:lstStyle/>
+          <a:p>
+            <a:r>
+              <a:rPr lang="en-US" sz="2000" dirty="0" smtClean="0">
+                <a:latin typeface="Roboto Medium" panose="02000000000000000000" pitchFamily="2" charset="0"/>
+                <a:ea typeface="Roboto Medium" panose="02000000000000000000" pitchFamily="2" charset="0"/>
+              </a:rPr>
+              <a:t>Moving the focus to the right via Spatial Navigation</a:t>
+            </a:r>
+            <a:endParaRPr lang="en-US" sz="2000" dirty="0">
+              <a:latin typeface="Roboto Medium" panose="02000000000000000000" pitchFamily="2" charset="0"/>
+              <a:ea typeface="Roboto Medium" panose="02000000000000000000" pitchFamily="2" charset="0"/>
+            </a:endParaRPr>
+          </a:p>
+        </p:txBody>
+      </p:sp>
+      <p:grpSp>
+        <p:nvGrpSpPr>
+          <p:cNvPr id="170" name="그룹 169"/>
+          <p:cNvGrpSpPr/>
+          <p:nvPr/>
+        </p:nvGrpSpPr>
+        <p:grpSpPr>
+          <a:xfrm>
+            <a:off x="223522" y="776381"/>
+            <a:ext cx="9398398" cy="5913719"/>
+            <a:chOff x="1371602" y="756061"/>
+            <a:chExt cx="9398398" cy="5913719"/>
+          </a:xfrm>
+        </p:grpSpPr>
+        <p:sp>
+          <p:nvSpPr>
+            <p:cNvPr id="10" name="모서리가 둥근 직사각형 9"/>
+            <p:cNvSpPr/>
+            <p:nvPr/>
+          </p:nvSpPr>
+          <p:spPr>
+            <a:xfrm>
+              <a:off x="1371602" y="756061"/>
+              <a:ext cx="4572782" cy="2852839"/>
+            </a:xfrm>
+            <a:prstGeom prst="roundRect">
+              <a:avLst>
+                <a:gd name="adj" fmla="val 8364"/>
+              </a:avLst>
+            </a:prstGeom>
+          </p:spPr>
+          <p:style>
+            <a:lnRef idx="2">
+              <a:schemeClr val="dk1"/>
+            </a:lnRef>
+            <a:fillRef idx="1">
+              <a:schemeClr val="lt1"/>
+            </a:fillRef>
+            <a:effectRef idx="0">
+              <a:schemeClr val="dk1"/>
+            </a:effectRef>
+            <a:fontRef idx="minor">
+              <a:schemeClr val="dk1"/>
+            </a:fontRef>
+          </p:style>
+          <p:txBody>
+            <a:bodyPr rtlCol="0" anchor="ctr"/>
+            <a:lstStyle/>
+            <a:p>
+              <a:pPr algn="ctr"/>
+              <a:endParaRPr lang="en-US" sz="1600" dirty="0">
+                <a:latin typeface="Roboto" panose="02000000000000000000" pitchFamily="2" charset="0"/>
+                <a:ea typeface="Roboto" panose="02000000000000000000" pitchFamily="2" charset="0"/>
+              </a:endParaRPr>
+            </a:p>
+          </p:txBody>
+        </p:sp>
+        <p:grpSp>
+          <p:nvGrpSpPr>
+            <p:cNvPr id="3" name="그룹 2"/>
+            <p:cNvGrpSpPr/>
+            <p:nvPr/>
+          </p:nvGrpSpPr>
+          <p:grpSpPr>
+            <a:xfrm>
+              <a:off x="2045916" y="1429498"/>
+              <a:ext cx="3095530" cy="1945996"/>
+              <a:chOff x="2628900" y="1117600"/>
+              <a:chExt cx="7861300" cy="4941982"/>
+            </a:xfrm>
+          </p:grpSpPr>
+          <p:sp>
+            <p:nvSpPr>
+              <p:cNvPr id="4" name="직사각형 3"/>
+              <p:cNvSpPr/>
+              <p:nvPr/>
+            </p:nvSpPr>
+            <p:spPr>
+              <a:xfrm>
+                <a:off x="2628900" y="1117600"/>
+                <a:ext cx="7861300" cy="4941982"/>
+              </a:xfrm>
+              <a:prstGeom prst="rect">
+                <a:avLst/>
+              </a:prstGeom>
+              <a:solidFill>
+                <a:schemeClr val="bg2"/>
+              </a:solidFill>
+            </p:spPr>
+            <p:style>
+              <a:lnRef idx="2">
+                <a:schemeClr val="accent3"/>
+              </a:lnRef>
+              <a:fillRef idx="1">
+                <a:schemeClr val="lt1"/>
+              </a:fillRef>
+              <a:effectRef idx="0">
+                <a:schemeClr val="accent3"/>
+              </a:effectRef>
+              <a:fontRef idx="minor">
+                <a:schemeClr val="dk1"/>
+              </a:fontRef>
+            </p:style>
+            <p:txBody>
+              <a:bodyPr rtlCol="0" anchor="ctr"/>
+              <a:lstStyle/>
+              <a:p>
+                <a:pPr algn="ctr"/>
+                <a:endParaRPr lang="en-US" sz="1600">
+                  <a:latin typeface="Roboto" panose="02000000000000000000" pitchFamily="2" charset="0"/>
+                  <a:ea typeface="Roboto" panose="02000000000000000000" pitchFamily="2" charset="0"/>
+                </a:endParaRPr>
+              </a:p>
+            </p:txBody>
+          </p:sp>
+          <p:sp>
+            <p:nvSpPr>
+              <p:cNvPr id="32" name="직사각형 31"/>
+              <p:cNvSpPr/>
+              <p:nvPr/>
+            </p:nvSpPr>
+            <p:spPr>
+              <a:xfrm>
+                <a:off x="4610097" y="2413907"/>
+                <a:ext cx="5633232" cy="3379939"/>
+              </a:xfrm>
+              <a:prstGeom prst="rect">
+                <a:avLst/>
+              </a:prstGeom>
+              <a:solidFill>
+                <a:schemeClr val="bg1"/>
+              </a:solidFill>
+              <a:ln>
+                <a:solidFill>
+                  <a:schemeClr val="tx1"/>
+                </a:solidFill>
+              </a:ln>
+            </p:spPr>
+            <p:style>
+              <a:lnRef idx="2">
+                <a:schemeClr val="accent1">
+                  <a:shade val="50000"/>
+                </a:schemeClr>
+              </a:lnRef>
+              <a:fillRef idx="1">
+                <a:schemeClr val="accent1"/>
+              </a:fillRef>
+              <a:effectRef idx="0">
+                <a:schemeClr val="accent1"/>
+              </a:effectRef>
+              <a:fontRef idx="minor">
+                <a:schemeClr val="lt1"/>
+              </a:fontRef>
+            </p:style>
+            <p:txBody>
+              <a:bodyPr rtlCol="0" anchor="ctr"/>
+              <a:lstStyle/>
+              <a:p>
+                <a:pPr algn="ctr"/>
+                <a:endParaRPr lang="en-US" sz="1600">
+                  <a:latin typeface="Roboto" panose="02000000000000000000" pitchFamily="2" charset="0"/>
+                  <a:ea typeface="Roboto" panose="02000000000000000000" pitchFamily="2" charset="0"/>
+                </a:endParaRPr>
+              </a:p>
+            </p:txBody>
+          </p:sp>
+          <p:sp>
+            <p:nvSpPr>
+              <p:cNvPr id="5" name="직사각형 4"/>
+              <p:cNvSpPr/>
+              <p:nvPr/>
+            </p:nvSpPr>
+            <p:spPr>
+              <a:xfrm>
+                <a:off x="2897843" y="2824982"/>
+                <a:ext cx="1440000" cy="360000"/>
+              </a:xfrm>
+              <a:prstGeom prst="rect">
+                <a:avLst/>
+              </a:prstGeom>
+              <a:solidFill>
+                <a:schemeClr val="bg2">
+                  <a:lumMod val="50000"/>
+                </a:schemeClr>
+              </a:solidFill>
+              <a:ln>
+                <a:solidFill>
+                  <a:schemeClr val="bg2">
+                    <a:lumMod val="75000"/>
+                  </a:schemeClr>
+                </a:solidFill>
+              </a:ln>
+            </p:spPr>
+            <p:style>
+              <a:lnRef idx="2">
+                <a:schemeClr val="accent1">
+                  <a:shade val="50000"/>
+                </a:schemeClr>
+              </a:lnRef>
+              <a:fillRef idx="1">
+                <a:schemeClr val="accent1"/>
+              </a:fillRef>
+              <a:effectRef idx="0">
+                <a:schemeClr val="accent1"/>
+              </a:effectRef>
+              <a:fontRef idx="minor">
+                <a:schemeClr val="lt1"/>
+              </a:fontRef>
+            </p:style>
+            <p:txBody>
+              <a:bodyPr rtlCol="0" anchor="ctr"/>
+              <a:lstStyle/>
+              <a:p>
+                <a:pPr algn="ctr"/>
+                <a:endParaRPr lang="en-US" sz="1600">
+                  <a:latin typeface="Roboto" panose="02000000000000000000" pitchFamily="2" charset="0"/>
+                  <a:ea typeface="Roboto" panose="02000000000000000000" pitchFamily="2" charset="0"/>
+                </a:endParaRPr>
+              </a:p>
+            </p:txBody>
+          </p:sp>
+          <p:sp>
+            <p:nvSpPr>
+              <p:cNvPr id="6" name="직사각형 5"/>
+              <p:cNvSpPr/>
+              <p:nvPr/>
+            </p:nvSpPr>
+            <p:spPr>
+              <a:xfrm>
+                <a:off x="2897843" y="3345682"/>
+                <a:ext cx="1440000" cy="360000"/>
+              </a:xfrm>
+              <a:prstGeom prst="rect">
+                <a:avLst/>
+              </a:prstGeom>
+              <a:solidFill>
+                <a:schemeClr val="bg2">
+                  <a:lumMod val="50000"/>
+                </a:schemeClr>
+              </a:solidFill>
+              <a:ln w="44450">
+                <a:solidFill>
+                  <a:srgbClr val="81C6FF"/>
+                </a:solidFill>
+              </a:ln>
+            </p:spPr>
+            <p:style>
+              <a:lnRef idx="2">
+                <a:schemeClr val="accent1">
+                  <a:shade val="50000"/>
+                </a:schemeClr>
+              </a:lnRef>
+              <a:fillRef idx="1">
+                <a:schemeClr val="accent1"/>
+              </a:fillRef>
+              <a:effectRef idx="0">
+                <a:schemeClr val="accent1"/>
+              </a:effectRef>
+              <a:fontRef idx="minor">
+                <a:schemeClr val="lt1"/>
+              </a:fontRef>
+            </p:style>
+            <p:txBody>
+              <a:bodyPr rtlCol="0" anchor="ctr"/>
+              <a:lstStyle/>
+              <a:p>
+                <a:pPr algn="ctr"/>
+                <a:endParaRPr lang="en-US" sz="1600">
+                  <a:latin typeface="Roboto" panose="02000000000000000000" pitchFamily="2" charset="0"/>
+                  <a:ea typeface="Roboto" panose="02000000000000000000" pitchFamily="2" charset="0"/>
+                </a:endParaRPr>
+              </a:p>
+            </p:txBody>
+          </p:sp>
+          <p:sp>
+            <p:nvSpPr>
+              <p:cNvPr id="7" name="직사각형 6"/>
+              <p:cNvSpPr/>
+              <p:nvPr/>
+            </p:nvSpPr>
+            <p:spPr>
+              <a:xfrm>
+                <a:off x="2897843" y="3866382"/>
+                <a:ext cx="1440000" cy="360000"/>
+              </a:xfrm>
+              <a:prstGeom prst="rect">
+                <a:avLst/>
+              </a:prstGeom>
+              <a:solidFill>
+                <a:schemeClr val="bg2">
+                  <a:lumMod val="50000"/>
+                </a:schemeClr>
+              </a:solidFill>
+              <a:ln>
+                <a:solidFill>
+                  <a:schemeClr val="bg2">
+                    <a:lumMod val="75000"/>
+                  </a:schemeClr>
+                </a:solidFill>
+              </a:ln>
+            </p:spPr>
+            <p:style>
+              <a:lnRef idx="2">
+                <a:schemeClr val="accent1">
+                  <a:shade val="50000"/>
+                </a:schemeClr>
+              </a:lnRef>
+              <a:fillRef idx="1">
+                <a:schemeClr val="accent1"/>
+              </a:fillRef>
+              <a:effectRef idx="0">
+                <a:schemeClr val="accent1"/>
+              </a:effectRef>
+              <a:fontRef idx="minor">
+                <a:schemeClr val="lt1"/>
+              </a:fontRef>
+            </p:style>
+            <p:txBody>
+              <a:bodyPr rtlCol="0" anchor="ctr"/>
+              <a:lstStyle/>
+              <a:p>
+                <a:pPr algn="ctr"/>
+                <a:endParaRPr lang="en-US" sz="1600">
+                  <a:latin typeface="Roboto" panose="02000000000000000000" pitchFamily="2" charset="0"/>
+                  <a:ea typeface="Roboto" panose="02000000000000000000" pitchFamily="2" charset="0"/>
+                </a:endParaRPr>
+              </a:p>
+            </p:txBody>
+          </p:sp>
+          <p:sp>
+            <p:nvSpPr>
+              <p:cNvPr id="8" name="직사각형 7"/>
+              <p:cNvSpPr/>
+              <p:nvPr/>
+            </p:nvSpPr>
+            <p:spPr>
+              <a:xfrm>
+                <a:off x="2897843" y="4387082"/>
+                <a:ext cx="1440000" cy="360000"/>
+              </a:xfrm>
+              <a:prstGeom prst="rect">
+                <a:avLst/>
+              </a:prstGeom>
+              <a:solidFill>
+                <a:schemeClr val="bg2">
+                  <a:lumMod val="50000"/>
+                </a:schemeClr>
+              </a:solidFill>
+              <a:ln>
+                <a:solidFill>
+                  <a:schemeClr val="bg2">
+                    <a:lumMod val="75000"/>
+                  </a:schemeClr>
+                </a:solidFill>
+              </a:ln>
+            </p:spPr>
+            <p:style>
+              <a:lnRef idx="2">
+                <a:schemeClr val="accent1">
+                  <a:shade val="50000"/>
+                </a:schemeClr>
+              </a:lnRef>
+              <a:fillRef idx="1">
+                <a:schemeClr val="accent1"/>
+              </a:fillRef>
+              <a:effectRef idx="0">
+                <a:schemeClr val="accent1"/>
+              </a:effectRef>
+              <a:fontRef idx="minor">
+                <a:schemeClr val="lt1"/>
+              </a:fontRef>
+            </p:style>
+            <p:txBody>
+              <a:bodyPr rtlCol="0" anchor="ctr"/>
+              <a:lstStyle/>
+              <a:p>
+                <a:pPr algn="ctr"/>
+                <a:endParaRPr lang="en-US" sz="1600">
+                  <a:latin typeface="Roboto" panose="02000000000000000000" pitchFamily="2" charset="0"/>
+                  <a:ea typeface="Roboto" panose="02000000000000000000" pitchFamily="2" charset="0"/>
+                </a:endParaRPr>
+              </a:p>
+            </p:txBody>
+          </p:sp>
+          <p:sp>
+            <p:nvSpPr>
+              <p:cNvPr id="9" name="직사각형 8"/>
+              <p:cNvSpPr/>
+              <p:nvPr/>
+            </p:nvSpPr>
+            <p:spPr>
+              <a:xfrm>
+                <a:off x="2897843" y="4907782"/>
+                <a:ext cx="1440000" cy="360000"/>
+              </a:xfrm>
+              <a:prstGeom prst="rect">
+                <a:avLst/>
+              </a:prstGeom>
+              <a:solidFill>
+                <a:schemeClr val="bg2">
+                  <a:lumMod val="50000"/>
+                </a:schemeClr>
+              </a:solidFill>
+              <a:ln>
+                <a:solidFill>
+                  <a:schemeClr val="bg2">
+                    <a:lumMod val="75000"/>
+                  </a:schemeClr>
+                </a:solidFill>
+              </a:ln>
+            </p:spPr>
+            <p:style>
+              <a:lnRef idx="2">
+                <a:schemeClr val="accent1">
+                  <a:shade val="50000"/>
+                </a:schemeClr>
+              </a:lnRef>
+              <a:fillRef idx="1">
+                <a:schemeClr val="accent1"/>
+              </a:fillRef>
+              <a:effectRef idx="0">
+                <a:schemeClr val="accent1"/>
+              </a:effectRef>
+              <a:fontRef idx="minor">
+                <a:schemeClr val="lt1"/>
+              </a:fontRef>
+            </p:style>
+            <p:txBody>
+              <a:bodyPr rtlCol="0" anchor="ctr"/>
+              <a:lstStyle/>
+              <a:p>
+                <a:pPr algn="ctr"/>
+                <a:endParaRPr lang="en-US" sz="1600">
+                  <a:latin typeface="Roboto" panose="02000000000000000000" pitchFamily="2" charset="0"/>
+                  <a:ea typeface="Roboto" panose="02000000000000000000" pitchFamily="2" charset="0"/>
+                </a:endParaRPr>
+              </a:p>
+            </p:txBody>
+          </p:sp>
+          <p:sp>
+            <p:nvSpPr>
+              <p:cNvPr id="11" name="직사각형 10"/>
+              <p:cNvSpPr/>
+              <p:nvPr/>
+            </p:nvSpPr>
+            <p:spPr>
+              <a:xfrm>
+                <a:off x="4837036" y="2773138"/>
+                <a:ext cx="1404000" cy="1080000"/>
+              </a:xfrm>
+              <a:prstGeom prst="rect">
+                <a:avLst/>
+              </a:prstGeom>
+            </p:spPr>
+            <p:style>
+              <a:lnRef idx="2">
+                <a:schemeClr val="accent1">
+                  <a:shade val="50000"/>
+                </a:schemeClr>
+              </a:lnRef>
+              <a:fillRef idx="1">
+                <a:schemeClr val="accent1"/>
+              </a:fillRef>
+              <a:effectRef idx="0">
+                <a:schemeClr val="accent1"/>
+              </a:effectRef>
+              <a:fontRef idx="minor">
+                <a:schemeClr val="lt1"/>
+              </a:fontRef>
+            </p:style>
+            <p:txBody>
+              <a:bodyPr rtlCol="0" anchor="ctr"/>
+              <a:lstStyle/>
+              <a:p>
+                <a:pPr algn="ctr"/>
+                <a:endParaRPr lang="en-US" sz="1600">
+                  <a:latin typeface="Roboto" panose="02000000000000000000" pitchFamily="2" charset="0"/>
+                  <a:ea typeface="Roboto" panose="02000000000000000000" pitchFamily="2" charset="0"/>
+                </a:endParaRPr>
+              </a:p>
+            </p:txBody>
+          </p:sp>
+          <p:sp>
+            <p:nvSpPr>
+              <p:cNvPr id="12" name="직사각형 11"/>
+              <p:cNvSpPr/>
+              <p:nvPr/>
+            </p:nvSpPr>
+            <p:spPr>
+              <a:xfrm>
+                <a:off x="6538050" y="2773138"/>
+                <a:ext cx="1404000" cy="1080000"/>
+              </a:xfrm>
+              <a:prstGeom prst="rect">
+                <a:avLst/>
+              </a:prstGeom>
+            </p:spPr>
+            <p:style>
+              <a:lnRef idx="2">
+                <a:schemeClr val="accent1">
+                  <a:shade val="50000"/>
+                </a:schemeClr>
+              </a:lnRef>
+              <a:fillRef idx="1">
+                <a:schemeClr val="accent1"/>
+              </a:fillRef>
+              <a:effectRef idx="0">
+                <a:schemeClr val="accent1"/>
+              </a:effectRef>
+              <a:fontRef idx="minor">
+                <a:schemeClr val="lt1"/>
+              </a:fontRef>
+            </p:style>
+            <p:txBody>
+              <a:bodyPr rtlCol="0" anchor="ctr"/>
+              <a:lstStyle/>
+              <a:p>
+                <a:pPr algn="ctr"/>
+                <a:endParaRPr lang="en-US" sz="1600">
+                  <a:latin typeface="Roboto" panose="02000000000000000000" pitchFamily="2" charset="0"/>
+                  <a:ea typeface="Roboto" panose="02000000000000000000" pitchFamily="2" charset="0"/>
+                </a:endParaRPr>
+              </a:p>
+            </p:txBody>
+          </p:sp>
+          <p:sp>
+            <p:nvSpPr>
+              <p:cNvPr id="13" name="직사각형 12"/>
+              <p:cNvSpPr/>
+              <p:nvPr/>
+            </p:nvSpPr>
+            <p:spPr>
+              <a:xfrm>
+                <a:off x="8296213" y="2766993"/>
+                <a:ext cx="1404000" cy="1080000"/>
+              </a:xfrm>
+              <a:prstGeom prst="rect">
+                <a:avLst/>
+              </a:prstGeom>
+            </p:spPr>
+            <p:style>
+              <a:lnRef idx="2">
+                <a:schemeClr val="accent1">
+                  <a:shade val="50000"/>
+                </a:schemeClr>
+              </a:lnRef>
+              <a:fillRef idx="1">
+                <a:schemeClr val="accent1"/>
+              </a:fillRef>
+              <a:effectRef idx="0">
+                <a:schemeClr val="accent1"/>
+              </a:effectRef>
+              <a:fontRef idx="minor">
+                <a:schemeClr val="lt1"/>
+              </a:fontRef>
+            </p:style>
+            <p:txBody>
+              <a:bodyPr rtlCol="0" anchor="ctr"/>
+              <a:lstStyle/>
+              <a:p>
+                <a:pPr algn="ctr"/>
+                <a:endParaRPr lang="en-US" sz="1600">
+                  <a:latin typeface="Roboto" panose="02000000000000000000" pitchFamily="2" charset="0"/>
+                  <a:ea typeface="Roboto" panose="02000000000000000000" pitchFamily="2" charset="0"/>
+                </a:endParaRPr>
+              </a:p>
+            </p:txBody>
+          </p:sp>
+          <p:sp>
+            <p:nvSpPr>
+              <p:cNvPr id="14" name="직사각형 13"/>
+              <p:cNvSpPr/>
+              <p:nvPr/>
+            </p:nvSpPr>
+            <p:spPr>
+              <a:xfrm>
+                <a:off x="4837036" y="4187782"/>
+                <a:ext cx="1404000" cy="1080000"/>
+              </a:xfrm>
+              <a:prstGeom prst="rect">
+                <a:avLst/>
+              </a:prstGeom>
+            </p:spPr>
+            <p:style>
+              <a:lnRef idx="2">
+                <a:schemeClr val="accent1">
+                  <a:shade val="50000"/>
+                </a:schemeClr>
+              </a:lnRef>
+              <a:fillRef idx="1">
+                <a:schemeClr val="accent1"/>
+              </a:fillRef>
+              <a:effectRef idx="0">
+                <a:schemeClr val="accent1"/>
+              </a:effectRef>
+              <a:fontRef idx="minor">
+                <a:schemeClr val="lt1"/>
+              </a:fontRef>
+            </p:style>
+            <p:txBody>
+              <a:bodyPr rtlCol="0" anchor="ctr"/>
+              <a:lstStyle/>
+              <a:p>
+                <a:pPr algn="ctr"/>
+                <a:endParaRPr lang="en-US" sz="1600">
+                  <a:latin typeface="Roboto" panose="02000000000000000000" pitchFamily="2" charset="0"/>
+                  <a:ea typeface="Roboto" panose="02000000000000000000" pitchFamily="2" charset="0"/>
+                </a:endParaRPr>
+              </a:p>
+            </p:txBody>
+          </p:sp>
+          <p:sp>
+            <p:nvSpPr>
+              <p:cNvPr id="15" name="직사각형 14"/>
+              <p:cNvSpPr/>
+              <p:nvPr/>
+            </p:nvSpPr>
+            <p:spPr>
+              <a:xfrm>
+                <a:off x="6538050" y="4187782"/>
+                <a:ext cx="1404000" cy="1080000"/>
+              </a:xfrm>
+              <a:prstGeom prst="rect">
+                <a:avLst/>
+              </a:prstGeom>
+            </p:spPr>
+            <p:style>
+              <a:lnRef idx="2">
+                <a:schemeClr val="accent1">
+                  <a:shade val="50000"/>
+                </a:schemeClr>
+              </a:lnRef>
+              <a:fillRef idx="1">
+                <a:schemeClr val="accent1"/>
+              </a:fillRef>
+              <a:effectRef idx="0">
+                <a:schemeClr val="accent1"/>
+              </a:effectRef>
+              <a:fontRef idx="minor">
+                <a:schemeClr val="lt1"/>
+              </a:fontRef>
+            </p:style>
+            <p:txBody>
+              <a:bodyPr rtlCol="0" anchor="ctr"/>
+              <a:lstStyle/>
+              <a:p>
+                <a:pPr algn="ctr"/>
+                <a:endParaRPr lang="en-US" sz="1600">
+                  <a:latin typeface="Roboto" panose="02000000000000000000" pitchFamily="2" charset="0"/>
+                  <a:ea typeface="Roboto" panose="02000000000000000000" pitchFamily="2" charset="0"/>
+                </a:endParaRPr>
+              </a:p>
+            </p:txBody>
+          </p:sp>
+          <p:sp>
+            <p:nvSpPr>
+              <p:cNvPr id="16" name="직사각형 15"/>
+              <p:cNvSpPr/>
+              <p:nvPr/>
+            </p:nvSpPr>
+            <p:spPr>
+              <a:xfrm>
+                <a:off x="8296213" y="4187782"/>
+                <a:ext cx="1404000" cy="1080000"/>
+              </a:xfrm>
+              <a:prstGeom prst="rect">
+                <a:avLst/>
+              </a:prstGeom>
+            </p:spPr>
+            <p:style>
+              <a:lnRef idx="2">
+                <a:schemeClr val="accent1">
+                  <a:shade val="50000"/>
+                </a:schemeClr>
+              </a:lnRef>
+              <a:fillRef idx="1">
+                <a:schemeClr val="accent1"/>
+              </a:fillRef>
+              <a:effectRef idx="0">
+                <a:schemeClr val="accent1"/>
+              </a:effectRef>
+              <a:fontRef idx="minor">
+                <a:schemeClr val="lt1"/>
+              </a:fontRef>
+            </p:style>
+            <p:txBody>
+              <a:bodyPr rtlCol="0" anchor="ctr"/>
+              <a:lstStyle/>
+              <a:p>
+                <a:pPr algn="ctr"/>
+                <a:endParaRPr lang="en-US" sz="1600">
+                  <a:latin typeface="Roboto" panose="02000000000000000000" pitchFamily="2" charset="0"/>
+                  <a:ea typeface="Roboto" panose="02000000000000000000" pitchFamily="2" charset="0"/>
+                </a:endParaRPr>
+              </a:p>
+            </p:txBody>
+          </p:sp>
+          <p:sp>
+            <p:nvSpPr>
+              <p:cNvPr id="18" name="모서리가 둥근 직사각형 17"/>
+              <p:cNvSpPr/>
+              <p:nvPr/>
+            </p:nvSpPr>
+            <p:spPr>
+              <a:xfrm>
+                <a:off x="4595398" y="1500568"/>
+                <a:ext cx="1620000" cy="540000"/>
+              </a:xfrm>
+              <a:prstGeom prst="roundRect">
+                <a:avLst/>
+              </a:prstGeom>
+            </p:spPr>
+            <p:style>
+              <a:lnRef idx="2">
+                <a:schemeClr val="dk1">
+                  <a:shade val="50000"/>
+                </a:schemeClr>
+              </a:lnRef>
+              <a:fillRef idx="1">
+                <a:schemeClr val="dk1"/>
+              </a:fillRef>
+              <a:effectRef idx="0">
+                <a:schemeClr val="dk1"/>
+              </a:effectRef>
+              <a:fontRef idx="minor">
+                <a:schemeClr val="lt1"/>
+              </a:fontRef>
+            </p:style>
+            <p:txBody>
+              <a:bodyPr rtlCol="0" anchor="ctr"/>
+              <a:lstStyle/>
+              <a:p>
+                <a:pPr algn="ctr"/>
+                <a:endParaRPr lang="en-US" sz="1600">
+                  <a:latin typeface="Roboto" panose="02000000000000000000" pitchFamily="2" charset="0"/>
+                  <a:ea typeface="Roboto" panose="02000000000000000000" pitchFamily="2" charset="0"/>
+                </a:endParaRPr>
+              </a:p>
+            </p:txBody>
+          </p:sp>
+          <p:sp>
+            <p:nvSpPr>
+              <p:cNvPr id="19" name="모서리가 둥근 직사각형 18"/>
+              <p:cNvSpPr/>
+              <p:nvPr/>
+            </p:nvSpPr>
+            <p:spPr>
+              <a:xfrm>
+                <a:off x="6566949" y="1500568"/>
+                <a:ext cx="1620000" cy="540000"/>
+              </a:xfrm>
+              <a:prstGeom prst="roundRect">
+                <a:avLst/>
+              </a:prstGeom>
+            </p:spPr>
+            <p:style>
+              <a:lnRef idx="2">
+                <a:schemeClr val="dk1">
+                  <a:shade val="50000"/>
+                </a:schemeClr>
+              </a:lnRef>
+              <a:fillRef idx="1">
+                <a:schemeClr val="dk1"/>
+              </a:fillRef>
+              <a:effectRef idx="0">
+                <a:schemeClr val="dk1"/>
+              </a:effectRef>
+              <a:fontRef idx="minor">
+                <a:schemeClr val="lt1"/>
+              </a:fontRef>
+            </p:style>
+            <p:txBody>
+              <a:bodyPr rtlCol="0" anchor="ctr"/>
+              <a:lstStyle/>
+              <a:p>
+                <a:pPr algn="ctr"/>
+                <a:endParaRPr lang="en-US" sz="1600">
+                  <a:latin typeface="Roboto" panose="02000000000000000000" pitchFamily="2" charset="0"/>
+                  <a:ea typeface="Roboto" panose="02000000000000000000" pitchFamily="2" charset="0"/>
+                </a:endParaRPr>
+              </a:p>
+            </p:txBody>
+          </p:sp>
+          <p:sp>
+            <p:nvSpPr>
+              <p:cNvPr id="20" name="모서리가 둥근 직사각형 19"/>
+              <p:cNvSpPr/>
+              <p:nvPr/>
+            </p:nvSpPr>
+            <p:spPr>
+              <a:xfrm>
+                <a:off x="8538501" y="1500568"/>
+                <a:ext cx="1620000" cy="540000"/>
+              </a:xfrm>
+              <a:prstGeom prst="roundRect">
+                <a:avLst/>
+              </a:prstGeom>
+            </p:spPr>
+            <p:style>
+              <a:lnRef idx="2">
+                <a:schemeClr val="dk1">
+                  <a:shade val="50000"/>
+                </a:schemeClr>
+              </a:lnRef>
+              <a:fillRef idx="1">
+                <a:schemeClr val="dk1"/>
+              </a:fillRef>
+              <a:effectRef idx="0">
+                <a:schemeClr val="dk1"/>
+              </a:effectRef>
+              <a:fontRef idx="minor">
+                <a:schemeClr val="lt1"/>
+              </a:fontRef>
+            </p:style>
+            <p:txBody>
+              <a:bodyPr rtlCol="0" anchor="ctr"/>
+              <a:lstStyle/>
+              <a:p>
+                <a:pPr algn="ctr"/>
+                <a:endParaRPr lang="en-US" sz="1600">
+                  <a:latin typeface="Roboto" panose="02000000000000000000" pitchFamily="2" charset="0"/>
+                  <a:ea typeface="Roboto" panose="02000000000000000000" pitchFamily="2" charset="0"/>
+                </a:endParaRPr>
+              </a:p>
+            </p:txBody>
+          </p:sp>
+          <p:sp>
+            <p:nvSpPr>
+              <p:cNvPr id="21" name="직사각형 20"/>
+              <p:cNvSpPr/>
+              <p:nvPr/>
+            </p:nvSpPr>
+            <p:spPr>
+              <a:xfrm>
+                <a:off x="9952485" y="2439831"/>
+                <a:ext cx="253999" cy="3320142"/>
+              </a:xfrm>
+              <a:prstGeom prst="rect">
+                <a:avLst/>
+              </a:prstGeom>
+              <a:solidFill>
+                <a:schemeClr val="bg1"/>
+              </a:solidFill>
+              <a:ln>
+                <a:solidFill>
+                  <a:schemeClr val="tx1"/>
+                </a:solidFill>
+              </a:ln>
+            </p:spPr>
+            <p:style>
+              <a:lnRef idx="2">
+                <a:schemeClr val="accent3"/>
+              </a:lnRef>
+              <a:fillRef idx="1">
+                <a:schemeClr val="lt1"/>
+              </a:fillRef>
+              <a:effectRef idx="0">
+                <a:schemeClr val="accent3"/>
+              </a:effectRef>
+              <a:fontRef idx="minor">
+                <a:schemeClr val="dk1"/>
+              </a:fontRef>
+            </p:style>
+            <p:txBody>
+              <a:bodyPr rtlCol="0" anchor="ctr"/>
+              <a:lstStyle/>
+              <a:p>
+                <a:pPr algn="ctr"/>
+                <a:endParaRPr lang="en-US" sz="1600">
+                  <a:latin typeface="Roboto" panose="02000000000000000000" pitchFamily="2" charset="0"/>
+                  <a:ea typeface="Roboto" panose="02000000000000000000" pitchFamily="2" charset="0"/>
+                </a:endParaRPr>
+              </a:p>
+            </p:txBody>
+          </p:sp>
+          <p:sp>
+            <p:nvSpPr>
+              <p:cNvPr id="22" name="직사각형 21"/>
+              <p:cNvSpPr/>
+              <p:nvPr/>
+            </p:nvSpPr>
+            <p:spPr>
+              <a:xfrm>
+                <a:off x="9978175" y="2629380"/>
+                <a:ext cx="206247" cy="1041399"/>
+              </a:xfrm>
+              <a:prstGeom prst="rect">
+                <a:avLst/>
+              </a:prstGeom>
+              <a:solidFill>
+                <a:schemeClr val="bg1">
+                  <a:lumMod val="75000"/>
+                </a:schemeClr>
+              </a:solidFill>
+              <a:ln>
+                <a:noFill/>
+              </a:ln>
+            </p:spPr>
+            <p:style>
+              <a:lnRef idx="2">
+                <a:schemeClr val="dk1">
+                  <a:shade val="50000"/>
+                </a:schemeClr>
+              </a:lnRef>
+              <a:fillRef idx="1">
+                <a:schemeClr val="dk1"/>
+              </a:fillRef>
+              <a:effectRef idx="0">
+                <a:schemeClr val="dk1"/>
+              </a:effectRef>
+              <a:fontRef idx="minor">
+                <a:schemeClr val="lt1"/>
+              </a:fontRef>
+            </p:style>
+            <p:txBody>
+              <a:bodyPr rtlCol="0" anchor="ctr"/>
+              <a:lstStyle/>
+              <a:p>
+                <a:pPr algn="ctr"/>
+                <a:endParaRPr lang="en-US" sz="1600">
+                  <a:latin typeface="Roboto" panose="02000000000000000000" pitchFamily="2" charset="0"/>
+                  <a:ea typeface="Roboto" panose="02000000000000000000" pitchFamily="2" charset="0"/>
+                </a:endParaRPr>
+              </a:p>
+            </p:txBody>
+          </p:sp>
+          <p:grpSp>
+            <p:nvGrpSpPr>
+              <p:cNvPr id="25" name="그룹 24"/>
+              <p:cNvGrpSpPr/>
+              <p:nvPr/>
+            </p:nvGrpSpPr>
+            <p:grpSpPr>
+              <a:xfrm>
+                <a:off x="9969533" y="2433436"/>
+                <a:ext cx="206248" cy="177800"/>
+                <a:chOff x="693618" y="1075440"/>
+                <a:chExt cx="206248" cy="177800"/>
+              </a:xfrm>
+            </p:grpSpPr>
+            <p:sp>
+              <p:nvSpPr>
+                <p:cNvPr id="24" name="직사각형 23"/>
+                <p:cNvSpPr/>
+                <p:nvPr/>
+              </p:nvSpPr>
+              <p:spPr>
+                <a:xfrm>
+                  <a:off x="693618" y="1075440"/>
+                  <a:ext cx="206248" cy="177800"/>
+                </a:xfrm>
+                <a:prstGeom prst="rect">
+                  <a:avLst/>
+                </a:prstGeom>
+                <a:solidFill>
+                  <a:schemeClr val="bg1">
+                    <a:lumMod val="75000"/>
+                  </a:schemeClr>
+                </a:solidFill>
+                <a:ln>
+                  <a:noFill/>
+                </a:ln>
+              </p:spPr>
+              <p:style>
+                <a:lnRef idx="2">
+                  <a:schemeClr val="accent1">
+                    <a:shade val="50000"/>
+                  </a:schemeClr>
+                </a:lnRef>
+                <a:fillRef idx="1">
+                  <a:schemeClr val="accent1"/>
+                </a:fillRef>
+                <a:effectRef idx="0">
+                  <a:schemeClr val="accent1"/>
+                </a:effectRef>
+                <a:fontRef idx="minor">
+                  <a:schemeClr val="lt1"/>
+                </a:fontRef>
+              </p:style>
+              <p:txBody>
+                <a:bodyPr rtlCol="0" anchor="ctr"/>
+                <a:lstStyle/>
+                <a:p>
+                  <a:pPr algn="ctr"/>
+                  <a:endParaRPr lang="en-US" sz="1600">
+                    <a:latin typeface="Roboto" panose="02000000000000000000" pitchFamily="2" charset="0"/>
+                    <a:ea typeface="Roboto" panose="02000000000000000000" pitchFamily="2" charset="0"/>
+                  </a:endParaRPr>
+                </a:p>
+              </p:txBody>
+            </p:sp>
+            <p:sp>
+              <p:nvSpPr>
+                <p:cNvPr id="23" name="이등변 삼각형 22"/>
+                <p:cNvSpPr/>
+                <p:nvPr/>
+              </p:nvSpPr>
+              <p:spPr>
+                <a:xfrm>
+                  <a:off x="719017" y="1094490"/>
+                  <a:ext cx="154686" cy="133349"/>
+                </a:xfrm>
+                <a:prstGeom prst="triangle">
+                  <a:avLst/>
+                </a:prstGeom>
+                <a:solidFill>
+                  <a:schemeClr val="tx1"/>
+                </a:solidFill>
+                <a:ln>
+                  <a:noFill/>
+                </a:ln>
+              </p:spPr>
+              <p:style>
+                <a:lnRef idx="2">
+                  <a:schemeClr val="dk1">
+                    <a:shade val="50000"/>
+                  </a:schemeClr>
+                </a:lnRef>
+                <a:fillRef idx="1">
+                  <a:schemeClr val="dk1"/>
+                </a:fillRef>
+                <a:effectRef idx="0">
+                  <a:schemeClr val="dk1"/>
+                </a:effectRef>
+                <a:fontRef idx="minor">
+                  <a:schemeClr val="lt1"/>
+                </a:fontRef>
+              </p:style>
+              <p:txBody>
+                <a:bodyPr rtlCol="0" anchor="ctr"/>
+                <a:lstStyle/>
+                <a:p>
+                  <a:pPr algn="ctr"/>
+                  <a:endParaRPr lang="en-US" sz="1600">
+                    <a:latin typeface="Roboto" panose="02000000000000000000" pitchFamily="2" charset="0"/>
+                    <a:ea typeface="Roboto" panose="02000000000000000000" pitchFamily="2" charset="0"/>
+                  </a:endParaRPr>
+                </a:p>
+              </p:txBody>
+            </p:sp>
+          </p:grpSp>
+          <p:grpSp>
+            <p:nvGrpSpPr>
+              <p:cNvPr id="29" name="그룹 28"/>
+              <p:cNvGrpSpPr/>
+              <p:nvPr/>
+            </p:nvGrpSpPr>
+            <p:grpSpPr>
+              <a:xfrm flipH="1" flipV="1">
+                <a:off x="9969533" y="5564894"/>
+                <a:ext cx="206248" cy="177800"/>
+                <a:chOff x="659058" y="1058160"/>
+                <a:chExt cx="206248" cy="177800"/>
+              </a:xfrm>
+            </p:grpSpPr>
+            <p:sp>
+              <p:nvSpPr>
+                <p:cNvPr id="30" name="직사각형 29"/>
+                <p:cNvSpPr/>
+                <p:nvPr/>
+              </p:nvSpPr>
+              <p:spPr>
+                <a:xfrm>
+                  <a:off x="659058" y="1058160"/>
+                  <a:ext cx="206248" cy="177800"/>
+                </a:xfrm>
+                <a:prstGeom prst="rect">
+                  <a:avLst/>
+                </a:prstGeom>
+                <a:solidFill>
+                  <a:schemeClr val="bg1">
+                    <a:lumMod val="75000"/>
+                  </a:schemeClr>
+                </a:solidFill>
+                <a:ln>
+                  <a:noFill/>
+                </a:ln>
+              </p:spPr>
+              <p:style>
+                <a:lnRef idx="2">
+                  <a:schemeClr val="accent1">
+                    <a:shade val="50000"/>
+                  </a:schemeClr>
+                </a:lnRef>
+                <a:fillRef idx="1">
+                  <a:schemeClr val="accent1"/>
+                </a:fillRef>
+                <a:effectRef idx="0">
+                  <a:schemeClr val="accent1"/>
+                </a:effectRef>
+                <a:fontRef idx="minor">
+                  <a:schemeClr val="lt1"/>
+                </a:fontRef>
+              </p:style>
+              <p:txBody>
+                <a:bodyPr rtlCol="0" anchor="ctr"/>
+                <a:lstStyle/>
+                <a:p>
+                  <a:pPr algn="ctr"/>
+                  <a:endParaRPr lang="en-US" sz="1600">
+                    <a:latin typeface="Roboto" panose="02000000000000000000" pitchFamily="2" charset="0"/>
+                    <a:ea typeface="Roboto" panose="02000000000000000000" pitchFamily="2" charset="0"/>
+                  </a:endParaRPr>
+                </a:p>
+              </p:txBody>
+            </p:sp>
+            <p:sp>
+              <p:nvSpPr>
+                <p:cNvPr id="31" name="이등변 삼각형 30"/>
+                <p:cNvSpPr/>
+                <p:nvPr/>
+              </p:nvSpPr>
+              <p:spPr>
+                <a:xfrm>
+                  <a:off x="684457" y="1077210"/>
+                  <a:ext cx="154686" cy="133349"/>
+                </a:xfrm>
+                <a:prstGeom prst="triangle">
+                  <a:avLst/>
+                </a:prstGeom>
+                <a:solidFill>
+                  <a:schemeClr val="tx1"/>
+                </a:solidFill>
+                <a:ln>
+                  <a:noFill/>
+                </a:ln>
+              </p:spPr>
+              <p:style>
+                <a:lnRef idx="2">
+                  <a:schemeClr val="dk1">
+                    <a:shade val="50000"/>
+                  </a:schemeClr>
+                </a:lnRef>
+                <a:fillRef idx="1">
+                  <a:schemeClr val="dk1"/>
+                </a:fillRef>
+                <a:effectRef idx="0">
+                  <a:schemeClr val="dk1"/>
+                </a:effectRef>
+                <a:fontRef idx="minor">
+                  <a:schemeClr val="lt1"/>
+                </a:fontRef>
+              </p:style>
+              <p:txBody>
+                <a:bodyPr rtlCol="0" anchor="ctr"/>
+                <a:lstStyle/>
+                <a:p>
+                  <a:pPr algn="ctr"/>
+                  <a:endParaRPr lang="en-US" sz="1600">
+                    <a:latin typeface="Roboto" panose="02000000000000000000" pitchFamily="2" charset="0"/>
+                    <a:ea typeface="Roboto" panose="02000000000000000000" pitchFamily="2" charset="0"/>
+                  </a:endParaRPr>
+                </a:p>
+              </p:txBody>
+            </p:sp>
+          </p:grpSp>
+        </p:grpSp>
+        <p:sp>
+          <p:nvSpPr>
+            <p:cNvPr id="26" name="TextBox 25"/>
+            <p:cNvSpPr txBox="1"/>
+            <p:nvPr/>
+          </p:nvSpPr>
+          <p:spPr>
+            <a:xfrm>
+              <a:off x="1514884" y="851411"/>
+              <a:ext cx="4368892" cy="584775"/>
+            </a:xfrm>
+            <a:prstGeom prst="rect">
+              <a:avLst/>
+            </a:prstGeom>
+            <a:noFill/>
+          </p:spPr>
+          <p:txBody>
+            <a:bodyPr wrap="square" rtlCol="0">
+              <a:spAutoFit/>
+            </a:bodyPr>
+            <a:lstStyle/>
+            <a:p>
+              <a:r>
+                <a:rPr lang="en-US" sz="1600" dirty="0" smtClean="0">
+                  <a:solidFill>
+                    <a:srgbClr val="C00000"/>
+                  </a:solidFill>
+                  <a:latin typeface="Roboto" panose="02000000000000000000" pitchFamily="2" charset="0"/>
+                  <a:ea typeface="Roboto" panose="02000000000000000000" pitchFamily="2" charset="0"/>
+                </a:rPr>
+                <a:t>1. Press the arrow down key on a focused</a:t>
+              </a:r>
+            </a:p>
+            <a:p>
+              <a:r>
+                <a:rPr lang="en-US" sz="1600" dirty="0">
+                  <a:solidFill>
+                    <a:srgbClr val="C00000"/>
+                  </a:solidFill>
+                  <a:latin typeface="Roboto" panose="02000000000000000000" pitchFamily="2" charset="0"/>
+                  <a:ea typeface="Roboto" panose="02000000000000000000" pitchFamily="2" charset="0"/>
+                </a:rPr>
+                <a:t> </a:t>
+              </a:r>
+              <a:r>
+                <a:rPr lang="en-US" sz="1600" dirty="0" smtClean="0">
+                  <a:solidFill>
+                    <a:srgbClr val="C00000"/>
+                  </a:solidFill>
+                  <a:latin typeface="Roboto" panose="02000000000000000000" pitchFamily="2" charset="0"/>
+                  <a:ea typeface="Roboto" panose="02000000000000000000" pitchFamily="2" charset="0"/>
+                </a:rPr>
+                <a:t>   element</a:t>
+              </a:r>
+              <a:endParaRPr lang="en-US" sz="1600" dirty="0">
+                <a:solidFill>
+                  <a:srgbClr val="C00000"/>
+                </a:solidFill>
+                <a:latin typeface="Roboto" panose="02000000000000000000" pitchFamily="2" charset="0"/>
+                <a:ea typeface="Roboto" panose="02000000000000000000" pitchFamily="2" charset="0"/>
+              </a:endParaRPr>
+            </a:p>
+          </p:txBody>
+        </p:sp>
+        <p:sp>
+          <p:nvSpPr>
+            <p:cNvPr id="34" name="모서리가 둥근 직사각형 33"/>
+            <p:cNvSpPr/>
+            <p:nvPr/>
+          </p:nvSpPr>
+          <p:spPr>
+            <a:xfrm>
+              <a:off x="6192912" y="756061"/>
+              <a:ext cx="4572782" cy="2852839"/>
+            </a:xfrm>
+            <a:prstGeom prst="roundRect">
+              <a:avLst>
+                <a:gd name="adj" fmla="val 8364"/>
+              </a:avLst>
+            </a:prstGeom>
+          </p:spPr>
+          <p:style>
+            <a:lnRef idx="2">
+              <a:schemeClr val="dk1"/>
+            </a:lnRef>
+            <a:fillRef idx="1">
+              <a:schemeClr val="lt1"/>
+            </a:fillRef>
+            <a:effectRef idx="0">
+              <a:schemeClr val="dk1"/>
+            </a:effectRef>
+            <a:fontRef idx="minor">
+              <a:schemeClr val="dk1"/>
+            </a:fontRef>
+          </p:style>
+          <p:txBody>
+            <a:bodyPr rtlCol="0" anchor="ctr"/>
+            <a:lstStyle/>
+            <a:p>
+              <a:pPr algn="ctr"/>
+              <a:endParaRPr lang="en-US" sz="1600" dirty="0">
+                <a:latin typeface="Roboto" panose="02000000000000000000" pitchFamily="2" charset="0"/>
+                <a:ea typeface="Roboto" panose="02000000000000000000" pitchFamily="2" charset="0"/>
+              </a:endParaRPr>
+            </a:p>
+          </p:txBody>
+        </p:sp>
+        <p:sp>
+          <p:nvSpPr>
+            <p:cNvPr id="35" name="TextBox 34"/>
+            <p:cNvSpPr txBox="1"/>
+            <p:nvPr/>
+          </p:nvSpPr>
+          <p:spPr>
+            <a:xfrm>
+              <a:off x="6336194" y="857139"/>
+              <a:ext cx="3977082" cy="338554"/>
+            </a:xfrm>
+            <a:prstGeom prst="rect">
+              <a:avLst/>
+            </a:prstGeom>
+            <a:noFill/>
+          </p:spPr>
+          <p:txBody>
+            <a:bodyPr wrap="square" rtlCol="0">
+              <a:spAutoFit/>
+            </a:bodyPr>
+            <a:lstStyle/>
+            <a:p>
+              <a:r>
+                <a:rPr lang="en-US" sz="1600" dirty="0" smtClean="0">
+                  <a:solidFill>
+                    <a:srgbClr val="C00000"/>
+                  </a:solidFill>
+                  <a:latin typeface="Roboto" panose="02000000000000000000" pitchFamily="2" charset="0"/>
+                  <a:ea typeface="Roboto" panose="02000000000000000000" pitchFamily="2" charset="0"/>
+                </a:rPr>
+                <a:t>2. Find candidates</a:t>
+              </a:r>
+            </a:p>
+          </p:txBody>
+        </p:sp>
+        <p:sp>
+          <p:nvSpPr>
+            <p:cNvPr id="36" name="모서리가 둥근 직사각형 35"/>
+            <p:cNvSpPr/>
+            <p:nvPr/>
+          </p:nvSpPr>
+          <p:spPr>
+            <a:xfrm>
+              <a:off x="1371602" y="3816941"/>
+              <a:ext cx="4572782" cy="2852839"/>
+            </a:xfrm>
+            <a:prstGeom prst="roundRect">
+              <a:avLst>
+                <a:gd name="adj" fmla="val 8364"/>
+              </a:avLst>
+            </a:prstGeom>
+          </p:spPr>
+          <p:style>
+            <a:lnRef idx="2">
+              <a:schemeClr val="dk1"/>
+            </a:lnRef>
+            <a:fillRef idx="1">
+              <a:schemeClr val="lt1"/>
+            </a:fillRef>
+            <a:effectRef idx="0">
+              <a:schemeClr val="dk1"/>
+            </a:effectRef>
+            <a:fontRef idx="minor">
+              <a:schemeClr val="dk1"/>
+            </a:fontRef>
+          </p:style>
+          <p:txBody>
+            <a:bodyPr rtlCol="0" anchor="ctr"/>
+            <a:lstStyle/>
+            <a:p>
+              <a:pPr algn="ctr"/>
+              <a:endParaRPr lang="en-US" sz="1600" dirty="0">
+                <a:latin typeface="Roboto" panose="02000000000000000000" pitchFamily="2" charset="0"/>
+                <a:ea typeface="Roboto" panose="02000000000000000000" pitchFamily="2" charset="0"/>
+              </a:endParaRPr>
+            </a:p>
+          </p:txBody>
+        </p:sp>
+        <p:sp>
+          <p:nvSpPr>
+            <p:cNvPr id="62" name="TextBox 61"/>
+            <p:cNvSpPr txBox="1"/>
+            <p:nvPr/>
+          </p:nvSpPr>
+          <p:spPr>
+            <a:xfrm>
+              <a:off x="1514884" y="3992507"/>
+              <a:ext cx="4243659" cy="338554"/>
+            </a:xfrm>
+            <a:prstGeom prst="rect">
+              <a:avLst/>
+            </a:prstGeom>
+            <a:noFill/>
+          </p:spPr>
+          <p:txBody>
+            <a:bodyPr wrap="square" rtlCol="0">
+              <a:spAutoFit/>
+            </a:bodyPr>
+            <a:lstStyle/>
+            <a:p>
+              <a:r>
+                <a:rPr lang="en-US" sz="1600" dirty="0" smtClean="0">
+                  <a:solidFill>
+                    <a:srgbClr val="C00000"/>
+                  </a:solidFill>
+                  <a:latin typeface="Roboto" panose="02000000000000000000" pitchFamily="2" charset="0"/>
+                  <a:ea typeface="Roboto" panose="02000000000000000000" pitchFamily="2" charset="0"/>
+                </a:rPr>
+                <a:t>3. Select the best candidate</a:t>
+              </a:r>
+              <a:endParaRPr lang="en-US" sz="1600" dirty="0">
+                <a:solidFill>
+                  <a:srgbClr val="C00000"/>
+                </a:solidFill>
+                <a:latin typeface="Roboto" panose="02000000000000000000" pitchFamily="2" charset="0"/>
+                <a:ea typeface="Roboto" panose="02000000000000000000" pitchFamily="2" charset="0"/>
+              </a:endParaRPr>
+            </a:p>
+          </p:txBody>
+        </p:sp>
+        <p:sp>
+          <p:nvSpPr>
+            <p:cNvPr id="63" name="모서리가 둥근 직사각형 62"/>
+            <p:cNvSpPr/>
+            <p:nvPr/>
+          </p:nvSpPr>
+          <p:spPr>
+            <a:xfrm>
+              <a:off x="6197218" y="3816940"/>
+              <a:ext cx="4572782" cy="2852839"/>
+            </a:xfrm>
+            <a:prstGeom prst="roundRect">
+              <a:avLst>
+                <a:gd name="adj" fmla="val 8364"/>
+              </a:avLst>
+            </a:prstGeom>
+          </p:spPr>
+          <p:style>
+            <a:lnRef idx="2">
+              <a:schemeClr val="dk1"/>
+            </a:lnRef>
+            <a:fillRef idx="1">
+              <a:schemeClr val="lt1"/>
+            </a:fillRef>
+            <a:effectRef idx="0">
+              <a:schemeClr val="dk1"/>
+            </a:effectRef>
+            <a:fontRef idx="minor">
+              <a:schemeClr val="dk1"/>
+            </a:fontRef>
+          </p:style>
+          <p:txBody>
+            <a:bodyPr rtlCol="0" anchor="ctr"/>
+            <a:lstStyle/>
+            <a:p>
+              <a:pPr algn="ctr"/>
+              <a:endParaRPr lang="en-US" sz="1600" dirty="0">
+                <a:latin typeface="Roboto" panose="02000000000000000000" pitchFamily="2" charset="0"/>
+                <a:ea typeface="Roboto" panose="02000000000000000000" pitchFamily="2" charset="0"/>
+              </a:endParaRPr>
+            </a:p>
+          </p:txBody>
+        </p:sp>
+        <p:sp>
+          <p:nvSpPr>
+            <p:cNvPr id="64" name="TextBox 63"/>
+            <p:cNvSpPr txBox="1"/>
+            <p:nvPr/>
+          </p:nvSpPr>
+          <p:spPr>
+            <a:xfrm>
+              <a:off x="6340500" y="3918018"/>
+              <a:ext cx="3977082" cy="338554"/>
+            </a:xfrm>
+            <a:prstGeom prst="rect">
+              <a:avLst/>
+            </a:prstGeom>
+            <a:noFill/>
+          </p:spPr>
+          <p:txBody>
+            <a:bodyPr wrap="square" rtlCol="0">
+              <a:spAutoFit/>
+            </a:bodyPr>
+            <a:lstStyle/>
+            <a:p>
+              <a:r>
+                <a:rPr lang="en-US" sz="1600" dirty="0" smtClean="0">
+                  <a:solidFill>
+                    <a:srgbClr val="C00000"/>
+                  </a:solidFill>
+                  <a:latin typeface="Roboto" panose="02000000000000000000" pitchFamily="2" charset="0"/>
+                  <a:ea typeface="Roboto" panose="02000000000000000000" pitchFamily="2" charset="0"/>
+                </a:rPr>
+                <a:t>4. Focus the best candidate</a:t>
+              </a:r>
+              <a:endParaRPr lang="en-US" sz="1600" dirty="0">
+                <a:solidFill>
+                  <a:srgbClr val="C00000"/>
+                </a:solidFill>
+                <a:latin typeface="Roboto" panose="02000000000000000000" pitchFamily="2" charset="0"/>
+                <a:ea typeface="Roboto" panose="02000000000000000000" pitchFamily="2" charset="0"/>
+              </a:endParaRPr>
+            </a:p>
+          </p:txBody>
+        </p:sp>
+        <p:grpSp>
+          <p:nvGrpSpPr>
+            <p:cNvPr id="65" name="그룹 64"/>
+            <p:cNvGrpSpPr/>
+            <p:nvPr/>
+          </p:nvGrpSpPr>
+          <p:grpSpPr>
+            <a:xfrm>
+              <a:off x="6956942" y="1429498"/>
+              <a:ext cx="3095530" cy="1945996"/>
+              <a:chOff x="2628900" y="1117600"/>
+              <a:chExt cx="7861300" cy="4941982"/>
+            </a:xfrm>
+          </p:grpSpPr>
+          <p:sp>
+            <p:nvSpPr>
+              <p:cNvPr id="66" name="직사각형 65"/>
+              <p:cNvSpPr/>
+              <p:nvPr/>
+            </p:nvSpPr>
+            <p:spPr>
+              <a:xfrm>
+                <a:off x="2628900" y="1117600"/>
+                <a:ext cx="7861300" cy="4941982"/>
+              </a:xfrm>
+              <a:prstGeom prst="rect">
+                <a:avLst/>
+              </a:prstGeom>
+              <a:solidFill>
+                <a:schemeClr val="bg2"/>
+              </a:solidFill>
+            </p:spPr>
+            <p:style>
+              <a:lnRef idx="2">
+                <a:schemeClr val="accent3"/>
+              </a:lnRef>
+              <a:fillRef idx="1">
+                <a:schemeClr val="lt1"/>
+              </a:fillRef>
+              <a:effectRef idx="0">
+                <a:schemeClr val="accent3"/>
+              </a:effectRef>
+              <a:fontRef idx="minor">
+                <a:schemeClr val="dk1"/>
+              </a:fontRef>
+            </p:style>
+            <p:txBody>
+              <a:bodyPr rtlCol="0" anchor="ctr"/>
+              <a:lstStyle/>
+              <a:p>
+                <a:pPr algn="ctr"/>
+                <a:endParaRPr lang="en-US" sz="1600">
+                  <a:latin typeface="Roboto" panose="02000000000000000000" pitchFamily="2" charset="0"/>
+                  <a:ea typeface="Roboto" panose="02000000000000000000" pitchFamily="2" charset="0"/>
+                </a:endParaRPr>
+              </a:p>
+            </p:txBody>
+          </p:sp>
+          <p:sp>
+            <p:nvSpPr>
+              <p:cNvPr id="67" name="직사각형 66"/>
+              <p:cNvSpPr/>
+              <p:nvPr/>
+            </p:nvSpPr>
+            <p:spPr>
+              <a:xfrm>
+                <a:off x="4610097" y="2413907"/>
+                <a:ext cx="5633232" cy="3379939"/>
+              </a:xfrm>
+              <a:prstGeom prst="rect">
+                <a:avLst/>
+              </a:prstGeom>
+              <a:solidFill>
+                <a:schemeClr val="bg1"/>
+              </a:solidFill>
+              <a:ln w="38100">
+                <a:solidFill>
+                  <a:srgbClr val="92D050"/>
+                </a:solidFill>
+              </a:ln>
+            </p:spPr>
+            <p:style>
+              <a:lnRef idx="2">
+                <a:schemeClr val="accent1">
+                  <a:shade val="50000"/>
+                </a:schemeClr>
+              </a:lnRef>
+              <a:fillRef idx="1">
+                <a:schemeClr val="accent1"/>
+              </a:fillRef>
+              <a:effectRef idx="0">
+                <a:schemeClr val="accent1"/>
+              </a:effectRef>
+              <a:fontRef idx="minor">
+                <a:schemeClr val="lt1"/>
+              </a:fontRef>
+            </p:style>
+            <p:txBody>
+              <a:bodyPr rtlCol="0" anchor="ctr"/>
+              <a:lstStyle/>
+              <a:p>
+                <a:pPr algn="ctr"/>
+                <a:endParaRPr lang="en-US" sz="1600">
+                  <a:latin typeface="Roboto" panose="02000000000000000000" pitchFamily="2" charset="0"/>
+                  <a:ea typeface="Roboto" panose="02000000000000000000" pitchFamily="2" charset="0"/>
+                </a:endParaRPr>
+              </a:p>
+            </p:txBody>
+          </p:sp>
+          <p:sp>
+            <p:nvSpPr>
+              <p:cNvPr id="68" name="직사각형 67"/>
+              <p:cNvSpPr/>
+              <p:nvPr/>
+            </p:nvSpPr>
+            <p:spPr>
+              <a:xfrm>
+                <a:off x="2897843" y="2824982"/>
+                <a:ext cx="1440000" cy="360000"/>
+              </a:xfrm>
+              <a:prstGeom prst="rect">
+                <a:avLst/>
+              </a:prstGeom>
+              <a:solidFill>
+                <a:schemeClr val="bg2">
+                  <a:lumMod val="50000"/>
+                </a:schemeClr>
+              </a:solidFill>
+              <a:ln>
+                <a:solidFill>
+                  <a:schemeClr val="bg2">
+                    <a:lumMod val="75000"/>
+                  </a:schemeClr>
+                </a:solidFill>
+              </a:ln>
+            </p:spPr>
+            <p:style>
+              <a:lnRef idx="2">
+                <a:schemeClr val="accent1">
+                  <a:shade val="50000"/>
+                </a:schemeClr>
+              </a:lnRef>
+              <a:fillRef idx="1">
+                <a:schemeClr val="accent1"/>
+              </a:fillRef>
+              <a:effectRef idx="0">
+                <a:schemeClr val="accent1"/>
+              </a:effectRef>
+              <a:fontRef idx="minor">
+                <a:schemeClr val="lt1"/>
+              </a:fontRef>
+            </p:style>
+            <p:txBody>
+              <a:bodyPr rtlCol="0" anchor="ctr"/>
+              <a:lstStyle/>
+              <a:p>
+                <a:pPr algn="ctr"/>
+                <a:endParaRPr lang="en-US" sz="1600">
+                  <a:latin typeface="Roboto" panose="02000000000000000000" pitchFamily="2" charset="0"/>
+                  <a:ea typeface="Roboto" panose="02000000000000000000" pitchFamily="2" charset="0"/>
+                </a:endParaRPr>
+              </a:p>
+            </p:txBody>
+          </p:sp>
+          <p:sp>
+            <p:nvSpPr>
+              <p:cNvPr id="69" name="직사각형 68"/>
+              <p:cNvSpPr/>
+              <p:nvPr/>
+            </p:nvSpPr>
+            <p:spPr>
+              <a:xfrm>
+                <a:off x="2897843" y="3345682"/>
+                <a:ext cx="1440000" cy="360000"/>
+              </a:xfrm>
+              <a:prstGeom prst="rect">
+                <a:avLst/>
+              </a:prstGeom>
+              <a:solidFill>
+                <a:schemeClr val="bg2">
+                  <a:lumMod val="50000"/>
+                </a:schemeClr>
+              </a:solidFill>
+              <a:ln w="44450">
+                <a:solidFill>
+                  <a:srgbClr val="81C6FF"/>
+                </a:solidFill>
+              </a:ln>
+            </p:spPr>
+            <p:style>
+              <a:lnRef idx="2">
+                <a:schemeClr val="accent1">
+                  <a:shade val="50000"/>
+                </a:schemeClr>
+              </a:lnRef>
+              <a:fillRef idx="1">
+                <a:schemeClr val="accent1"/>
+              </a:fillRef>
+              <a:effectRef idx="0">
+                <a:schemeClr val="accent1"/>
+              </a:effectRef>
+              <a:fontRef idx="minor">
+                <a:schemeClr val="lt1"/>
+              </a:fontRef>
+            </p:style>
+            <p:txBody>
+              <a:bodyPr rtlCol="0" anchor="ctr"/>
+              <a:lstStyle/>
+              <a:p>
+                <a:pPr algn="ctr"/>
+                <a:endParaRPr lang="en-US" sz="1600">
+                  <a:latin typeface="Roboto" panose="02000000000000000000" pitchFamily="2" charset="0"/>
+                  <a:ea typeface="Roboto" panose="02000000000000000000" pitchFamily="2" charset="0"/>
+                </a:endParaRPr>
+              </a:p>
+            </p:txBody>
+          </p:sp>
+          <p:sp>
+            <p:nvSpPr>
+              <p:cNvPr id="70" name="직사각형 69"/>
+              <p:cNvSpPr/>
+              <p:nvPr/>
+            </p:nvSpPr>
+            <p:spPr>
+              <a:xfrm>
+                <a:off x="2897843" y="3866382"/>
+                <a:ext cx="1440000" cy="360000"/>
+              </a:xfrm>
+              <a:prstGeom prst="rect">
+                <a:avLst/>
+              </a:prstGeom>
+              <a:solidFill>
+                <a:schemeClr val="bg2">
+                  <a:lumMod val="50000"/>
+                </a:schemeClr>
+              </a:solidFill>
+              <a:ln>
+                <a:solidFill>
+                  <a:schemeClr val="bg2">
+                    <a:lumMod val="75000"/>
+                  </a:schemeClr>
+                </a:solidFill>
+              </a:ln>
+            </p:spPr>
+            <p:style>
+              <a:lnRef idx="2">
+                <a:schemeClr val="accent1">
+                  <a:shade val="50000"/>
+                </a:schemeClr>
+              </a:lnRef>
+              <a:fillRef idx="1">
+                <a:schemeClr val="accent1"/>
+              </a:fillRef>
+              <a:effectRef idx="0">
+                <a:schemeClr val="accent1"/>
+              </a:effectRef>
+              <a:fontRef idx="minor">
+                <a:schemeClr val="lt1"/>
+              </a:fontRef>
+            </p:style>
+            <p:txBody>
+              <a:bodyPr rtlCol="0" anchor="ctr"/>
+              <a:lstStyle/>
+              <a:p>
+                <a:pPr algn="ctr"/>
+                <a:endParaRPr lang="en-US" sz="1600">
+                  <a:latin typeface="Roboto" panose="02000000000000000000" pitchFamily="2" charset="0"/>
+                  <a:ea typeface="Roboto" panose="02000000000000000000" pitchFamily="2" charset="0"/>
+                </a:endParaRPr>
+              </a:p>
+            </p:txBody>
+          </p:sp>
+          <p:sp>
+            <p:nvSpPr>
+              <p:cNvPr id="71" name="직사각형 70"/>
+              <p:cNvSpPr/>
+              <p:nvPr/>
+            </p:nvSpPr>
+            <p:spPr>
+              <a:xfrm>
+                <a:off x="2897843" y="4387082"/>
+                <a:ext cx="1440000" cy="360000"/>
+              </a:xfrm>
+              <a:prstGeom prst="rect">
+                <a:avLst/>
+              </a:prstGeom>
+              <a:solidFill>
+                <a:schemeClr val="bg2">
+                  <a:lumMod val="50000"/>
+                </a:schemeClr>
+              </a:solidFill>
+              <a:ln>
+                <a:solidFill>
+                  <a:schemeClr val="bg2">
+                    <a:lumMod val="75000"/>
+                  </a:schemeClr>
+                </a:solidFill>
+              </a:ln>
+            </p:spPr>
+            <p:style>
+              <a:lnRef idx="2">
+                <a:schemeClr val="accent1">
+                  <a:shade val="50000"/>
+                </a:schemeClr>
+              </a:lnRef>
+              <a:fillRef idx="1">
+                <a:schemeClr val="accent1"/>
+              </a:fillRef>
+              <a:effectRef idx="0">
+                <a:schemeClr val="accent1"/>
+              </a:effectRef>
+              <a:fontRef idx="minor">
+                <a:schemeClr val="lt1"/>
+              </a:fontRef>
+            </p:style>
+            <p:txBody>
+              <a:bodyPr rtlCol="0" anchor="ctr"/>
+              <a:lstStyle/>
+              <a:p>
+                <a:pPr algn="ctr"/>
+                <a:endParaRPr lang="en-US" sz="1600">
+                  <a:latin typeface="Roboto" panose="02000000000000000000" pitchFamily="2" charset="0"/>
+                  <a:ea typeface="Roboto" panose="02000000000000000000" pitchFamily="2" charset="0"/>
+                </a:endParaRPr>
+              </a:p>
+            </p:txBody>
+          </p:sp>
+          <p:sp>
+            <p:nvSpPr>
+              <p:cNvPr id="72" name="직사각형 71"/>
+              <p:cNvSpPr/>
+              <p:nvPr/>
+            </p:nvSpPr>
+            <p:spPr>
+              <a:xfrm>
+                <a:off x="2897843" y="4907782"/>
+                <a:ext cx="1440000" cy="360000"/>
+              </a:xfrm>
+              <a:prstGeom prst="rect">
+                <a:avLst/>
+              </a:prstGeom>
+              <a:solidFill>
+                <a:schemeClr val="bg2">
+                  <a:lumMod val="50000"/>
+                </a:schemeClr>
+              </a:solidFill>
+              <a:ln>
+                <a:solidFill>
+                  <a:schemeClr val="bg2">
+                    <a:lumMod val="75000"/>
+                  </a:schemeClr>
+                </a:solidFill>
+              </a:ln>
+            </p:spPr>
+            <p:style>
+              <a:lnRef idx="2">
+                <a:schemeClr val="accent1">
+                  <a:shade val="50000"/>
+                </a:schemeClr>
+              </a:lnRef>
+              <a:fillRef idx="1">
+                <a:schemeClr val="accent1"/>
+              </a:fillRef>
+              <a:effectRef idx="0">
+                <a:schemeClr val="accent1"/>
+              </a:effectRef>
+              <a:fontRef idx="minor">
+                <a:schemeClr val="lt1"/>
+              </a:fontRef>
+            </p:style>
+            <p:txBody>
+              <a:bodyPr rtlCol="0" anchor="ctr"/>
+              <a:lstStyle/>
+              <a:p>
+                <a:pPr algn="ctr"/>
+                <a:endParaRPr lang="en-US" sz="1600">
+                  <a:latin typeface="Roboto" panose="02000000000000000000" pitchFamily="2" charset="0"/>
+                  <a:ea typeface="Roboto" panose="02000000000000000000" pitchFamily="2" charset="0"/>
+                </a:endParaRPr>
+              </a:p>
+            </p:txBody>
+          </p:sp>
+          <p:sp>
+            <p:nvSpPr>
+              <p:cNvPr id="73" name="직사각형 72"/>
+              <p:cNvSpPr/>
+              <p:nvPr/>
+            </p:nvSpPr>
+            <p:spPr>
+              <a:xfrm>
+                <a:off x="4837036" y="2773138"/>
+                <a:ext cx="1404000" cy="1080000"/>
+              </a:xfrm>
+              <a:prstGeom prst="rect">
+                <a:avLst/>
+              </a:prstGeom>
+            </p:spPr>
+            <p:style>
+              <a:lnRef idx="2">
+                <a:schemeClr val="accent1">
+                  <a:shade val="50000"/>
+                </a:schemeClr>
+              </a:lnRef>
+              <a:fillRef idx="1">
+                <a:schemeClr val="accent1"/>
+              </a:fillRef>
+              <a:effectRef idx="0">
+                <a:schemeClr val="accent1"/>
+              </a:effectRef>
+              <a:fontRef idx="minor">
+                <a:schemeClr val="lt1"/>
+              </a:fontRef>
+            </p:style>
+            <p:txBody>
+              <a:bodyPr rtlCol="0" anchor="ctr"/>
+              <a:lstStyle/>
+              <a:p>
+                <a:pPr algn="ctr"/>
+                <a:endParaRPr lang="en-US" sz="1600">
+                  <a:latin typeface="Roboto" panose="02000000000000000000" pitchFamily="2" charset="0"/>
+                  <a:ea typeface="Roboto" panose="02000000000000000000" pitchFamily="2" charset="0"/>
+                </a:endParaRPr>
+              </a:p>
+            </p:txBody>
+          </p:sp>
+          <p:sp>
+            <p:nvSpPr>
+              <p:cNvPr id="74" name="직사각형 73"/>
+              <p:cNvSpPr/>
+              <p:nvPr/>
+            </p:nvSpPr>
+            <p:spPr>
+              <a:xfrm>
+                <a:off x="6538050" y="2773138"/>
+                <a:ext cx="1404000" cy="1080000"/>
+              </a:xfrm>
+              <a:prstGeom prst="rect">
+                <a:avLst/>
+              </a:prstGeom>
+            </p:spPr>
+            <p:style>
+              <a:lnRef idx="2">
+                <a:schemeClr val="accent1">
+                  <a:shade val="50000"/>
+                </a:schemeClr>
+              </a:lnRef>
+              <a:fillRef idx="1">
+                <a:schemeClr val="accent1"/>
+              </a:fillRef>
+              <a:effectRef idx="0">
+                <a:schemeClr val="accent1"/>
+              </a:effectRef>
+              <a:fontRef idx="minor">
+                <a:schemeClr val="lt1"/>
+              </a:fontRef>
+            </p:style>
+            <p:txBody>
+              <a:bodyPr rtlCol="0" anchor="ctr"/>
+              <a:lstStyle/>
+              <a:p>
+                <a:pPr algn="ctr"/>
+                <a:endParaRPr lang="en-US" sz="1600">
+                  <a:latin typeface="Roboto" panose="02000000000000000000" pitchFamily="2" charset="0"/>
+                  <a:ea typeface="Roboto" panose="02000000000000000000" pitchFamily="2" charset="0"/>
+                </a:endParaRPr>
+              </a:p>
+            </p:txBody>
+          </p:sp>
+          <p:sp>
+            <p:nvSpPr>
+              <p:cNvPr id="75" name="직사각형 74"/>
+              <p:cNvSpPr/>
+              <p:nvPr/>
+            </p:nvSpPr>
+            <p:spPr>
+              <a:xfrm>
+                <a:off x="8296213" y="2766993"/>
+                <a:ext cx="1404000" cy="1080000"/>
+              </a:xfrm>
+              <a:prstGeom prst="rect">
+                <a:avLst/>
+              </a:prstGeom>
+            </p:spPr>
+            <p:style>
+              <a:lnRef idx="2">
+                <a:schemeClr val="accent1">
+                  <a:shade val="50000"/>
+                </a:schemeClr>
+              </a:lnRef>
+              <a:fillRef idx="1">
+                <a:schemeClr val="accent1"/>
+              </a:fillRef>
+              <a:effectRef idx="0">
+                <a:schemeClr val="accent1"/>
+              </a:effectRef>
+              <a:fontRef idx="minor">
+                <a:schemeClr val="lt1"/>
+              </a:fontRef>
+            </p:style>
+            <p:txBody>
+              <a:bodyPr rtlCol="0" anchor="ctr"/>
+              <a:lstStyle/>
+              <a:p>
+                <a:pPr algn="ctr"/>
+                <a:endParaRPr lang="en-US" sz="1600">
+                  <a:latin typeface="Roboto" panose="02000000000000000000" pitchFamily="2" charset="0"/>
+                  <a:ea typeface="Roboto" panose="02000000000000000000" pitchFamily="2" charset="0"/>
+                </a:endParaRPr>
+              </a:p>
+            </p:txBody>
+          </p:sp>
+          <p:sp>
+            <p:nvSpPr>
+              <p:cNvPr id="76" name="직사각형 75"/>
+              <p:cNvSpPr/>
+              <p:nvPr/>
+            </p:nvSpPr>
+            <p:spPr>
+              <a:xfrm>
+                <a:off x="4837036" y="4187782"/>
+                <a:ext cx="1404000" cy="1080000"/>
+              </a:xfrm>
+              <a:prstGeom prst="rect">
+                <a:avLst/>
+              </a:prstGeom>
+            </p:spPr>
+            <p:style>
+              <a:lnRef idx="2">
+                <a:schemeClr val="accent1">
+                  <a:shade val="50000"/>
+                </a:schemeClr>
+              </a:lnRef>
+              <a:fillRef idx="1">
+                <a:schemeClr val="accent1"/>
+              </a:fillRef>
+              <a:effectRef idx="0">
+                <a:schemeClr val="accent1"/>
+              </a:effectRef>
+              <a:fontRef idx="minor">
+                <a:schemeClr val="lt1"/>
+              </a:fontRef>
+            </p:style>
+            <p:txBody>
+              <a:bodyPr rtlCol="0" anchor="ctr"/>
+              <a:lstStyle/>
+              <a:p>
+                <a:pPr algn="ctr"/>
+                <a:endParaRPr lang="en-US" sz="1600">
+                  <a:latin typeface="Roboto" panose="02000000000000000000" pitchFamily="2" charset="0"/>
+                  <a:ea typeface="Roboto" panose="02000000000000000000" pitchFamily="2" charset="0"/>
+                </a:endParaRPr>
+              </a:p>
+            </p:txBody>
+          </p:sp>
+          <p:sp>
+            <p:nvSpPr>
+              <p:cNvPr id="77" name="직사각형 76"/>
+              <p:cNvSpPr/>
+              <p:nvPr/>
+            </p:nvSpPr>
+            <p:spPr>
+              <a:xfrm>
+                <a:off x="6538050" y="4187782"/>
+                <a:ext cx="1404000" cy="1080000"/>
+              </a:xfrm>
+              <a:prstGeom prst="rect">
+                <a:avLst/>
+              </a:prstGeom>
+            </p:spPr>
+            <p:style>
+              <a:lnRef idx="2">
+                <a:schemeClr val="accent1">
+                  <a:shade val="50000"/>
+                </a:schemeClr>
+              </a:lnRef>
+              <a:fillRef idx="1">
+                <a:schemeClr val="accent1"/>
+              </a:fillRef>
+              <a:effectRef idx="0">
+                <a:schemeClr val="accent1"/>
+              </a:effectRef>
+              <a:fontRef idx="minor">
+                <a:schemeClr val="lt1"/>
+              </a:fontRef>
+            </p:style>
+            <p:txBody>
+              <a:bodyPr rtlCol="0" anchor="ctr"/>
+              <a:lstStyle/>
+              <a:p>
+                <a:pPr algn="ctr"/>
+                <a:endParaRPr lang="en-US" sz="1600">
+                  <a:latin typeface="Roboto" panose="02000000000000000000" pitchFamily="2" charset="0"/>
+                  <a:ea typeface="Roboto" panose="02000000000000000000" pitchFamily="2" charset="0"/>
+                </a:endParaRPr>
+              </a:p>
+            </p:txBody>
+          </p:sp>
+          <p:sp>
+            <p:nvSpPr>
+              <p:cNvPr id="78" name="직사각형 77"/>
+              <p:cNvSpPr/>
+              <p:nvPr/>
+            </p:nvSpPr>
+            <p:spPr>
+              <a:xfrm>
+                <a:off x="8296213" y="4187782"/>
+                <a:ext cx="1404000" cy="1080000"/>
+              </a:xfrm>
+              <a:prstGeom prst="rect">
+                <a:avLst/>
+              </a:prstGeom>
+            </p:spPr>
+            <p:style>
+              <a:lnRef idx="2">
+                <a:schemeClr val="accent1">
+                  <a:shade val="50000"/>
+                </a:schemeClr>
+              </a:lnRef>
+              <a:fillRef idx="1">
+                <a:schemeClr val="accent1"/>
+              </a:fillRef>
+              <a:effectRef idx="0">
+                <a:schemeClr val="accent1"/>
+              </a:effectRef>
+              <a:fontRef idx="minor">
+                <a:schemeClr val="lt1"/>
+              </a:fontRef>
+            </p:style>
+            <p:txBody>
+              <a:bodyPr rtlCol="0" anchor="ctr"/>
+              <a:lstStyle/>
+              <a:p>
+                <a:pPr algn="ctr"/>
+                <a:endParaRPr lang="en-US" sz="1600">
+                  <a:latin typeface="Roboto" panose="02000000000000000000" pitchFamily="2" charset="0"/>
+                  <a:ea typeface="Roboto" panose="02000000000000000000" pitchFamily="2" charset="0"/>
+                </a:endParaRPr>
+              </a:p>
+            </p:txBody>
+          </p:sp>
+          <p:sp>
+            <p:nvSpPr>
+              <p:cNvPr id="79" name="모서리가 둥근 직사각형 78"/>
+              <p:cNvSpPr/>
+              <p:nvPr/>
+            </p:nvSpPr>
+            <p:spPr>
+              <a:xfrm>
+                <a:off x="4595398" y="1500568"/>
+                <a:ext cx="1620000" cy="540000"/>
+              </a:xfrm>
+              <a:prstGeom prst="roundRect">
+                <a:avLst/>
+              </a:prstGeom>
+              <a:ln w="44450">
+                <a:solidFill>
+                  <a:srgbClr val="92D050"/>
+                </a:solidFill>
+              </a:ln>
+            </p:spPr>
+            <p:style>
+              <a:lnRef idx="2">
+                <a:schemeClr val="dk1">
+                  <a:shade val="50000"/>
+                </a:schemeClr>
+              </a:lnRef>
+              <a:fillRef idx="1">
+                <a:schemeClr val="dk1"/>
+              </a:fillRef>
+              <a:effectRef idx="0">
+                <a:schemeClr val="dk1"/>
+              </a:effectRef>
+              <a:fontRef idx="minor">
+                <a:schemeClr val="lt1"/>
+              </a:fontRef>
+            </p:style>
+            <p:txBody>
+              <a:bodyPr rtlCol="0" anchor="ctr"/>
+              <a:lstStyle/>
+              <a:p>
+                <a:pPr algn="ctr"/>
+                <a:endParaRPr lang="en-US" sz="1600">
+                  <a:latin typeface="Roboto" panose="02000000000000000000" pitchFamily="2" charset="0"/>
+                  <a:ea typeface="Roboto" panose="02000000000000000000" pitchFamily="2" charset="0"/>
+                </a:endParaRPr>
+              </a:p>
+            </p:txBody>
+          </p:sp>
+          <p:sp>
+            <p:nvSpPr>
+              <p:cNvPr id="80" name="모서리가 둥근 직사각형 79"/>
+              <p:cNvSpPr/>
+              <p:nvPr/>
+            </p:nvSpPr>
+            <p:spPr>
+              <a:xfrm>
+                <a:off x="6566949" y="1500568"/>
+                <a:ext cx="1620000" cy="540000"/>
+              </a:xfrm>
+              <a:prstGeom prst="roundRect">
+                <a:avLst/>
+              </a:prstGeom>
+              <a:ln w="44450">
+                <a:solidFill>
+                  <a:srgbClr val="92D050"/>
+                </a:solidFill>
+              </a:ln>
+            </p:spPr>
+            <p:style>
+              <a:lnRef idx="2">
+                <a:schemeClr val="dk1">
+                  <a:shade val="50000"/>
+                </a:schemeClr>
+              </a:lnRef>
+              <a:fillRef idx="1">
+                <a:schemeClr val="dk1"/>
+              </a:fillRef>
+              <a:effectRef idx="0">
+                <a:schemeClr val="dk1"/>
+              </a:effectRef>
+              <a:fontRef idx="minor">
+                <a:schemeClr val="lt1"/>
+              </a:fontRef>
+            </p:style>
+            <p:txBody>
+              <a:bodyPr rtlCol="0" anchor="ctr"/>
+              <a:lstStyle/>
+              <a:p>
+                <a:pPr algn="ctr"/>
+                <a:endParaRPr lang="en-US" sz="1600">
+                  <a:latin typeface="Roboto" panose="02000000000000000000" pitchFamily="2" charset="0"/>
+                  <a:ea typeface="Roboto" panose="02000000000000000000" pitchFamily="2" charset="0"/>
+                </a:endParaRPr>
+              </a:p>
+            </p:txBody>
+          </p:sp>
+          <p:sp>
+            <p:nvSpPr>
+              <p:cNvPr id="81" name="모서리가 둥근 직사각형 80"/>
+              <p:cNvSpPr/>
+              <p:nvPr/>
+            </p:nvSpPr>
+            <p:spPr>
+              <a:xfrm>
+                <a:off x="8538501" y="1500568"/>
+                <a:ext cx="1620000" cy="540000"/>
+              </a:xfrm>
+              <a:prstGeom prst="roundRect">
+                <a:avLst/>
+              </a:prstGeom>
+              <a:ln w="44450">
+                <a:solidFill>
+                  <a:srgbClr val="92D050"/>
+                </a:solidFill>
+              </a:ln>
+            </p:spPr>
+            <p:style>
+              <a:lnRef idx="2">
+                <a:schemeClr val="dk1">
+                  <a:shade val="50000"/>
+                </a:schemeClr>
+              </a:lnRef>
+              <a:fillRef idx="1">
+                <a:schemeClr val="dk1"/>
+              </a:fillRef>
+              <a:effectRef idx="0">
+                <a:schemeClr val="dk1"/>
+              </a:effectRef>
+              <a:fontRef idx="minor">
+                <a:schemeClr val="lt1"/>
+              </a:fontRef>
+            </p:style>
+            <p:txBody>
+              <a:bodyPr rtlCol="0" anchor="ctr"/>
+              <a:lstStyle/>
+              <a:p>
+                <a:pPr algn="ctr"/>
+                <a:endParaRPr lang="en-US" sz="1600">
+                  <a:latin typeface="Roboto" panose="02000000000000000000" pitchFamily="2" charset="0"/>
+                  <a:ea typeface="Roboto" panose="02000000000000000000" pitchFamily="2" charset="0"/>
+                </a:endParaRPr>
+              </a:p>
+            </p:txBody>
+          </p:sp>
+          <p:sp>
+            <p:nvSpPr>
+              <p:cNvPr id="82" name="직사각형 81"/>
+              <p:cNvSpPr/>
+              <p:nvPr/>
+            </p:nvSpPr>
+            <p:spPr>
+              <a:xfrm>
+                <a:off x="9926564" y="2413910"/>
+                <a:ext cx="254000" cy="3320143"/>
+              </a:xfrm>
+              <a:prstGeom prst="rect">
+                <a:avLst/>
+              </a:prstGeom>
+              <a:solidFill>
+                <a:schemeClr val="bg1"/>
+              </a:solidFill>
+              <a:ln>
+                <a:solidFill>
+                  <a:schemeClr val="tx1"/>
+                </a:solidFill>
+              </a:ln>
+            </p:spPr>
+            <p:style>
+              <a:lnRef idx="2">
+                <a:schemeClr val="accent3"/>
+              </a:lnRef>
+              <a:fillRef idx="1">
+                <a:schemeClr val="lt1"/>
+              </a:fillRef>
+              <a:effectRef idx="0">
+                <a:schemeClr val="accent3"/>
+              </a:effectRef>
+              <a:fontRef idx="minor">
+                <a:schemeClr val="dk1"/>
+              </a:fontRef>
+            </p:style>
+            <p:txBody>
+              <a:bodyPr rtlCol="0" anchor="ctr"/>
+              <a:lstStyle/>
+              <a:p>
+                <a:pPr algn="ctr"/>
+                <a:endParaRPr lang="en-US" sz="1600">
+                  <a:latin typeface="Roboto" panose="02000000000000000000" pitchFamily="2" charset="0"/>
+                  <a:ea typeface="Roboto" panose="02000000000000000000" pitchFamily="2" charset="0"/>
+                </a:endParaRPr>
+              </a:p>
+            </p:txBody>
+          </p:sp>
+          <p:sp>
+            <p:nvSpPr>
+              <p:cNvPr id="83" name="직사각형 82"/>
+              <p:cNvSpPr/>
+              <p:nvPr/>
+            </p:nvSpPr>
+            <p:spPr>
+              <a:xfrm>
+                <a:off x="9952253" y="2620738"/>
+                <a:ext cx="206248" cy="1041400"/>
+              </a:xfrm>
+              <a:prstGeom prst="rect">
+                <a:avLst/>
+              </a:prstGeom>
+              <a:solidFill>
+                <a:schemeClr val="bg1">
+                  <a:lumMod val="75000"/>
+                </a:schemeClr>
+              </a:solidFill>
+              <a:ln>
+                <a:noFill/>
+              </a:ln>
+            </p:spPr>
+            <p:style>
+              <a:lnRef idx="2">
+                <a:schemeClr val="dk1">
+                  <a:shade val="50000"/>
+                </a:schemeClr>
+              </a:lnRef>
+              <a:fillRef idx="1">
+                <a:schemeClr val="dk1"/>
+              </a:fillRef>
+              <a:effectRef idx="0">
+                <a:schemeClr val="dk1"/>
+              </a:effectRef>
+              <a:fontRef idx="minor">
+                <a:schemeClr val="lt1"/>
+              </a:fontRef>
+            </p:style>
+            <p:txBody>
+              <a:bodyPr rtlCol="0" anchor="ctr"/>
+              <a:lstStyle/>
+              <a:p>
+                <a:pPr algn="ctr"/>
+                <a:endParaRPr lang="en-US" sz="1600">
+                  <a:latin typeface="Roboto" panose="02000000000000000000" pitchFamily="2" charset="0"/>
+                  <a:ea typeface="Roboto" panose="02000000000000000000" pitchFamily="2" charset="0"/>
+                </a:endParaRPr>
+              </a:p>
+            </p:txBody>
+          </p:sp>
+          <p:grpSp>
+            <p:nvGrpSpPr>
+              <p:cNvPr id="84" name="그룹 83"/>
+              <p:cNvGrpSpPr/>
+              <p:nvPr/>
+            </p:nvGrpSpPr>
+            <p:grpSpPr>
+              <a:xfrm>
+                <a:off x="9952253" y="2424796"/>
+                <a:ext cx="206248" cy="177800"/>
+                <a:chOff x="676338" y="1066800"/>
+                <a:chExt cx="206248" cy="177800"/>
+              </a:xfrm>
+            </p:grpSpPr>
+            <p:sp>
+              <p:nvSpPr>
+                <p:cNvPr id="88" name="직사각형 87"/>
+                <p:cNvSpPr/>
+                <p:nvPr/>
+              </p:nvSpPr>
+              <p:spPr>
+                <a:xfrm>
+                  <a:off x="676338" y="1066800"/>
+                  <a:ext cx="206248" cy="177800"/>
+                </a:xfrm>
+                <a:prstGeom prst="rect">
+                  <a:avLst/>
+                </a:prstGeom>
+                <a:solidFill>
+                  <a:schemeClr val="bg1">
+                    <a:lumMod val="75000"/>
+                  </a:schemeClr>
+                </a:solidFill>
+                <a:ln>
+                  <a:noFill/>
+                </a:ln>
+              </p:spPr>
+              <p:style>
+                <a:lnRef idx="2">
+                  <a:schemeClr val="accent1">
+                    <a:shade val="50000"/>
+                  </a:schemeClr>
+                </a:lnRef>
+                <a:fillRef idx="1">
+                  <a:schemeClr val="accent1"/>
+                </a:fillRef>
+                <a:effectRef idx="0">
+                  <a:schemeClr val="accent1"/>
+                </a:effectRef>
+                <a:fontRef idx="minor">
+                  <a:schemeClr val="lt1"/>
+                </a:fontRef>
+              </p:style>
+              <p:txBody>
+                <a:bodyPr rtlCol="0" anchor="ctr"/>
+                <a:lstStyle/>
+                <a:p>
+                  <a:pPr algn="ctr"/>
+                  <a:endParaRPr lang="en-US" sz="1600">
+                    <a:latin typeface="Roboto" panose="02000000000000000000" pitchFamily="2" charset="0"/>
+                    <a:ea typeface="Roboto" panose="02000000000000000000" pitchFamily="2" charset="0"/>
+                  </a:endParaRPr>
+                </a:p>
+              </p:txBody>
+            </p:sp>
+            <p:sp>
+              <p:nvSpPr>
+                <p:cNvPr id="89" name="이등변 삼각형 88"/>
+                <p:cNvSpPr/>
+                <p:nvPr/>
+              </p:nvSpPr>
+              <p:spPr>
+                <a:xfrm>
+                  <a:off x="701738" y="1085850"/>
+                  <a:ext cx="154686" cy="133350"/>
+                </a:xfrm>
+                <a:prstGeom prst="triangle">
+                  <a:avLst/>
+                </a:prstGeom>
+                <a:solidFill>
+                  <a:schemeClr val="tx1"/>
+                </a:solidFill>
+                <a:ln>
+                  <a:noFill/>
+                </a:ln>
+              </p:spPr>
+              <p:style>
+                <a:lnRef idx="2">
+                  <a:schemeClr val="dk1">
+                    <a:shade val="50000"/>
+                  </a:schemeClr>
+                </a:lnRef>
+                <a:fillRef idx="1">
+                  <a:schemeClr val="dk1"/>
+                </a:fillRef>
+                <a:effectRef idx="0">
+                  <a:schemeClr val="dk1"/>
+                </a:effectRef>
+                <a:fontRef idx="minor">
+                  <a:schemeClr val="lt1"/>
+                </a:fontRef>
+              </p:style>
+              <p:txBody>
+                <a:bodyPr rtlCol="0" anchor="ctr"/>
+                <a:lstStyle/>
+                <a:p>
+                  <a:pPr algn="ctr"/>
+                  <a:endParaRPr lang="en-US" sz="1600">
+                    <a:latin typeface="Roboto" panose="02000000000000000000" pitchFamily="2" charset="0"/>
+                    <a:ea typeface="Roboto" panose="02000000000000000000" pitchFamily="2" charset="0"/>
+                  </a:endParaRPr>
+                </a:p>
+              </p:txBody>
+            </p:sp>
+          </p:grpSp>
+          <p:grpSp>
+            <p:nvGrpSpPr>
+              <p:cNvPr id="85" name="그룹 84"/>
+              <p:cNvGrpSpPr/>
+              <p:nvPr/>
+            </p:nvGrpSpPr>
+            <p:grpSpPr>
+              <a:xfrm flipH="1" flipV="1">
+                <a:off x="9952253" y="5556254"/>
+                <a:ext cx="206248" cy="177800"/>
+                <a:chOff x="676338" y="1066800"/>
+                <a:chExt cx="206248" cy="177800"/>
+              </a:xfrm>
+            </p:grpSpPr>
+            <p:sp>
+              <p:nvSpPr>
+                <p:cNvPr id="86" name="직사각형 85"/>
+                <p:cNvSpPr/>
+                <p:nvPr/>
+              </p:nvSpPr>
+              <p:spPr>
+                <a:xfrm>
+                  <a:off x="676338" y="1066800"/>
+                  <a:ext cx="206248" cy="177800"/>
+                </a:xfrm>
+                <a:prstGeom prst="rect">
+                  <a:avLst/>
+                </a:prstGeom>
+                <a:solidFill>
+                  <a:schemeClr val="bg1">
+                    <a:lumMod val="75000"/>
+                  </a:schemeClr>
+                </a:solidFill>
+                <a:ln>
+                  <a:noFill/>
+                </a:ln>
+              </p:spPr>
+              <p:style>
+                <a:lnRef idx="2">
+                  <a:schemeClr val="accent1">
+                    <a:shade val="50000"/>
+                  </a:schemeClr>
+                </a:lnRef>
+                <a:fillRef idx="1">
+                  <a:schemeClr val="accent1"/>
+                </a:fillRef>
+                <a:effectRef idx="0">
+                  <a:schemeClr val="accent1"/>
+                </a:effectRef>
+                <a:fontRef idx="minor">
+                  <a:schemeClr val="lt1"/>
+                </a:fontRef>
+              </p:style>
+              <p:txBody>
+                <a:bodyPr rtlCol="0" anchor="ctr"/>
+                <a:lstStyle/>
+                <a:p>
+                  <a:pPr algn="ctr"/>
+                  <a:endParaRPr lang="en-US" sz="1600">
+                    <a:latin typeface="Roboto" panose="02000000000000000000" pitchFamily="2" charset="0"/>
+                    <a:ea typeface="Roboto" panose="02000000000000000000" pitchFamily="2" charset="0"/>
+                  </a:endParaRPr>
+                </a:p>
+              </p:txBody>
+            </p:sp>
+            <p:sp>
+              <p:nvSpPr>
+                <p:cNvPr id="87" name="이등변 삼각형 86"/>
+                <p:cNvSpPr/>
+                <p:nvPr/>
+              </p:nvSpPr>
+              <p:spPr>
+                <a:xfrm>
+                  <a:off x="701738" y="1085850"/>
+                  <a:ext cx="154686" cy="133350"/>
+                </a:xfrm>
+                <a:prstGeom prst="triangle">
+                  <a:avLst/>
+                </a:prstGeom>
+                <a:solidFill>
+                  <a:schemeClr val="tx1"/>
+                </a:solidFill>
+                <a:ln>
+                  <a:noFill/>
+                </a:ln>
+              </p:spPr>
+              <p:style>
+                <a:lnRef idx="2">
+                  <a:schemeClr val="dk1">
+                    <a:shade val="50000"/>
+                  </a:schemeClr>
+                </a:lnRef>
+                <a:fillRef idx="1">
+                  <a:schemeClr val="dk1"/>
+                </a:fillRef>
+                <a:effectRef idx="0">
+                  <a:schemeClr val="dk1"/>
+                </a:effectRef>
+                <a:fontRef idx="minor">
+                  <a:schemeClr val="lt1"/>
+                </a:fontRef>
+              </p:style>
+              <p:txBody>
+                <a:bodyPr rtlCol="0" anchor="ctr"/>
+                <a:lstStyle/>
+                <a:p>
+                  <a:pPr algn="ctr"/>
+                  <a:endParaRPr lang="en-US" sz="1600">
+                    <a:latin typeface="Roboto" panose="02000000000000000000" pitchFamily="2" charset="0"/>
+                    <a:ea typeface="Roboto" panose="02000000000000000000" pitchFamily="2" charset="0"/>
+                  </a:endParaRPr>
+                </a:p>
+              </p:txBody>
+            </p:sp>
+          </p:grpSp>
+        </p:grpSp>
+        <p:grpSp>
+          <p:nvGrpSpPr>
+            <p:cNvPr id="90" name="그룹 89"/>
+            <p:cNvGrpSpPr/>
+            <p:nvPr/>
+          </p:nvGrpSpPr>
+          <p:grpSpPr>
+            <a:xfrm>
+              <a:off x="6961248" y="4490377"/>
+              <a:ext cx="3095530" cy="1945996"/>
+              <a:chOff x="2628900" y="1117600"/>
+              <a:chExt cx="7861300" cy="4941982"/>
+            </a:xfrm>
+          </p:grpSpPr>
+          <p:sp>
+            <p:nvSpPr>
+              <p:cNvPr id="91" name="직사각형 90"/>
+              <p:cNvSpPr/>
+              <p:nvPr/>
+            </p:nvSpPr>
+            <p:spPr>
+              <a:xfrm>
+                <a:off x="2628900" y="1117600"/>
+                <a:ext cx="7861300" cy="4941982"/>
+              </a:xfrm>
+              <a:prstGeom prst="rect">
+                <a:avLst/>
+              </a:prstGeom>
+              <a:solidFill>
+                <a:schemeClr val="bg2"/>
+              </a:solidFill>
+            </p:spPr>
+            <p:style>
+              <a:lnRef idx="2">
+                <a:schemeClr val="accent3"/>
+              </a:lnRef>
+              <a:fillRef idx="1">
+                <a:schemeClr val="lt1"/>
+              </a:fillRef>
+              <a:effectRef idx="0">
+                <a:schemeClr val="accent3"/>
+              </a:effectRef>
+              <a:fontRef idx="minor">
+                <a:schemeClr val="dk1"/>
+              </a:fontRef>
+            </p:style>
+            <p:txBody>
+              <a:bodyPr rtlCol="0" anchor="ctr"/>
+              <a:lstStyle/>
+              <a:p>
+                <a:pPr algn="ctr"/>
+                <a:endParaRPr lang="en-US" sz="1600">
+                  <a:latin typeface="Roboto" panose="02000000000000000000" pitchFamily="2" charset="0"/>
+                  <a:ea typeface="Roboto" panose="02000000000000000000" pitchFamily="2" charset="0"/>
+                </a:endParaRPr>
+              </a:p>
+            </p:txBody>
+          </p:sp>
+          <p:sp>
+            <p:nvSpPr>
+              <p:cNvPr id="92" name="직사각형 91"/>
+              <p:cNvSpPr/>
+              <p:nvPr/>
+            </p:nvSpPr>
+            <p:spPr>
+              <a:xfrm>
+                <a:off x="4610101" y="2413908"/>
+                <a:ext cx="5631740" cy="3382700"/>
+              </a:xfrm>
+              <a:prstGeom prst="rect">
+                <a:avLst/>
+              </a:prstGeom>
+              <a:solidFill>
+                <a:schemeClr val="bg1"/>
+              </a:solidFill>
+              <a:ln w="44450">
+                <a:solidFill>
+                  <a:srgbClr val="81C6FF"/>
+                </a:solidFill>
+              </a:ln>
+            </p:spPr>
+            <p:style>
+              <a:lnRef idx="2">
+                <a:schemeClr val="accent1">
+                  <a:shade val="50000"/>
+                </a:schemeClr>
+              </a:lnRef>
+              <a:fillRef idx="1">
+                <a:schemeClr val="accent1"/>
+              </a:fillRef>
+              <a:effectRef idx="0">
+                <a:schemeClr val="accent1"/>
+              </a:effectRef>
+              <a:fontRef idx="minor">
+                <a:schemeClr val="lt1"/>
+              </a:fontRef>
+            </p:style>
+            <p:txBody>
+              <a:bodyPr rtlCol="0" anchor="ctr"/>
+              <a:lstStyle/>
+              <a:p>
+                <a:pPr algn="ctr"/>
+                <a:endParaRPr lang="en-US" sz="1600">
+                  <a:latin typeface="Roboto" panose="02000000000000000000" pitchFamily="2" charset="0"/>
+                  <a:ea typeface="Roboto" panose="02000000000000000000" pitchFamily="2" charset="0"/>
+                </a:endParaRPr>
+              </a:p>
+            </p:txBody>
+          </p:sp>
+          <p:sp>
+            <p:nvSpPr>
+              <p:cNvPr id="93" name="직사각형 92"/>
+              <p:cNvSpPr/>
+              <p:nvPr/>
+            </p:nvSpPr>
+            <p:spPr>
+              <a:xfrm>
+                <a:off x="2897843" y="2824982"/>
+                <a:ext cx="1440000" cy="360000"/>
+              </a:xfrm>
+              <a:prstGeom prst="rect">
+                <a:avLst/>
+              </a:prstGeom>
+              <a:solidFill>
+                <a:schemeClr val="bg2">
+                  <a:lumMod val="50000"/>
+                </a:schemeClr>
+              </a:solidFill>
+              <a:ln>
+                <a:solidFill>
+                  <a:schemeClr val="bg2">
+                    <a:lumMod val="75000"/>
+                  </a:schemeClr>
+                </a:solidFill>
+              </a:ln>
+            </p:spPr>
+            <p:style>
+              <a:lnRef idx="2">
+                <a:schemeClr val="accent1">
+                  <a:shade val="50000"/>
+                </a:schemeClr>
+              </a:lnRef>
+              <a:fillRef idx="1">
+                <a:schemeClr val="accent1"/>
+              </a:fillRef>
+              <a:effectRef idx="0">
+                <a:schemeClr val="accent1"/>
+              </a:effectRef>
+              <a:fontRef idx="minor">
+                <a:schemeClr val="lt1"/>
+              </a:fontRef>
+            </p:style>
+            <p:txBody>
+              <a:bodyPr rtlCol="0" anchor="ctr"/>
+              <a:lstStyle/>
+              <a:p>
+                <a:pPr algn="ctr"/>
+                <a:endParaRPr lang="en-US" sz="1600">
+                  <a:latin typeface="Roboto" panose="02000000000000000000" pitchFamily="2" charset="0"/>
+                  <a:ea typeface="Roboto" panose="02000000000000000000" pitchFamily="2" charset="0"/>
+                </a:endParaRPr>
+              </a:p>
+            </p:txBody>
+          </p:sp>
+          <p:sp>
+            <p:nvSpPr>
+              <p:cNvPr id="94" name="직사각형 93"/>
+              <p:cNvSpPr/>
+              <p:nvPr/>
+            </p:nvSpPr>
+            <p:spPr>
+              <a:xfrm>
+                <a:off x="2897843" y="3345682"/>
+                <a:ext cx="1440000" cy="360000"/>
+              </a:xfrm>
+              <a:prstGeom prst="rect">
+                <a:avLst/>
+              </a:prstGeom>
+              <a:solidFill>
+                <a:schemeClr val="bg2">
+                  <a:lumMod val="50000"/>
+                </a:schemeClr>
+              </a:solidFill>
+              <a:ln>
+                <a:solidFill>
+                  <a:schemeClr val="bg2">
+                    <a:lumMod val="75000"/>
+                  </a:schemeClr>
+                </a:solidFill>
+              </a:ln>
+            </p:spPr>
+            <p:style>
+              <a:lnRef idx="2">
+                <a:schemeClr val="accent1">
+                  <a:shade val="50000"/>
+                </a:schemeClr>
+              </a:lnRef>
+              <a:fillRef idx="1">
+                <a:schemeClr val="accent1"/>
+              </a:fillRef>
+              <a:effectRef idx="0">
+                <a:schemeClr val="accent1"/>
+              </a:effectRef>
+              <a:fontRef idx="minor">
+                <a:schemeClr val="lt1"/>
+              </a:fontRef>
+            </p:style>
+            <p:txBody>
+              <a:bodyPr rtlCol="0" anchor="ctr"/>
+              <a:lstStyle/>
+              <a:p>
+                <a:pPr algn="ctr"/>
+                <a:endParaRPr lang="en-US" sz="1600">
+                  <a:latin typeface="Roboto" panose="02000000000000000000" pitchFamily="2" charset="0"/>
+                  <a:ea typeface="Roboto" panose="02000000000000000000" pitchFamily="2" charset="0"/>
+                </a:endParaRPr>
+              </a:p>
+            </p:txBody>
+          </p:sp>
+          <p:sp>
+            <p:nvSpPr>
+              <p:cNvPr id="95" name="직사각형 94"/>
+              <p:cNvSpPr/>
+              <p:nvPr/>
+            </p:nvSpPr>
+            <p:spPr>
+              <a:xfrm>
+                <a:off x="2897843" y="3866382"/>
+                <a:ext cx="1440000" cy="360000"/>
+              </a:xfrm>
+              <a:prstGeom prst="rect">
+                <a:avLst/>
+              </a:prstGeom>
+              <a:solidFill>
+                <a:schemeClr val="bg2">
+                  <a:lumMod val="50000"/>
+                </a:schemeClr>
+              </a:solidFill>
+              <a:ln>
+                <a:solidFill>
+                  <a:schemeClr val="bg2">
+                    <a:lumMod val="75000"/>
+                  </a:schemeClr>
+                </a:solidFill>
+              </a:ln>
+            </p:spPr>
+            <p:style>
+              <a:lnRef idx="2">
+                <a:schemeClr val="accent1">
+                  <a:shade val="50000"/>
+                </a:schemeClr>
+              </a:lnRef>
+              <a:fillRef idx="1">
+                <a:schemeClr val="accent1"/>
+              </a:fillRef>
+              <a:effectRef idx="0">
+                <a:schemeClr val="accent1"/>
+              </a:effectRef>
+              <a:fontRef idx="minor">
+                <a:schemeClr val="lt1"/>
+              </a:fontRef>
+            </p:style>
+            <p:txBody>
+              <a:bodyPr rtlCol="0" anchor="ctr"/>
+              <a:lstStyle/>
+              <a:p>
+                <a:pPr algn="ctr"/>
+                <a:endParaRPr lang="en-US" sz="1600">
+                  <a:latin typeface="Roboto" panose="02000000000000000000" pitchFamily="2" charset="0"/>
+                  <a:ea typeface="Roboto" panose="02000000000000000000" pitchFamily="2" charset="0"/>
+                </a:endParaRPr>
+              </a:p>
+            </p:txBody>
+          </p:sp>
+          <p:sp>
+            <p:nvSpPr>
+              <p:cNvPr id="96" name="직사각형 95"/>
+              <p:cNvSpPr/>
+              <p:nvPr/>
+            </p:nvSpPr>
+            <p:spPr>
+              <a:xfrm>
+                <a:off x="2897843" y="4387082"/>
+                <a:ext cx="1440000" cy="360000"/>
+              </a:xfrm>
+              <a:prstGeom prst="rect">
+                <a:avLst/>
+              </a:prstGeom>
+              <a:solidFill>
+                <a:schemeClr val="bg2">
+                  <a:lumMod val="50000"/>
+                </a:schemeClr>
+              </a:solidFill>
+              <a:ln>
+                <a:solidFill>
+                  <a:schemeClr val="bg2">
+                    <a:lumMod val="75000"/>
+                  </a:schemeClr>
+                </a:solidFill>
+              </a:ln>
+            </p:spPr>
+            <p:style>
+              <a:lnRef idx="2">
+                <a:schemeClr val="accent1">
+                  <a:shade val="50000"/>
+                </a:schemeClr>
+              </a:lnRef>
+              <a:fillRef idx="1">
+                <a:schemeClr val="accent1"/>
+              </a:fillRef>
+              <a:effectRef idx="0">
+                <a:schemeClr val="accent1"/>
+              </a:effectRef>
+              <a:fontRef idx="minor">
+                <a:schemeClr val="lt1"/>
+              </a:fontRef>
+            </p:style>
+            <p:txBody>
+              <a:bodyPr rtlCol="0" anchor="ctr"/>
+              <a:lstStyle/>
+              <a:p>
+                <a:pPr algn="ctr"/>
+                <a:endParaRPr lang="en-US" sz="1600">
+                  <a:latin typeface="Roboto" panose="02000000000000000000" pitchFamily="2" charset="0"/>
+                  <a:ea typeface="Roboto" panose="02000000000000000000" pitchFamily="2" charset="0"/>
+                </a:endParaRPr>
+              </a:p>
+            </p:txBody>
+          </p:sp>
+          <p:sp>
+            <p:nvSpPr>
+              <p:cNvPr id="97" name="직사각형 96"/>
+              <p:cNvSpPr/>
+              <p:nvPr/>
+            </p:nvSpPr>
+            <p:spPr>
+              <a:xfrm>
+                <a:off x="2897843" y="4907782"/>
+                <a:ext cx="1440000" cy="360000"/>
+              </a:xfrm>
+              <a:prstGeom prst="rect">
+                <a:avLst/>
+              </a:prstGeom>
+              <a:solidFill>
+                <a:schemeClr val="bg2">
+                  <a:lumMod val="50000"/>
+                </a:schemeClr>
+              </a:solidFill>
+              <a:ln>
+                <a:solidFill>
+                  <a:schemeClr val="bg2">
+                    <a:lumMod val="75000"/>
+                  </a:schemeClr>
+                </a:solidFill>
+              </a:ln>
+            </p:spPr>
+            <p:style>
+              <a:lnRef idx="2">
+                <a:schemeClr val="accent1">
+                  <a:shade val="50000"/>
+                </a:schemeClr>
+              </a:lnRef>
+              <a:fillRef idx="1">
+                <a:schemeClr val="accent1"/>
+              </a:fillRef>
+              <a:effectRef idx="0">
+                <a:schemeClr val="accent1"/>
+              </a:effectRef>
+              <a:fontRef idx="minor">
+                <a:schemeClr val="lt1"/>
+              </a:fontRef>
+            </p:style>
+            <p:txBody>
+              <a:bodyPr rtlCol="0" anchor="ctr"/>
+              <a:lstStyle/>
+              <a:p>
+                <a:pPr algn="ctr"/>
+                <a:endParaRPr lang="en-US" sz="1600">
+                  <a:latin typeface="Roboto" panose="02000000000000000000" pitchFamily="2" charset="0"/>
+                  <a:ea typeface="Roboto" panose="02000000000000000000" pitchFamily="2" charset="0"/>
+                </a:endParaRPr>
+              </a:p>
+            </p:txBody>
+          </p:sp>
+          <p:sp>
+            <p:nvSpPr>
+              <p:cNvPr id="98" name="직사각형 97"/>
+              <p:cNvSpPr/>
+              <p:nvPr/>
+            </p:nvSpPr>
+            <p:spPr>
+              <a:xfrm>
+                <a:off x="4837036" y="2773138"/>
+                <a:ext cx="1404000" cy="1080000"/>
+              </a:xfrm>
+              <a:prstGeom prst="rect">
+                <a:avLst/>
+              </a:prstGeom>
+            </p:spPr>
+            <p:style>
+              <a:lnRef idx="2">
+                <a:schemeClr val="accent1">
+                  <a:shade val="50000"/>
+                </a:schemeClr>
+              </a:lnRef>
+              <a:fillRef idx="1">
+                <a:schemeClr val="accent1"/>
+              </a:fillRef>
+              <a:effectRef idx="0">
+                <a:schemeClr val="accent1"/>
+              </a:effectRef>
+              <a:fontRef idx="minor">
+                <a:schemeClr val="lt1"/>
+              </a:fontRef>
+            </p:style>
+            <p:txBody>
+              <a:bodyPr rtlCol="0" anchor="ctr"/>
+              <a:lstStyle/>
+              <a:p>
+                <a:pPr algn="ctr"/>
+                <a:endParaRPr lang="en-US" sz="1600">
+                  <a:latin typeface="Roboto" panose="02000000000000000000" pitchFamily="2" charset="0"/>
+                  <a:ea typeface="Roboto" panose="02000000000000000000" pitchFamily="2" charset="0"/>
+                </a:endParaRPr>
+              </a:p>
+            </p:txBody>
+          </p:sp>
+          <p:sp>
+            <p:nvSpPr>
+              <p:cNvPr id="99" name="직사각형 98"/>
+              <p:cNvSpPr/>
+              <p:nvPr/>
+            </p:nvSpPr>
+            <p:spPr>
+              <a:xfrm>
+                <a:off x="6538050" y="2773138"/>
+                <a:ext cx="1404000" cy="1080000"/>
+              </a:xfrm>
+              <a:prstGeom prst="rect">
+                <a:avLst/>
+              </a:prstGeom>
+            </p:spPr>
+            <p:style>
+              <a:lnRef idx="2">
+                <a:schemeClr val="accent1">
+                  <a:shade val="50000"/>
+                </a:schemeClr>
+              </a:lnRef>
+              <a:fillRef idx="1">
+                <a:schemeClr val="accent1"/>
+              </a:fillRef>
+              <a:effectRef idx="0">
+                <a:schemeClr val="accent1"/>
+              </a:effectRef>
+              <a:fontRef idx="minor">
+                <a:schemeClr val="lt1"/>
+              </a:fontRef>
+            </p:style>
+            <p:txBody>
+              <a:bodyPr rtlCol="0" anchor="ctr"/>
+              <a:lstStyle/>
+              <a:p>
+                <a:pPr algn="ctr"/>
+                <a:endParaRPr lang="en-US" sz="1600">
+                  <a:latin typeface="Roboto" panose="02000000000000000000" pitchFamily="2" charset="0"/>
+                  <a:ea typeface="Roboto" panose="02000000000000000000" pitchFamily="2" charset="0"/>
+                </a:endParaRPr>
+              </a:p>
+            </p:txBody>
+          </p:sp>
+          <p:sp>
+            <p:nvSpPr>
+              <p:cNvPr id="100" name="직사각형 99"/>
+              <p:cNvSpPr/>
+              <p:nvPr/>
+            </p:nvSpPr>
+            <p:spPr>
+              <a:xfrm>
+                <a:off x="8296213" y="2766993"/>
+                <a:ext cx="1404000" cy="1080000"/>
+              </a:xfrm>
+              <a:prstGeom prst="rect">
+                <a:avLst/>
+              </a:prstGeom>
+            </p:spPr>
+            <p:style>
+              <a:lnRef idx="2">
+                <a:schemeClr val="accent1">
+                  <a:shade val="50000"/>
+                </a:schemeClr>
+              </a:lnRef>
+              <a:fillRef idx="1">
+                <a:schemeClr val="accent1"/>
+              </a:fillRef>
+              <a:effectRef idx="0">
+                <a:schemeClr val="accent1"/>
+              </a:effectRef>
+              <a:fontRef idx="minor">
+                <a:schemeClr val="lt1"/>
+              </a:fontRef>
+            </p:style>
+            <p:txBody>
+              <a:bodyPr rtlCol="0" anchor="ctr"/>
+              <a:lstStyle/>
+              <a:p>
+                <a:pPr algn="ctr"/>
+                <a:endParaRPr lang="en-US" sz="1600">
+                  <a:latin typeface="Roboto" panose="02000000000000000000" pitchFamily="2" charset="0"/>
+                  <a:ea typeface="Roboto" panose="02000000000000000000" pitchFamily="2" charset="0"/>
+                </a:endParaRPr>
+              </a:p>
+            </p:txBody>
+          </p:sp>
+          <p:sp>
+            <p:nvSpPr>
+              <p:cNvPr id="101" name="직사각형 100"/>
+              <p:cNvSpPr/>
+              <p:nvPr/>
+            </p:nvSpPr>
+            <p:spPr>
+              <a:xfrm>
+                <a:off x="4837036" y="4187782"/>
+                <a:ext cx="1404000" cy="1080000"/>
+              </a:xfrm>
+              <a:prstGeom prst="rect">
+                <a:avLst/>
+              </a:prstGeom>
+            </p:spPr>
+            <p:style>
+              <a:lnRef idx="2">
+                <a:schemeClr val="accent1">
+                  <a:shade val="50000"/>
+                </a:schemeClr>
+              </a:lnRef>
+              <a:fillRef idx="1">
+                <a:schemeClr val="accent1"/>
+              </a:fillRef>
+              <a:effectRef idx="0">
+                <a:schemeClr val="accent1"/>
+              </a:effectRef>
+              <a:fontRef idx="minor">
+                <a:schemeClr val="lt1"/>
+              </a:fontRef>
+            </p:style>
+            <p:txBody>
+              <a:bodyPr rtlCol="0" anchor="ctr"/>
+              <a:lstStyle/>
+              <a:p>
+                <a:pPr algn="ctr"/>
+                <a:endParaRPr lang="en-US" sz="1600">
+                  <a:latin typeface="Roboto" panose="02000000000000000000" pitchFamily="2" charset="0"/>
+                  <a:ea typeface="Roboto" panose="02000000000000000000" pitchFamily="2" charset="0"/>
+                </a:endParaRPr>
+              </a:p>
+            </p:txBody>
+          </p:sp>
+          <p:sp>
+            <p:nvSpPr>
+              <p:cNvPr id="102" name="직사각형 101"/>
+              <p:cNvSpPr/>
+              <p:nvPr/>
+            </p:nvSpPr>
+            <p:spPr>
+              <a:xfrm>
+                <a:off x="6538050" y="4187782"/>
+                <a:ext cx="1404000" cy="1080000"/>
+              </a:xfrm>
+              <a:prstGeom prst="rect">
+                <a:avLst/>
+              </a:prstGeom>
+            </p:spPr>
+            <p:style>
+              <a:lnRef idx="2">
+                <a:schemeClr val="accent1">
+                  <a:shade val="50000"/>
+                </a:schemeClr>
+              </a:lnRef>
+              <a:fillRef idx="1">
+                <a:schemeClr val="accent1"/>
+              </a:fillRef>
+              <a:effectRef idx="0">
+                <a:schemeClr val="accent1"/>
+              </a:effectRef>
+              <a:fontRef idx="minor">
+                <a:schemeClr val="lt1"/>
+              </a:fontRef>
+            </p:style>
+            <p:txBody>
+              <a:bodyPr rtlCol="0" anchor="ctr"/>
+              <a:lstStyle/>
+              <a:p>
+                <a:pPr algn="ctr"/>
+                <a:endParaRPr lang="en-US" sz="1600">
+                  <a:latin typeface="Roboto" panose="02000000000000000000" pitchFamily="2" charset="0"/>
+                  <a:ea typeface="Roboto" panose="02000000000000000000" pitchFamily="2" charset="0"/>
+                </a:endParaRPr>
+              </a:p>
+            </p:txBody>
+          </p:sp>
+          <p:sp>
+            <p:nvSpPr>
+              <p:cNvPr id="103" name="직사각형 102"/>
+              <p:cNvSpPr/>
+              <p:nvPr/>
+            </p:nvSpPr>
+            <p:spPr>
+              <a:xfrm>
+                <a:off x="8296213" y="4187782"/>
+                <a:ext cx="1404000" cy="1080000"/>
+              </a:xfrm>
+              <a:prstGeom prst="rect">
+                <a:avLst/>
+              </a:prstGeom>
+            </p:spPr>
+            <p:style>
+              <a:lnRef idx="2">
+                <a:schemeClr val="accent1">
+                  <a:shade val="50000"/>
+                </a:schemeClr>
+              </a:lnRef>
+              <a:fillRef idx="1">
+                <a:schemeClr val="accent1"/>
+              </a:fillRef>
+              <a:effectRef idx="0">
+                <a:schemeClr val="accent1"/>
+              </a:effectRef>
+              <a:fontRef idx="minor">
+                <a:schemeClr val="lt1"/>
+              </a:fontRef>
+            </p:style>
+            <p:txBody>
+              <a:bodyPr rtlCol="0" anchor="ctr"/>
+              <a:lstStyle/>
+              <a:p>
+                <a:pPr algn="ctr"/>
+                <a:endParaRPr lang="en-US" sz="1600">
+                  <a:latin typeface="Roboto" panose="02000000000000000000" pitchFamily="2" charset="0"/>
+                  <a:ea typeface="Roboto" panose="02000000000000000000" pitchFamily="2" charset="0"/>
+                </a:endParaRPr>
+              </a:p>
+            </p:txBody>
+          </p:sp>
+          <p:sp>
+            <p:nvSpPr>
+              <p:cNvPr id="104" name="모서리가 둥근 직사각형 103"/>
+              <p:cNvSpPr/>
+              <p:nvPr/>
+            </p:nvSpPr>
+            <p:spPr>
+              <a:xfrm>
+                <a:off x="4595398" y="1500568"/>
+                <a:ext cx="1620000" cy="540000"/>
+              </a:xfrm>
+              <a:prstGeom prst="roundRect">
+                <a:avLst/>
+              </a:prstGeom>
+            </p:spPr>
+            <p:style>
+              <a:lnRef idx="2">
+                <a:schemeClr val="dk1">
+                  <a:shade val="50000"/>
+                </a:schemeClr>
+              </a:lnRef>
+              <a:fillRef idx="1">
+                <a:schemeClr val="dk1"/>
+              </a:fillRef>
+              <a:effectRef idx="0">
+                <a:schemeClr val="dk1"/>
+              </a:effectRef>
+              <a:fontRef idx="minor">
+                <a:schemeClr val="lt1"/>
+              </a:fontRef>
+            </p:style>
+            <p:txBody>
+              <a:bodyPr rtlCol="0" anchor="ctr"/>
+              <a:lstStyle/>
+              <a:p>
+                <a:pPr algn="ctr"/>
+                <a:endParaRPr lang="en-US" sz="1600">
+                  <a:latin typeface="Roboto" panose="02000000000000000000" pitchFamily="2" charset="0"/>
+                  <a:ea typeface="Roboto" panose="02000000000000000000" pitchFamily="2" charset="0"/>
+                </a:endParaRPr>
+              </a:p>
+            </p:txBody>
+          </p:sp>
+          <p:sp>
+            <p:nvSpPr>
+              <p:cNvPr id="105" name="모서리가 둥근 직사각형 104"/>
+              <p:cNvSpPr/>
+              <p:nvPr/>
+            </p:nvSpPr>
+            <p:spPr>
+              <a:xfrm>
+                <a:off x="6566949" y="1500568"/>
+                <a:ext cx="1620000" cy="540000"/>
+              </a:xfrm>
+              <a:prstGeom prst="roundRect">
+                <a:avLst/>
+              </a:prstGeom>
+            </p:spPr>
+            <p:style>
+              <a:lnRef idx="2">
+                <a:schemeClr val="dk1">
+                  <a:shade val="50000"/>
+                </a:schemeClr>
+              </a:lnRef>
+              <a:fillRef idx="1">
+                <a:schemeClr val="dk1"/>
+              </a:fillRef>
+              <a:effectRef idx="0">
+                <a:schemeClr val="dk1"/>
+              </a:effectRef>
+              <a:fontRef idx="minor">
+                <a:schemeClr val="lt1"/>
+              </a:fontRef>
+            </p:style>
+            <p:txBody>
+              <a:bodyPr rtlCol="0" anchor="ctr"/>
+              <a:lstStyle/>
+              <a:p>
+                <a:pPr algn="ctr"/>
+                <a:endParaRPr lang="en-US" sz="1600">
+                  <a:latin typeface="Roboto" panose="02000000000000000000" pitchFamily="2" charset="0"/>
+                  <a:ea typeface="Roboto" panose="02000000000000000000" pitchFamily="2" charset="0"/>
+                </a:endParaRPr>
+              </a:p>
+            </p:txBody>
+          </p:sp>
+          <p:sp>
+            <p:nvSpPr>
+              <p:cNvPr id="106" name="모서리가 둥근 직사각형 105"/>
+              <p:cNvSpPr/>
+              <p:nvPr/>
+            </p:nvSpPr>
+            <p:spPr>
+              <a:xfrm>
+                <a:off x="8538501" y="1500568"/>
+                <a:ext cx="1620000" cy="540000"/>
+              </a:xfrm>
+              <a:prstGeom prst="roundRect">
+                <a:avLst/>
+              </a:prstGeom>
+            </p:spPr>
+            <p:style>
+              <a:lnRef idx="2">
+                <a:schemeClr val="dk1">
+                  <a:shade val="50000"/>
+                </a:schemeClr>
+              </a:lnRef>
+              <a:fillRef idx="1">
+                <a:schemeClr val="dk1"/>
+              </a:fillRef>
+              <a:effectRef idx="0">
+                <a:schemeClr val="dk1"/>
+              </a:effectRef>
+              <a:fontRef idx="minor">
+                <a:schemeClr val="lt1"/>
+              </a:fontRef>
+            </p:style>
+            <p:txBody>
+              <a:bodyPr rtlCol="0" anchor="ctr"/>
+              <a:lstStyle/>
+              <a:p>
+                <a:pPr algn="ctr"/>
+                <a:endParaRPr lang="en-US" sz="1600">
+                  <a:latin typeface="Roboto" panose="02000000000000000000" pitchFamily="2" charset="0"/>
+                  <a:ea typeface="Roboto" panose="02000000000000000000" pitchFamily="2" charset="0"/>
+                </a:endParaRPr>
+              </a:p>
+            </p:txBody>
+          </p:sp>
+          <p:sp>
+            <p:nvSpPr>
+              <p:cNvPr id="107" name="직사각형 106"/>
+              <p:cNvSpPr/>
+              <p:nvPr/>
+            </p:nvSpPr>
+            <p:spPr>
+              <a:xfrm>
+                <a:off x="9926564" y="2413910"/>
+                <a:ext cx="254000" cy="3320143"/>
+              </a:xfrm>
+              <a:prstGeom prst="rect">
+                <a:avLst/>
+              </a:prstGeom>
+              <a:solidFill>
+                <a:schemeClr val="bg1"/>
+              </a:solidFill>
+              <a:ln>
+                <a:solidFill>
+                  <a:schemeClr val="tx1"/>
+                </a:solidFill>
+              </a:ln>
+            </p:spPr>
+            <p:style>
+              <a:lnRef idx="2">
+                <a:schemeClr val="accent3"/>
+              </a:lnRef>
+              <a:fillRef idx="1">
+                <a:schemeClr val="lt1"/>
+              </a:fillRef>
+              <a:effectRef idx="0">
+                <a:schemeClr val="accent3"/>
+              </a:effectRef>
+              <a:fontRef idx="minor">
+                <a:schemeClr val="dk1"/>
+              </a:fontRef>
+            </p:style>
+            <p:txBody>
+              <a:bodyPr rtlCol="0" anchor="ctr"/>
+              <a:lstStyle/>
+              <a:p>
+                <a:pPr algn="ctr"/>
+                <a:endParaRPr lang="en-US" sz="1600">
+                  <a:latin typeface="Roboto" panose="02000000000000000000" pitchFamily="2" charset="0"/>
+                  <a:ea typeface="Roboto" panose="02000000000000000000" pitchFamily="2" charset="0"/>
+                </a:endParaRPr>
+              </a:p>
+            </p:txBody>
+          </p:sp>
+          <p:sp>
+            <p:nvSpPr>
+              <p:cNvPr id="108" name="직사각형 107"/>
+              <p:cNvSpPr/>
+              <p:nvPr/>
+            </p:nvSpPr>
+            <p:spPr>
+              <a:xfrm>
+                <a:off x="9952253" y="2620738"/>
+                <a:ext cx="206248" cy="1041400"/>
+              </a:xfrm>
+              <a:prstGeom prst="rect">
+                <a:avLst/>
+              </a:prstGeom>
+              <a:solidFill>
+                <a:schemeClr val="bg1">
+                  <a:lumMod val="75000"/>
+                </a:schemeClr>
+              </a:solidFill>
+              <a:ln>
+                <a:noFill/>
+              </a:ln>
+            </p:spPr>
+            <p:style>
+              <a:lnRef idx="2">
+                <a:schemeClr val="dk1">
+                  <a:shade val="50000"/>
+                </a:schemeClr>
+              </a:lnRef>
+              <a:fillRef idx="1">
+                <a:schemeClr val="dk1"/>
+              </a:fillRef>
+              <a:effectRef idx="0">
+                <a:schemeClr val="dk1"/>
+              </a:effectRef>
+              <a:fontRef idx="minor">
+                <a:schemeClr val="lt1"/>
+              </a:fontRef>
+            </p:style>
+            <p:txBody>
+              <a:bodyPr rtlCol="0" anchor="ctr"/>
+              <a:lstStyle/>
+              <a:p>
+                <a:pPr algn="ctr"/>
+                <a:endParaRPr lang="en-US" sz="1600">
+                  <a:latin typeface="Roboto" panose="02000000000000000000" pitchFamily="2" charset="0"/>
+                  <a:ea typeface="Roboto" panose="02000000000000000000" pitchFamily="2" charset="0"/>
+                </a:endParaRPr>
+              </a:p>
+            </p:txBody>
+          </p:sp>
+          <p:grpSp>
+            <p:nvGrpSpPr>
+              <p:cNvPr id="109" name="그룹 108"/>
+              <p:cNvGrpSpPr/>
+              <p:nvPr/>
+            </p:nvGrpSpPr>
+            <p:grpSpPr>
+              <a:xfrm>
+                <a:off x="9952253" y="2424796"/>
+                <a:ext cx="206248" cy="177800"/>
+                <a:chOff x="676338" y="1066800"/>
+                <a:chExt cx="206248" cy="177800"/>
+              </a:xfrm>
+            </p:grpSpPr>
+            <p:sp>
+              <p:nvSpPr>
+                <p:cNvPr id="113" name="직사각형 112"/>
+                <p:cNvSpPr/>
+                <p:nvPr/>
+              </p:nvSpPr>
+              <p:spPr>
+                <a:xfrm>
+                  <a:off x="676338" y="1066800"/>
+                  <a:ext cx="206248" cy="177800"/>
+                </a:xfrm>
+                <a:prstGeom prst="rect">
+                  <a:avLst/>
+                </a:prstGeom>
+                <a:solidFill>
+                  <a:schemeClr val="bg1">
+                    <a:lumMod val="75000"/>
+                  </a:schemeClr>
+                </a:solidFill>
+                <a:ln>
+                  <a:noFill/>
+                </a:ln>
+              </p:spPr>
+              <p:style>
+                <a:lnRef idx="2">
+                  <a:schemeClr val="accent1">
+                    <a:shade val="50000"/>
+                  </a:schemeClr>
+                </a:lnRef>
+                <a:fillRef idx="1">
+                  <a:schemeClr val="accent1"/>
+                </a:fillRef>
+                <a:effectRef idx="0">
+                  <a:schemeClr val="accent1"/>
+                </a:effectRef>
+                <a:fontRef idx="minor">
+                  <a:schemeClr val="lt1"/>
+                </a:fontRef>
+              </p:style>
+              <p:txBody>
+                <a:bodyPr rtlCol="0" anchor="ctr"/>
+                <a:lstStyle/>
+                <a:p>
+                  <a:pPr algn="ctr"/>
+                  <a:endParaRPr lang="en-US" sz="1600">
+                    <a:latin typeface="Roboto" panose="02000000000000000000" pitchFamily="2" charset="0"/>
+                    <a:ea typeface="Roboto" panose="02000000000000000000" pitchFamily="2" charset="0"/>
+                  </a:endParaRPr>
+                </a:p>
+              </p:txBody>
+            </p:sp>
+            <p:sp>
+              <p:nvSpPr>
+                <p:cNvPr id="114" name="이등변 삼각형 113"/>
+                <p:cNvSpPr/>
+                <p:nvPr/>
+              </p:nvSpPr>
+              <p:spPr>
+                <a:xfrm>
+                  <a:off x="701738" y="1085850"/>
+                  <a:ext cx="154686" cy="133350"/>
+                </a:xfrm>
+                <a:prstGeom prst="triangle">
+                  <a:avLst/>
+                </a:prstGeom>
+                <a:solidFill>
+                  <a:schemeClr val="tx1"/>
+                </a:solidFill>
+                <a:ln>
+                  <a:noFill/>
+                </a:ln>
+              </p:spPr>
+              <p:style>
+                <a:lnRef idx="2">
+                  <a:schemeClr val="dk1">
+                    <a:shade val="50000"/>
+                  </a:schemeClr>
+                </a:lnRef>
+                <a:fillRef idx="1">
+                  <a:schemeClr val="dk1"/>
+                </a:fillRef>
+                <a:effectRef idx="0">
+                  <a:schemeClr val="dk1"/>
+                </a:effectRef>
+                <a:fontRef idx="minor">
+                  <a:schemeClr val="lt1"/>
+                </a:fontRef>
+              </p:style>
+              <p:txBody>
+                <a:bodyPr rtlCol="0" anchor="ctr"/>
+                <a:lstStyle/>
+                <a:p>
+                  <a:pPr algn="ctr"/>
+                  <a:endParaRPr lang="en-US" sz="1600">
+                    <a:latin typeface="Roboto" panose="02000000000000000000" pitchFamily="2" charset="0"/>
+                    <a:ea typeface="Roboto" panose="02000000000000000000" pitchFamily="2" charset="0"/>
+                  </a:endParaRPr>
+                </a:p>
+              </p:txBody>
+            </p:sp>
+          </p:grpSp>
+          <p:grpSp>
+            <p:nvGrpSpPr>
+              <p:cNvPr id="110" name="그룹 109"/>
+              <p:cNvGrpSpPr/>
+              <p:nvPr/>
+            </p:nvGrpSpPr>
+            <p:grpSpPr>
+              <a:xfrm flipH="1" flipV="1">
+                <a:off x="9952253" y="5556254"/>
+                <a:ext cx="206248" cy="177800"/>
+                <a:chOff x="676338" y="1066800"/>
+                <a:chExt cx="206248" cy="177800"/>
+              </a:xfrm>
+            </p:grpSpPr>
+            <p:sp>
+              <p:nvSpPr>
+                <p:cNvPr id="111" name="직사각형 110"/>
+                <p:cNvSpPr/>
+                <p:nvPr/>
+              </p:nvSpPr>
+              <p:spPr>
+                <a:xfrm>
+                  <a:off x="676338" y="1066800"/>
+                  <a:ext cx="206248" cy="177800"/>
+                </a:xfrm>
+                <a:prstGeom prst="rect">
+                  <a:avLst/>
+                </a:prstGeom>
+                <a:solidFill>
+                  <a:schemeClr val="bg1">
+                    <a:lumMod val="75000"/>
+                  </a:schemeClr>
+                </a:solidFill>
+                <a:ln>
+                  <a:noFill/>
+                </a:ln>
+              </p:spPr>
+              <p:style>
+                <a:lnRef idx="2">
+                  <a:schemeClr val="accent1">
+                    <a:shade val="50000"/>
+                  </a:schemeClr>
+                </a:lnRef>
+                <a:fillRef idx="1">
+                  <a:schemeClr val="accent1"/>
+                </a:fillRef>
+                <a:effectRef idx="0">
+                  <a:schemeClr val="accent1"/>
+                </a:effectRef>
+                <a:fontRef idx="minor">
+                  <a:schemeClr val="lt1"/>
+                </a:fontRef>
+              </p:style>
+              <p:txBody>
+                <a:bodyPr rtlCol="0" anchor="ctr"/>
+                <a:lstStyle/>
+                <a:p>
+                  <a:pPr algn="ctr"/>
+                  <a:endParaRPr lang="en-US" sz="1600">
+                    <a:latin typeface="Roboto" panose="02000000000000000000" pitchFamily="2" charset="0"/>
+                    <a:ea typeface="Roboto" panose="02000000000000000000" pitchFamily="2" charset="0"/>
+                  </a:endParaRPr>
+                </a:p>
+              </p:txBody>
+            </p:sp>
+            <p:sp>
+              <p:nvSpPr>
+                <p:cNvPr id="112" name="이등변 삼각형 111"/>
+                <p:cNvSpPr/>
+                <p:nvPr/>
+              </p:nvSpPr>
+              <p:spPr>
+                <a:xfrm>
+                  <a:off x="701738" y="1085850"/>
+                  <a:ext cx="154686" cy="133350"/>
+                </a:xfrm>
+                <a:prstGeom prst="triangle">
+                  <a:avLst/>
+                </a:prstGeom>
+                <a:solidFill>
+                  <a:schemeClr val="tx1"/>
+                </a:solidFill>
+                <a:ln>
+                  <a:noFill/>
+                </a:ln>
+              </p:spPr>
+              <p:style>
+                <a:lnRef idx="2">
+                  <a:schemeClr val="dk1">
+                    <a:shade val="50000"/>
+                  </a:schemeClr>
+                </a:lnRef>
+                <a:fillRef idx="1">
+                  <a:schemeClr val="dk1"/>
+                </a:fillRef>
+                <a:effectRef idx="0">
+                  <a:schemeClr val="dk1"/>
+                </a:effectRef>
+                <a:fontRef idx="minor">
+                  <a:schemeClr val="lt1"/>
+                </a:fontRef>
+              </p:style>
+              <p:txBody>
+                <a:bodyPr rtlCol="0" anchor="ctr"/>
+                <a:lstStyle/>
+                <a:p>
+                  <a:pPr algn="ctr"/>
+                  <a:endParaRPr lang="en-US" sz="1600">
+                    <a:latin typeface="Roboto" panose="02000000000000000000" pitchFamily="2" charset="0"/>
+                    <a:ea typeface="Roboto" panose="02000000000000000000" pitchFamily="2" charset="0"/>
+                  </a:endParaRPr>
+                </a:p>
+              </p:txBody>
+            </p:sp>
+          </p:grpSp>
+        </p:grpSp>
+        <p:grpSp>
+          <p:nvGrpSpPr>
+            <p:cNvPr id="118" name="그룹 117"/>
+            <p:cNvGrpSpPr/>
+            <p:nvPr/>
+          </p:nvGrpSpPr>
+          <p:grpSpPr>
+            <a:xfrm>
+              <a:off x="2038015" y="4520550"/>
+              <a:ext cx="3095530" cy="1945996"/>
+              <a:chOff x="2628900" y="1117600"/>
+              <a:chExt cx="7861300" cy="4941982"/>
+            </a:xfrm>
+          </p:grpSpPr>
+          <p:sp>
+            <p:nvSpPr>
+              <p:cNvPr id="119" name="직사각형 118"/>
+              <p:cNvSpPr/>
+              <p:nvPr/>
+            </p:nvSpPr>
+            <p:spPr>
+              <a:xfrm>
+                <a:off x="2628900" y="1117600"/>
+                <a:ext cx="7861300" cy="4941982"/>
+              </a:xfrm>
+              <a:prstGeom prst="rect">
+                <a:avLst/>
+              </a:prstGeom>
+              <a:solidFill>
+                <a:schemeClr val="bg2"/>
+              </a:solidFill>
+            </p:spPr>
+            <p:style>
+              <a:lnRef idx="2">
+                <a:schemeClr val="accent3"/>
+              </a:lnRef>
+              <a:fillRef idx="1">
+                <a:schemeClr val="lt1"/>
+              </a:fillRef>
+              <a:effectRef idx="0">
+                <a:schemeClr val="accent3"/>
+              </a:effectRef>
+              <a:fontRef idx="minor">
+                <a:schemeClr val="dk1"/>
+              </a:fontRef>
+            </p:style>
+            <p:txBody>
+              <a:bodyPr rtlCol="0" anchor="ctr"/>
+              <a:lstStyle/>
+              <a:p>
+                <a:pPr algn="ctr"/>
+                <a:endParaRPr lang="en-US" sz="1600">
+                  <a:latin typeface="Roboto" panose="02000000000000000000" pitchFamily="2" charset="0"/>
+                  <a:ea typeface="Roboto" panose="02000000000000000000" pitchFamily="2" charset="0"/>
+                </a:endParaRPr>
+              </a:p>
+            </p:txBody>
+          </p:sp>
+          <p:sp>
+            <p:nvSpPr>
+              <p:cNvPr id="120" name="직사각형 119"/>
+              <p:cNvSpPr/>
+              <p:nvPr/>
+            </p:nvSpPr>
+            <p:spPr>
+              <a:xfrm>
+                <a:off x="4610097" y="2413907"/>
+                <a:ext cx="5633232" cy="3379939"/>
+              </a:xfrm>
+              <a:prstGeom prst="rect">
+                <a:avLst/>
+              </a:prstGeom>
+              <a:solidFill>
+                <a:schemeClr val="bg1"/>
+              </a:solidFill>
+              <a:ln w="38100">
+                <a:solidFill>
+                  <a:srgbClr val="339966"/>
+                </a:solidFill>
+              </a:ln>
+            </p:spPr>
+            <p:style>
+              <a:lnRef idx="2">
+                <a:schemeClr val="accent1">
+                  <a:shade val="50000"/>
+                </a:schemeClr>
+              </a:lnRef>
+              <a:fillRef idx="1">
+                <a:schemeClr val="accent1"/>
+              </a:fillRef>
+              <a:effectRef idx="0">
+                <a:schemeClr val="accent1"/>
+              </a:effectRef>
+              <a:fontRef idx="minor">
+                <a:schemeClr val="lt1"/>
+              </a:fontRef>
+            </p:style>
+            <p:txBody>
+              <a:bodyPr rtlCol="0" anchor="ctr"/>
+              <a:lstStyle/>
+              <a:p>
+                <a:pPr algn="ctr"/>
+                <a:endParaRPr lang="en-US" sz="1600">
+                  <a:latin typeface="Roboto" panose="02000000000000000000" pitchFamily="2" charset="0"/>
+                  <a:ea typeface="Roboto" panose="02000000000000000000" pitchFamily="2" charset="0"/>
+                </a:endParaRPr>
+              </a:p>
+            </p:txBody>
+          </p:sp>
+          <p:sp>
+            <p:nvSpPr>
+              <p:cNvPr id="121" name="직사각형 120"/>
+              <p:cNvSpPr/>
+              <p:nvPr/>
+            </p:nvSpPr>
+            <p:spPr>
+              <a:xfrm>
+                <a:off x="2897843" y="2824982"/>
+                <a:ext cx="1440000" cy="360000"/>
+              </a:xfrm>
+              <a:prstGeom prst="rect">
+                <a:avLst/>
+              </a:prstGeom>
+              <a:solidFill>
+                <a:schemeClr val="bg2">
+                  <a:lumMod val="50000"/>
+                </a:schemeClr>
+              </a:solidFill>
+              <a:ln>
+                <a:solidFill>
+                  <a:schemeClr val="bg2">
+                    <a:lumMod val="75000"/>
+                  </a:schemeClr>
+                </a:solidFill>
+              </a:ln>
+            </p:spPr>
+            <p:style>
+              <a:lnRef idx="2">
+                <a:schemeClr val="accent1">
+                  <a:shade val="50000"/>
+                </a:schemeClr>
+              </a:lnRef>
+              <a:fillRef idx="1">
+                <a:schemeClr val="accent1"/>
+              </a:fillRef>
+              <a:effectRef idx="0">
+                <a:schemeClr val="accent1"/>
+              </a:effectRef>
+              <a:fontRef idx="minor">
+                <a:schemeClr val="lt1"/>
+              </a:fontRef>
+            </p:style>
+            <p:txBody>
+              <a:bodyPr rtlCol="0" anchor="ctr"/>
+              <a:lstStyle/>
+              <a:p>
+                <a:pPr algn="ctr"/>
+                <a:endParaRPr lang="en-US" sz="1600">
+                  <a:latin typeface="Roboto" panose="02000000000000000000" pitchFamily="2" charset="0"/>
+                  <a:ea typeface="Roboto" panose="02000000000000000000" pitchFamily="2" charset="0"/>
+                </a:endParaRPr>
+              </a:p>
+            </p:txBody>
+          </p:sp>
+          <p:sp>
+            <p:nvSpPr>
+              <p:cNvPr id="122" name="직사각형 121"/>
+              <p:cNvSpPr/>
+              <p:nvPr/>
+            </p:nvSpPr>
+            <p:spPr>
+              <a:xfrm>
+                <a:off x="2897843" y="3345682"/>
+                <a:ext cx="1440000" cy="360000"/>
+              </a:xfrm>
+              <a:prstGeom prst="rect">
+                <a:avLst/>
+              </a:prstGeom>
+              <a:solidFill>
+                <a:schemeClr val="bg2">
+                  <a:lumMod val="50000"/>
+                </a:schemeClr>
+              </a:solidFill>
+              <a:ln w="44450">
+                <a:solidFill>
+                  <a:srgbClr val="81C6FF"/>
+                </a:solidFill>
+              </a:ln>
+            </p:spPr>
+            <p:style>
+              <a:lnRef idx="2">
+                <a:schemeClr val="accent1">
+                  <a:shade val="50000"/>
+                </a:schemeClr>
+              </a:lnRef>
+              <a:fillRef idx="1">
+                <a:schemeClr val="accent1"/>
+              </a:fillRef>
+              <a:effectRef idx="0">
+                <a:schemeClr val="accent1"/>
+              </a:effectRef>
+              <a:fontRef idx="minor">
+                <a:schemeClr val="lt1"/>
+              </a:fontRef>
+            </p:style>
+            <p:txBody>
+              <a:bodyPr rtlCol="0" anchor="ctr"/>
+              <a:lstStyle/>
+              <a:p>
+                <a:pPr algn="ctr"/>
+                <a:endParaRPr lang="en-US" sz="1600">
+                  <a:latin typeface="Roboto" panose="02000000000000000000" pitchFamily="2" charset="0"/>
+                  <a:ea typeface="Roboto" panose="02000000000000000000" pitchFamily="2" charset="0"/>
+                </a:endParaRPr>
+              </a:p>
+            </p:txBody>
+          </p:sp>
+          <p:sp>
+            <p:nvSpPr>
+              <p:cNvPr id="123" name="직사각형 122"/>
+              <p:cNvSpPr/>
+              <p:nvPr/>
+            </p:nvSpPr>
+            <p:spPr>
+              <a:xfrm>
+                <a:off x="2897843" y="3866382"/>
+                <a:ext cx="1440000" cy="360000"/>
+              </a:xfrm>
+              <a:prstGeom prst="rect">
+                <a:avLst/>
+              </a:prstGeom>
+              <a:solidFill>
+                <a:schemeClr val="bg2">
+                  <a:lumMod val="50000"/>
+                </a:schemeClr>
+              </a:solidFill>
+              <a:ln>
+                <a:solidFill>
+                  <a:schemeClr val="bg2">
+                    <a:lumMod val="75000"/>
+                  </a:schemeClr>
+                </a:solidFill>
+              </a:ln>
+            </p:spPr>
+            <p:style>
+              <a:lnRef idx="2">
+                <a:schemeClr val="accent1">
+                  <a:shade val="50000"/>
+                </a:schemeClr>
+              </a:lnRef>
+              <a:fillRef idx="1">
+                <a:schemeClr val="accent1"/>
+              </a:fillRef>
+              <a:effectRef idx="0">
+                <a:schemeClr val="accent1"/>
+              </a:effectRef>
+              <a:fontRef idx="minor">
+                <a:schemeClr val="lt1"/>
+              </a:fontRef>
+            </p:style>
+            <p:txBody>
+              <a:bodyPr rtlCol="0" anchor="ctr"/>
+              <a:lstStyle/>
+              <a:p>
+                <a:pPr algn="ctr"/>
+                <a:endParaRPr lang="en-US" sz="1600">
+                  <a:latin typeface="Roboto" panose="02000000000000000000" pitchFamily="2" charset="0"/>
+                  <a:ea typeface="Roboto" panose="02000000000000000000" pitchFamily="2" charset="0"/>
+                </a:endParaRPr>
+              </a:p>
+            </p:txBody>
+          </p:sp>
+          <p:sp>
+            <p:nvSpPr>
+              <p:cNvPr id="124" name="직사각형 123"/>
+              <p:cNvSpPr/>
+              <p:nvPr/>
+            </p:nvSpPr>
+            <p:spPr>
+              <a:xfrm>
+                <a:off x="2897843" y="4387082"/>
+                <a:ext cx="1440000" cy="360000"/>
+              </a:xfrm>
+              <a:prstGeom prst="rect">
+                <a:avLst/>
+              </a:prstGeom>
+              <a:solidFill>
+                <a:schemeClr val="bg2">
+                  <a:lumMod val="50000"/>
+                </a:schemeClr>
+              </a:solidFill>
+              <a:ln>
+                <a:solidFill>
+                  <a:schemeClr val="bg2">
+                    <a:lumMod val="75000"/>
+                  </a:schemeClr>
+                </a:solidFill>
+              </a:ln>
+            </p:spPr>
+            <p:style>
+              <a:lnRef idx="2">
+                <a:schemeClr val="accent1">
+                  <a:shade val="50000"/>
+                </a:schemeClr>
+              </a:lnRef>
+              <a:fillRef idx="1">
+                <a:schemeClr val="accent1"/>
+              </a:fillRef>
+              <a:effectRef idx="0">
+                <a:schemeClr val="accent1"/>
+              </a:effectRef>
+              <a:fontRef idx="minor">
+                <a:schemeClr val="lt1"/>
+              </a:fontRef>
+            </p:style>
+            <p:txBody>
+              <a:bodyPr rtlCol="0" anchor="ctr"/>
+              <a:lstStyle/>
+              <a:p>
+                <a:pPr algn="ctr"/>
+                <a:endParaRPr lang="en-US" sz="1600">
+                  <a:latin typeface="Roboto" panose="02000000000000000000" pitchFamily="2" charset="0"/>
+                  <a:ea typeface="Roboto" panose="02000000000000000000" pitchFamily="2" charset="0"/>
+                </a:endParaRPr>
+              </a:p>
+            </p:txBody>
+          </p:sp>
+          <p:sp>
+            <p:nvSpPr>
+              <p:cNvPr id="125" name="직사각형 124"/>
+              <p:cNvSpPr/>
+              <p:nvPr/>
+            </p:nvSpPr>
+            <p:spPr>
+              <a:xfrm>
+                <a:off x="2897843" y="4907782"/>
+                <a:ext cx="1440000" cy="360000"/>
+              </a:xfrm>
+              <a:prstGeom prst="rect">
+                <a:avLst/>
+              </a:prstGeom>
+              <a:solidFill>
+                <a:schemeClr val="bg2">
+                  <a:lumMod val="50000"/>
+                </a:schemeClr>
+              </a:solidFill>
+              <a:ln>
+                <a:solidFill>
+                  <a:schemeClr val="bg2">
+                    <a:lumMod val="75000"/>
+                  </a:schemeClr>
+                </a:solidFill>
+              </a:ln>
+            </p:spPr>
+            <p:style>
+              <a:lnRef idx="2">
+                <a:schemeClr val="accent1">
+                  <a:shade val="50000"/>
+                </a:schemeClr>
+              </a:lnRef>
+              <a:fillRef idx="1">
+                <a:schemeClr val="accent1"/>
+              </a:fillRef>
+              <a:effectRef idx="0">
+                <a:schemeClr val="accent1"/>
+              </a:effectRef>
+              <a:fontRef idx="minor">
+                <a:schemeClr val="lt1"/>
+              </a:fontRef>
+            </p:style>
+            <p:txBody>
+              <a:bodyPr rtlCol="0" anchor="ctr"/>
+              <a:lstStyle/>
+              <a:p>
+                <a:pPr algn="ctr"/>
+                <a:endParaRPr lang="en-US" sz="1600">
+                  <a:latin typeface="Roboto" panose="02000000000000000000" pitchFamily="2" charset="0"/>
+                  <a:ea typeface="Roboto" panose="02000000000000000000" pitchFamily="2" charset="0"/>
+                </a:endParaRPr>
+              </a:p>
+            </p:txBody>
+          </p:sp>
+          <p:sp>
+            <p:nvSpPr>
+              <p:cNvPr id="126" name="직사각형 125"/>
+              <p:cNvSpPr/>
+              <p:nvPr/>
+            </p:nvSpPr>
+            <p:spPr>
+              <a:xfrm>
+                <a:off x="4837036" y="2773138"/>
+                <a:ext cx="1404000" cy="1080000"/>
+              </a:xfrm>
+              <a:prstGeom prst="rect">
+                <a:avLst/>
+              </a:prstGeom>
+            </p:spPr>
+            <p:style>
+              <a:lnRef idx="2">
+                <a:schemeClr val="accent1">
+                  <a:shade val="50000"/>
+                </a:schemeClr>
+              </a:lnRef>
+              <a:fillRef idx="1">
+                <a:schemeClr val="accent1"/>
+              </a:fillRef>
+              <a:effectRef idx="0">
+                <a:schemeClr val="accent1"/>
+              </a:effectRef>
+              <a:fontRef idx="minor">
+                <a:schemeClr val="lt1"/>
+              </a:fontRef>
+            </p:style>
+            <p:txBody>
+              <a:bodyPr rtlCol="0" anchor="ctr"/>
+              <a:lstStyle/>
+              <a:p>
+                <a:pPr algn="ctr"/>
+                <a:endParaRPr lang="en-US" sz="1600">
+                  <a:latin typeface="Roboto" panose="02000000000000000000" pitchFamily="2" charset="0"/>
+                  <a:ea typeface="Roboto" panose="02000000000000000000" pitchFamily="2" charset="0"/>
+                </a:endParaRPr>
+              </a:p>
+            </p:txBody>
+          </p:sp>
+          <p:sp>
+            <p:nvSpPr>
+              <p:cNvPr id="127" name="직사각형 126"/>
+              <p:cNvSpPr/>
+              <p:nvPr/>
+            </p:nvSpPr>
+            <p:spPr>
+              <a:xfrm>
+                <a:off x="6538050" y="2773138"/>
+                <a:ext cx="1404000" cy="1080000"/>
+              </a:xfrm>
+              <a:prstGeom prst="rect">
+                <a:avLst/>
+              </a:prstGeom>
+            </p:spPr>
+            <p:style>
+              <a:lnRef idx="2">
+                <a:schemeClr val="accent1">
+                  <a:shade val="50000"/>
+                </a:schemeClr>
+              </a:lnRef>
+              <a:fillRef idx="1">
+                <a:schemeClr val="accent1"/>
+              </a:fillRef>
+              <a:effectRef idx="0">
+                <a:schemeClr val="accent1"/>
+              </a:effectRef>
+              <a:fontRef idx="minor">
+                <a:schemeClr val="lt1"/>
+              </a:fontRef>
+            </p:style>
+            <p:txBody>
+              <a:bodyPr rtlCol="0" anchor="ctr"/>
+              <a:lstStyle/>
+              <a:p>
+                <a:pPr algn="ctr"/>
+                <a:endParaRPr lang="en-US" sz="1600">
+                  <a:latin typeface="Roboto" panose="02000000000000000000" pitchFamily="2" charset="0"/>
+                  <a:ea typeface="Roboto" panose="02000000000000000000" pitchFamily="2" charset="0"/>
+                </a:endParaRPr>
+              </a:p>
+            </p:txBody>
+          </p:sp>
+          <p:sp>
+            <p:nvSpPr>
+              <p:cNvPr id="128" name="직사각형 127"/>
+              <p:cNvSpPr/>
+              <p:nvPr/>
+            </p:nvSpPr>
+            <p:spPr>
+              <a:xfrm>
+                <a:off x="8296213" y="2766993"/>
+                <a:ext cx="1404000" cy="1080000"/>
+              </a:xfrm>
+              <a:prstGeom prst="rect">
+                <a:avLst/>
+              </a:prstGeom>
+            </p:spPr>
+            <p:style>
+              <a:lnRef idx="2">
+                <a:schemeClr val="accent1">
+                  <a:shade val="50000"/>
+                </a:schemeClr>
+              </a:lnRef>
+              <a:fillRef idx="1">
+                <a:schemeClr val="accent1"/>
+              </a:fillRef>
+              <a:effectRef idx="0">
+                <a:schemeClr val="accent1"/>
+              </a:effectRef>
+              <a:fontRef idx="minor">
+                <a:schemeClr val="lt1"/>
+              </a:fontRef>
+            </p:style>
+            <p:txBody>
+              <a:bodyPr rtlCol="0" anchor="ctr"/>
+              <a:lstStyle/>
+              <a:p>
+                <a:pPr algn="ctr"/>
+                <a:endParaRPr lang="en-US" sz="1600">
+                  <a:latin typeface="Roboto" panose="02000000000000000000" pitchFamily="2" charset="0"/>
+                  <a:ea typeface="Roboto" panose="02000000000000000000" pitchFamily="2" charset="0"/>
+                </a:endParaRPr>
+              </a:p>
+            </p:txBody>
+          </p:sp>
+          <p:sp>
+            <p:nvSpPr>
+              <p:cNvPr id="129" name="직사각형 128"/>
+              <p:cNvSpPr/>
+              <p:nvPr/>
+            </p:nvSpPr>
+            <p:spPr>
+              <a:xfrm>
+                <a:off x="4837036" y="4187782"/>
+                <a:ext cx="1404000" cy="1080000"/>
+              </a:xfrm>
+              <a:prstGeom prst="rect">
+                <a:avLst/>
+              </a:prstGeom>
+            </p:spPr>
+            <p:style>
+              <a:lnRef idx="2">
+                <a:schemeClr val="accent1">
+                  <a:shade val="50000"/>
+                </a:schemeClr>
+              </a:lnRef>
+              <a:fillRef idx="1">
+                <a:schemeClr val="accent1"/>
+              </a:fillRef>
+              <a:effectRef idx="0">
+                <a:schemeClr val="accent1"/>
+              </a:effectRef>
+              <a:fontRef idx="minor">
+                <a:schemeClr val="lt1"/>
+              </a:fontRef>
+            </p:style>
+            <p:txBody>
+              <a:bodyPr rtlCol="0" anchor="ctr"/>
+              <a:lstStyle/>
+              <a:p>
+                <a:pPr algn="ctr"/>
+                <a:endParaRPr lang="en-US" sz="1600">
+                  <a:latin typeface="Roboto" panose="02000000000000000000" pitchFamily="2" charset="0"/>
+                  <a:ea typeface="Roboto" panose="02000000000000000000" pitchFamily="2" charset="0"/>
+                </a:endParaRPr>
+              </a:p>
+            </p:txBody>
+          </p:sp>
+          <p:sp>
+            <p:nvSpPr>
+              <p:cNvPr id="130" name="직사각형 129"/>
+              <p:cNvSpPr/>
+              <p:nvPr/>
+            </p:nvSpPr>
+            <p:spPr>
+              <a:xfrm>
+                <a:off x="6538050" y="4187782"/>
+                <a:ext cx="1404000" cy="1080000"/>
+              </a:xfrm>
+              <a:prstGeom prst="rect">
+                <a:avLst/>
+              </a:prstGeom>
+            </p:spPr>
+            <p:style>
+              <a:lnRef idx="2">
+                <a:schemeClr val="accent1">
+                  <a:shade val="50000"/>
+                </a:schemeClr>
+              </a:lnRef>
+              <a:fillRef idx="1">
+                <a:schemeClr val="accent1"/>
+              </a:fillRef>
+              <a:effectRef idx="0">
+                <a:schemeClr val="accent1"/>
+              </a:effectRef>
+              <a:fontRef idx="minor">
+                <a:schemeClr val="lt1"/>
+              </a:fontRef>
+            </p:style>
+            <p:txBody>
+              <a:bodyPr rtlCol="0" anchor="ctr"/>
+              <a:lstStyle/>
+              <a:p>
+                <a:pPr algn="ctr"/>
+                <a:endParaRPr lang="en-US" sz="1600">
+                  <a:latin typeface="Roboto" panose="02000000000000000000" pitchFamily="2" charset="0"/>
+                  <a:ea typeface="Roboto" panose="02000000000000000000" pitchFamily="2" charset="0"/>
+                </a:endParaRPr>
+              </a:p>
+            </p:txBody>
+          </p:sp>
+          <p:sp>
+            <p:nvSpPr>
+              <p:cNvPr id="131" name="직사각형 130"/>
+              <p:cNvSpPr/>
+              <p:nvPr/>
+            </p:nvSpPr>
+            <p:spPr>
+              <a:xfrm>
+                <a:off x="8296213" y="4187782"/>
+                <a:ext cx="1404000" cy="1080000"/>
+              </a:xfrm>
+              <a:prstGeom prst="rect">
+                <a:avLst/>
+              </a:prstGeom>
+            </p:spPr>
+            <p:style>
+              <a:lnRef idx="2">
+                <a:schemeClr val="accent1">
+                  <a:shade val="50000"/>
+                </a:schemeClr>
+              </a:lnRef>
+              <a:fillRef idx="1">
+                <a:schemeClr val="accent1"/>
+              </a:fillRef>
+              <a:effectRef idx="0">
+                <a:schemeClr val="accent1"/>
+              </a:effectRef>
+              <a:fontRef idx="minor">
+                <a:schemeClr val="lt1"/>
+              </a:fontRef>
+            </p:style>
+            <p:txBody>
+              <a:bodyPr rtlCol="0" anchor="ctr"/>
+              <a:lstStyle/>
+              <a:p>
+                <a:pPr algn="ctr"/>
+                <a:endParaRPr lang="en-US" sz="1600">
+                  <a:latin typeface="Roboto" panose="02000000000000000000" pitchFamily="2" charset="0"/>
+                  <a:ea typeface="Roboto" panose="02000000000000000000" pitchFamily="2" charset="0"/>
+                </a:endParaRPr>
+              </a:p>
+            </p:txBody>
+          </p:sp>
+          <p:sp>
+            <p:nvSpPr>
+              <p:cNvPr id="132" name="모서리가 둥근 직사각형 131"/>
+              <p:cNvSpPr/>
+              <p:nvPr/>
+            </p:nvSpPr>
+            <p:spPr>
+              <a:xfrm>
+                <a:off x="4595398" y="1500568"/>
+                <a:ext cx="1620000" cy="540000"/>
+              </a:xfrm>
+              <a:prstGeom prst="roundRect">
+                <a:avLst/>
+              </a:prstGeom>
+              <a:ln w="44450">
+                <a:solidFill>
+                  <a:srgbClr val="92D050"/>
+                </a:solidFill>
+              </a:ln>
+            </p:spPr>
+            <p:style>
+              <a:lnRef idx="2">
+                <a:schemeClr val="dk1">
+                  <a:shade val="50000"/>
+                </a:schemeClr>
+              </a:lnRef>
+              <a:fillRef idx="1">
+                <a:schemeClr val="dk1"/>
+              </a:fillRef>
+              <a:effectRef idx="0">
+                <a:schemeClr val="dk1"/>
+              </a:effectRef>
+              <a:fontRef idx="minor">
+                <a:schemeClr val="lt1"/>
+              </a:fontRef>
+            </p:style>
+            <p:txBody>
+              <a:bodyPr rtlCol="0" anchor="ctr"/>
+              <a:lstStyle/>
+              <a:p>
+                <a:pPr algn="ctr"/>
+                <a:endParaRPr lang="en-US" sz="1600">
+                  <a:latin typeface="Roboto" panose="02000000000000000000" pitchFamily="2" charset="0"/>
+                  <a:ea typeface="Roboto" panose="02000000000000000000" pitchFamily="2" charset="0"/>
+                </a:endParaRPr>
+              </a:p>
+            </p:txBody>
+          </p:sp>
+          <p:sp>
+            <p:nvSpPr>
+              <p:cNvPr id="133" name="모서리가 둥근 직사각형 132"/>
+              <p:cNvSpPr/>
+              <p:nvPr/>
+            </p:nvSpPr>
+            <p:spPr>
+              <a:xfrm>
+                <a:off x="6566949" y="1500568"/>
+                <a:ext cx="1620000" cy="540000"/>
+              </a:xfrm>
+              <a:prstGeom prst="roundRect">
+                <a:avLst/>
+              </a:prstGeom>
+              <a:ln w="44450">
+                <a:solidFill>
+                  <a:srgbClr val="92D050"/>
+                </a:solidFill>
+              </a:ln>
+            </p:spPr>
+            <p:style>
+              <a:lnRef idx="2">
+                <a:schemeClr val="dk1">
+                  <a:shade val="50000"/>
+                </a:schemeClr>
+              </a:lnRef>
+              <a:fillRef idx="1">
+                <a:schemeClr val="dk1"/>
+              </a:fillRef>
+              <a:effectRef idx="0">
+                <a:schemeClr val="dk1"/>
+              </a:effectRef>
+              <a:fontRef idx="minor">
+                <a:schemeClr val="lt1"/>
+              </a:fontRef>
+            </p:style>
+            <p:txBody>
+              <a:bodyPr rtlCol="0" anchor="ctr"/>
+              <a:lstStyle/>
+              <a:p>
+                <a:pPr algn="ctr"/>
+                <a:endParaRPr lang="en-US" sz="1600">
+                  <a:latin typeface="Roboto" panose="02000000000000000000" pitchFamily="2" charset="0"/>
+                  <a:ea typeface="Roboto" panose="02000000000000000000" pitchFamily="2" charset="0"/>
+                </a:endParaRPr>
+              </a:p>
+            </p:txBody>
+          </p:sp>
+          <p:sp>
+            <p:nvSpPr>
+              <p:cNvPr id="134" name="모서리가 둥근 직사각형 133"/>
+              <p:cNvSpPr/>
+              <p:nvPr/>
+            </p:nvSpPr>
+            <p:spPr>
+              <a:xfrm>
+                <a:off x="8538501" y="1500568"/>
+                <a:ext cx="1620000" cy="540000"/>
+              </a:xfrm>
+              <a:prstGeom prst="roundRect">
+                <a:avLst/>
+              </a:prstGeom>
+              <a:ln w="44450">
+                <a:solidFill>
+                  <a:srgbClr val="92D050"/>
+                </a:solidFill>
+              </a:ln>
+            </p:spPr>
+            <p:style>
+              <a:lnRef idx="2">
+                <a:schemeClr val="dk1">
+                  <a:shade val="50000"/>
+                </a:schemeClr>
+              </a:lnRef>
+              <a:fillRef idx="1">
+                <a:schemeClr val="dk1"/>
+              </a:fillRef>
+              <a:effectRef idx="0">
+                <a:schemeClr val="dk1"/>
+              </a:effectRef>
+              <a:fontRef idx="minor">
+                <a:schemeClr val="lt1"/>
+              </a:fontRef>
+            </p:style>
+            <p:txBody>
+              <a:bodyPr rtlCol="0" anchor="ctr"/>
+              <a:lstStyle/>
+              <a:p>
+                <a:pPr algn="ctr"/>
+                <a:endParaRPr lang="en-US" sz="1600">
+                  <a:latin typeface="Roboto" panose="02000000000000000000" pitchFamily="2" charset="0"/>
+                  <a:ea typeface="Roboto" panose="02000000000000000000" pitchFamily="2" charset="0"/>
+                </a:endParaRPr>
+              </a:p>
+            </p:txBody>
+          </p:sp>
+          <p:sp>
+            <p:nvSpPr>
+              <p:cNvPr id="135" name="직사각형 134"/>
+              <p:cNvSpPr/>
+              <p:nvPr/>
+            </p:nvSpPr>
+            <p:spPr>
+              <a:xfrm>
+                <a:off x="9926564" y="2413910"/>
+                <a:ext cx="254000" cy="3320143"/>
+              </a:xfrm>
+              <a:prstGeom prst="rect">
+                <a:avLst/>
+              </a:prstGeom>
+              <a:solidFill>
+                <a:schemeClr val="bg1"/>
+              </a:solidFill>
+              <a:ln>
+                <a:solidFill>
+                  <a:schemeClr val="tx1"/>
+                </a:solidFill>
+              </a:ln>
+            </p:spPr>
+            <p:style>
+              <a:lnRef idx="2">
+                <a:schemeClr val="accent3"/>
+              </a:lnRef>
+              <a:fillRef idx="1">
+                <a:schemeClr val="lt1"/>
+              </a:fillRef>
+              <a:effectRef idx="0">
+                <a:schemeClr val="accent3"/>
+              </a:effectRef>
+              <a:fontRef idx="minor">
+                <a:schemeClr val="dk1"/>
+              </a:fontRef>
+            </p:style>
+            <p:txBody>
+              <a:bodyPr rtlCol="0" anchor="ctr"/>
+              <a:lstStyle/>
+              <a:p>
+                <a:pPr algn="ctr"/>
+                <a:endParaRPr lang="en-US" sz="1600">
+                  <a:latin typeface="Roboto" panose="02000000000000000000" pitchFamily="2" charset="0"/>
+                  <a:ea typeface="Roboto" panose="02000000000000000000" pitchFamily="2" charset="0"/>
+                </a:endParaRPr>
+              </a:p>
+            </p:txBody>
+          </p:sp>
+          <p:sp>
+            <p:nvSpPr>
+              <p:cNvPr id="136" name="직사각형 135"/>
+              <p:cNvSpPr/>
+              <p:nvPr/>
+            </p:nvSpPr>
+            <p:spPr>
+              <a:xfrm>
+                <a:off x="9952253" y="2620738"/>
+                <a:ext cx="206248" cy="1041400"/>
+              </a:xfrm>
+              <a:prstGeom prst="rect">
+                <a:avLst/>
+              </a:prstGeom>
+              <a:solidFill>
+                <a:schemeClr val="bg1">
+                  <a:lumMod val="75000"/>
+                </a:schemeClr>
+              </a:solidFill>
+              <a:ln>
+                <a:noFill/>
+              </a:ln>
+            </p:spPr>
+            <p:style>
+              <a:lnRef idx="2">
+                <a:schemeClr val="dk1">
+                  <a:shade val="50000"/>
+                </a:schemeClr>
+              </a:lnRef>
+              <a:fillRef idx="1">
+                <a:schemeClr val="dk1"/>
+              </a:fillRef>
+              <a:effectRef idx="0">
+                <a:schemeClr val="dk1"/>
+              </a:effectRef>
+              <a:fontRef idx="minor">
+                <a:schemeClr val="lt1"/>
+              </a:fontRef>
+            </p:style>
+            <p:txBody>
+              <a:bodyPr rtlCol="0" anchor="ctr"/>
+              <a:lstStyle/>
+              <a:p>
+                <a:pPr algn="ctr"/>
+                <a:endParaRPr lang="en-US" sz="1600">
+                  <a:latin typeface="Roboto" panose="02000000000000000000" pitchFamily="2" charset="0"/>
+                  <a:ea typeface="Roboto" panose="02000000000000000000" pitchFamily="2" charset="0"/>
+                </a:endParaRPr>
+              </a:p>
+            </p:txBody>
+          </p:sp>
+          <p:grpSp>
+            <p:nvGrpSpPr>
+              <p:cNvPr id="137" name="그룹 136"/>
+              <p:cNvGrpSpPr/>
+              <p:nvPr/>
+            </p:nvGrpSpPr>
+            <p:grpSpPr>
+              <a:xfrm>
+                <a:off x="9952253" y="2424796"/>
+                <a:ext cx="206248" cy="177800"/>
+                <a:chOff x="676338" y="1066800"/>
+                <a:chExt cx="206248" cy="177800"/>
+              </a:xfrm>
+            </p:grpSpPr>
+            <p:sp>
+              <p:nvSpPr>
+                <p:cNvPr id="141" name="직사각형 140"/>
+                <p:cNvSpPr/>
+                <p:nvPr/>
+              </p:nvSpPr>
+              <p:spPr>
+                <a:xfrm>
+                  <a:off x="676338" y="1066800"/>
+                  <a:ext cx="206248" cy="177800"/>
+                </a:xfrm>
+                <a:prstGeom prst="rect">
+                  <a:avLst/>
+                </a:prstGeom>
+                <a:solidFill>
+                  <a:schemeClr val="bg1">
+                    <a:lumMod val="75000"/>
+                  </a:schemeClr>
+                </a:solidFill>
+                <a:ln>
+                  <a:noFill/>
+                </a:ln>
+              </p:spPr>
+              <p:style>
+                <a:lnRef idx="2">
+                  <a:schemeClr val="accent1">
+                    <a:shade val="50000"/>
+                  </a:schemeClr>
+                </a:lnRef>
+                <a:fillRef idx="1">
+                  <a:schemeClr val="accent1"/>
+                </a:fillRef>
+                <a:effectRef idx="0">
+                  <a:schemeClr val="accent1"/>
+                </a:effectRef>
+                <a:fontRef idx="minor">
+                  <a:schemeClr val="lt1"/>
+                </a:fontRef>
+              </p:style>
+              <p:txBody>
+                <a:bodyPr rtlCol="0" anchor="ctr"/>
+                <a:lstStyle/>
+                <a:p>
+                  <a:pPr algn="ctr"/>
+                  <a:endParaRPr lang="en-US" sz="1600">
+                    <a:latin typeface="Roboto" panose="02000000000000000000" pitchFamily="2" charset="0"/>
+                    <a:ea typeface="Roboto" panose="02000000000000000000" pitchFamily="2" charset="0"/>
+                  </a:endParaRPr>
+                </a:p>
+              </p:txBody>
+            </p:sp>
+            <p:sp>
+              <p:nvSpPr>
+                <p:cNvPr id="142" name="이등변 삼각형 141"/>
+                <p:cNvSpPr/>
+                <p:nvPr/>
+              </p:nvSpPr>
+              <p:spPr>
+                <a:xfrm>
+                  <a:off x="701738" y="1085850"/>
+                  <a:ext cx="154686" cy="133350"/>
+                </a:xfrm>
+                <a:prstGeom prst="triangle">
+                  <a:avLst/>
+                </a:prstGeom>
+                <a:solidFill>
+                  <a:schemeClr val="tx1"/>
+                </a:solidFill>
+                <a:ln>
+                  <a:noFill/>
+                </a:ln>
+              </p:spPr>
+              <p:style>
+                <a:lnRef idx="2">
+                  <a:schemeClr val="dk1">
+                    <a:shade val="50000"/>
+                  </a:schemeClr>
+                </a:lnRef>
+                <a:fillRef idx="1">
+                  <a:schemeClr val="dk1"/>
+                </a:fillRef>
+                <a:effectRef idx="0">
+                  <a:schemeClr val="dk1"/>
+                </a:effectRef>
+                <a:fontRef idx="minor">
+                  <a:schemeClr val="lt1"/>
+                </a:fontRef>
+              </p:style>
+              <p:txBody>
+                <a:bodyPr rtlCol="0" anchor="ctr"/>
+                <a:lstStyle/>
+                <a:p>
+                  <a:pPr algn="ctr"/>
+                  <a:endParaRPr lang="en-US" sz="1600">
+                    <a:latin typeface="Roboto" panose="02000000000000000000" pitchFamily="2" charset="0"/>
+                    <a:ea typeface="Roboto" panose="02000000000000000000" pitchFamily="2" charset="0"/>
+                  </a:endParaRPr>
+                </a:p>
+              </p:txBody>
+            </p:sp>
+          </p:grpSp>
+          <p:grpSp>
+            <p:nvGrpSpPr>
+              <p:cNvPr id="138" name="그룹 137"/>
+              <p:cNvGrpSpPr/>
+              <p:nvPr/>
+            </p:nvGrpSpPr>
+            <p:grpSpPr>
+              <a:xfrm flipH="1" flipV="1">
+                <a:off x="9952253" y="5556254"/>
+                <a:ext cx="206248" cy="177800"/>
+                <a:chOff x="676338" y="1066800"/>
+                <a:chExt cx="206248" cy="177800"/>
+              </a:xfrm>
+            </p:grpSpPr>
+            <p:sp>
+              <p:nvSpPr>
+                <p:cNvPr id="139" name="직사각형 138"/>
+                <p:cNvSpPr/>
+                <p:nvPr/>
+              </p:nvSpPr>
+              <p:spPr>
+                <a:xfrm>
+                  <a:off x="676338" y="1066800"/>
+                  <a:ext cx="206248" cy="177800"/>
+                </a:xfrm>
+                <a:prstGeom prst="rect">
+                  <a:avLst/>
+                </a:prstGeom>
+                <a:solidFill>
+                  <a:schemeClr val="bg1">
+                    <a:lumMod val="75000"/>
+                  </a:schemeClr>
+                </a:solidFill>
+                <a:ln>
+                  <a:noFill/>
+                </a:ln>
+              </p:spPr>
+              <p:style>
+                <a:lnRef idx="2">
+                  <a:schemeClr val="accent1">
+                    <a:shade val="50000"/>
+                  </a:schemeClr>
+                </a:lnRef>
+                <a:fillRef idx="1">
+                  <a:schemeClr val="accent1"/>
+                </a:fillRef>
+                <a:effectRef idx="0">
+                  <a:schemeClr val="accent1"/>
+                </a:effectRef>
+                <a:fontRef idx="minor">
+                  <a:schemeClr val="lt1"/>
+                </a:fontRef>
+              </p:style>
+              <p:txBody>
+                <a:bodyPr rtlCol="0" anchor="ctr"/>
+                <a:lstStyle/>
+                <a:p>
+                  <a:pPr algn="ctr"/>
+                  <a:endParaRPr lang="en-US" sz="1600">
+                    <a:latin typeface="Roboto" panose="02000000000000000000" pitchFamily="2" charset="0"/>
+                    <a:ea typeface="Roboto" panose="02000000000000000000" pitchFamily="2" charset="0"/>
+                  </a:endParaRPr>
+                </a:p>
+              </p:txBody>
+            </p:sp>
+            <p:sp>
+              <p:nvSpPr>
+                <p:cNvPr id="140" name="이등변 삼각형 139"/>
+                <p:cNvSpPr/>
+                <p:nvPr/>
+              </p:nvSpPr>
+              <p:spPr>
+                <a:xfrm>
+                  <a:off x="701738" y="1085850"/>
+                  <a:ext cx="154686" cy="133350"/>
+                </a:xfrm>
+                <a:prstGeom prst="triangle">
+                  <a:avLst/>
+                </a:prstGeom>
+                <a:solidFill>
+                  <a:schemeClr val="tx1"/>
+                </a:solidFill>
+                <a:ln>
+                  <a:noFill/>
+                </a:ln>
+              </p:spPr>
+              <p:style>
+                <a:lnRef idx="2">
+                  <a:schemeClr val="dk1">
+                    <a:shade val="50000"/>
+                  </a:schemeClr>
+                </a:lnRef>
+                <a:fillRef idx="1">
+                  <a:schemeClr val="dk1"/>
+                </a:fillRef>
+                <a:effectRef idx="0">
+                  <a:schemeClr val="dk1"/>
+                </a:effectRef>
+                <a:fontRef idx="minor">
+                  <a:schemeClr val="lt1"/>
+                </a:fontRef>
+              </p:style>
+              <p:txBody>
+                <a:bodyPr rtlCol="0" anchor="ctr"/>
+                <a:lstStyle/>
+                <a:p>
+                  <a:pPr algn="ctr"/>
+                  <a:endParaRPr lang="en-US" sz="1600">
+                    <a:latin typeface="Roboto" panose="02000000000000000000" pitchFamily="2" charset="0"/>
+                    <a:ea typeface="Roboto" panose="02000000000000000000" pitchFamily="2" charset="0"/>
+                  </a:endParaRPr>
+                </a:p>
+              </p:txBody>
+            </p:sp>
+          </p:grpSp>
+        </p:grpSp>
+        <p:cxnSp>
+          <p:nvCxnSpPr>
+            <p:cNvPr id="145" name="직선 화살표 연결선 144"/>
+            <p:cNvCxnSpPr>
+              <a:stCxn id="122" idx="3"/>
+            </p:cNvCxnSpPr>
+            <p:nvPr/>
+          </p:nvCxnSpPr>
+          <p:spPr>
+            <a:xfrm flipV="1">
+              <a:off x="2710942" y="5464557"/>
+              <a:ext cx="103033" cy="4220"/>
+            </a:xfrm>
+            <a:prstGeom prst="straightConnector1">
+              <a:avLst/>
+            </a:prstGeom>
+            <a:ln w="31750">
+              <a:solidFill>
+                <a:srgbClr val="D95757"/>
+              </a:solidFill>
+              <a:prstDash val="sysDash"/>
+              <a:headEnd type="none" w="med" len="med"/>
+              <a:tailEnd type="none" w="med" len="med"/>
+            </a:ln>
+          </p:spPr>
+          <p:style>
+            <a:lnRef idx="1">
+              <a:schemeClr val="accent1"/>
+            </a:lnRef>
+            <a:fillRef idx="0">
+              <a:schemeClr val="accent1"/>
+            </a:fillRef>
+            <a:effectRef idx="0">
+              <a:schemeClr val="accent1"/>
+            </a:effectRef>
+            <a:fontRef idx="minor">
+              <a:schemeClr val="tx1"/>
+            </a:fontRef>
+          </p:style>
+        </p:cxnSp>
+        <p:cxnSp>
+          <p:nvCxnSpPr>
+            <p:cNvPr id="155" name="직선 화살표 연결선 154"/>
+            <p:cNvCxnSpPr/>
+            <p:nvPr/>
+          </p:nvCxnSpPr>
+          <p:spPr>
+            <a:xfrm flipV="1">
+              <a:off x="2696222" y="4876447"/>
+              <a:ext cx="853267" cy="477425"/>
+            </a:xfrm>
+            <a:prstGeom prst="straightConnector1">
+              <a:avLst/>
+            </a:prstGeom>
+            <a:ln w="31750">
+              <a:solidFill>
+                <a:srgbClr val="D95757"/>
+              </a:solidFill>
+              <a:prstDash val="sysDash"/>
+              <a:headEnd type="none" w="med" len="med"/>
+              <a:tailEnd type="none" w="med" len="med"/>
+            </a:ln>
+          </p:spPr>
+          <p:style>
+            <a:lnRef idx="1">
+              <a:schemeClr val="accent1"/>
+            </a:lnRef>
+            <a:fillRef idx="0">
+              <a:schemeClr val="accent1"/>
+            </a:fillRef>
+            <a:effectRef idx="0">
+              <a:schemeClr val="accent1"/>
+            </a:effectRef>
+            <a:fontRef idx="minor">
+              <a:schemeClr val="tx1"/>
+            </a:fontRef>
+          </p:style>
+        </p:cxnSp>
+        <p:cxnSp>
+          <p:nvCxnSpPr>
+            <p:cNvPr id="146" name="직선 화살표 연결선 145"/>
+            <p:cNvCxnSpPr/>
+            <p:nvPr/>
+          </p:nvCxnSpPr>
+          <p:spPr>
+            <a:xfrm flipV="1">
+              <a:off x="2696222" y="4883986"/>
+              <a:ext cx="94333" cy="500679"/>
+            </a:xfrm>
+            <a:prstGeom prst="straightConnector1">
+              <a:avLst/>
+            </a:prstGeom>
+            <a:ln w="31750">
+              <a:solidFill>
+                <a:srgbClr val="D95757"/>
+              </a:solidFill>
+              <a:prstDash val="sysDash"/>
+              <a:headEnd type="none" w="med" len="med"/>
+              <a:tailEnd type="none" w="med" len="med"/>
+            </a:ln>
+          </p:spPr>
+          <p:style>
+            <a:lnRef idx="1">
+              <a:schemeClr val="accent1"/>
+            </a:lnRef>
+            <a:fillRef idx="0">
+              <a:schemeClr val="accent1"/>
+            </a:fillRef>
+            <a:effectRef idx="0">
+              <a:schemeClr val="accent1"/>
+            </a:effectRef>
+            <a:fontRef idx="minor">
+              <a:schemeClr val="tx1"/>
+            </a:fontRef>
+          </p:style>
+        </p:cxnSp>
+        <p:cxnSp>
+          <p:nvCxnSpPr>
+            <p:cNvPr id="159" name="직선 화살표 연결선 158"/>
+            <p:cNvCxnSpPr/>
+            <p:nvPr/>
+          </p:nvCxnSpPr>
+          <p:spPr>
+            <a:xfrm flipV="1">
+              <a:off x="2710940" y="4883987"/>
+              <a:ext cx="1661989" cy="480255"/>
+            </a:xfrm>
+            <a:prstGeom prst="straightConnector1">
+              <a:avLst/>
+            </a:prstGeom>
+            <a:ln w="31750">
+              <a:solidFill>
+                <a:srgbClr val="D95757"/>
+              </a:solidFill>
+              <a:prstDash val="sysDash"/>
+              <a:headEnd type="none" w="med" len="med"/>
+              <a:tailEnd type="none" w="med" len="med"/>
+            </a:ln>
+          </p:spPr>
+          <p:style>
+            <a:lnRef idx="1">
+              <a:schemeClr val="accent1"/>
+            </a:lnRef>
+            <a:fillRef idx="0">
+              <a:schemeClr val="accent1"/>
+            </a:fillRef>
+            <a:effectRef idx="0">
+              <a:schemeClr val="accent1"/>
+            </a:effectRef>
+            <a:fontRef idx="minor">
+              <a:schemeClr val="tx1"/>
+            </a:fontRef>
+          </p:style>
+        </p:cxnSp>
+      </p:grpSp>
+      <p:sp>
+        <p:nvSpPr>
+          <p:cNvPr id="177" name="모서리가 둥근 직사각형 176"/>
+          <p:cNvSpPr/>
+          <p:nvPr/>
+        </p:nvSpPr>
+        <p:spPr>
+          <a:xfrm>
+            <a:off x="9866142" y="0"/>
+            <a:ext cx="2325858" cy="1960264"/>
+          </a:xfrm>
+          <a:prstGeom prst="roundRect">
+            <a:avLst>
+              <a:gd name="adj" fmla="val 0"/>
+            </a:avLst>
+          </a:prstGeom>
+          <a:solidFill>
+            <a:schemeClr val="bg1">
+              <a:lumMod val="95000"/>
+            </a:schemeClr>
+          </a:solidFill>
+          <a:ln>
+            <a:solidFill>
+              <a:schemeClr val="accent3"/>
+            </a:solidFill>
+          </a:ln>
+        </p:spPr>
+        <p:style>
+          <a:lnRef idx="1">
+            <a:schemeClr val="accent3"/>
+          </a:lnRef>
+          <a:fillRef idx="2">
+            <a:schemeClr val="accent3"/>
+          </a:fillRef>
+          <a:effectRef idx="1">
+            <a:schemeClr val="accent3"/>
+          </a:effectRef>
+          <a:fontRef idx="minor">
+            <a:schemeClr val="dk1"/>
+          </a:fontRef>
+        </p:style>
+        <p:txBody>
+          <a:bodyPr tIns="90000" bIns="90000" rtlCol="0" anchor="t"/>
+          <a:lstStyle/>
+          <a:p>
+            <a:r>
+              <a:rPr lang="en-US" altLang="ko-KR" sz="1400" b="1" dirty="0">
+                <a:latin typeface="Roboto Thin" panose="02000000000000000000" pitchFamily="2" charset="0"/>
+                <a:ea typeface="Roboto Thin" panose="02000000000000000000" pitchFamily="2" charset="0"/>
+              </a:rPr>
+              <a:t> </a:t>
+            </a:r>
+            <a:r>
+              <a:rPr lang="en-US" altLang="ko-KR" sz="1400" b="1" dirty="0" smtClean="0">
+                <a:latin typeface="Roboto Thin" panose="02000000000000000000" pitchFamily="2" charset="0"/>
+                <a:ea typeface="Roboto Thin" panose="02000000000000000000" pitchFamily="2" charset="0"/>
+              </a:rPr>
+              <a:t>             : </a:t>
+            </a:r>
+            <a:r>
+              <a:rPr lang="en-US" altLang="ko-KR" sz="1400" dirty="0" smtClean="0">
+                <a:latin typeface="Roboto" panose="02000000000000000000" pitchFamily="2" charset="0"/>
+                <a:ea typeface="Roboto" panose="02000000000000000000" pitchFamily="2" charset="0"/>
+              </a:rPr>
+              <a:t>focused element</a:t>
+            </a:r>
+          </a:p>
+          <a:p>
+            <a:endParaRPr lang="en-US" altLang="ko-KR" sz="1400" dirty="0">
+              <a:latin typeface="Roboto" panose="02000000000000000000" pitchFamily="2" charset="0"/>
+              <a:ea typeface="Roboto" panose="02000000000000000000" pitchFamily="2" charset="0"/>
+            </a:endParaRPr>
+          </a:p>
+          <a:p>
+            <a:r>
+              <a:rPr lang="en-US" altLang="ko-KR" sz="1400" dirty="0">
+                <a:latin typeface="Roboto" panose="02000000000000000000" pitchFamily="2" charset="0"/>
+                <a:ea typeface="Roboto" panose="02000000000000000000" pitchFamily="2" charset="0"/>
+              </a:rPr>
+              <a:t> </a:t>
+            </a:r>
+            <a:r>
+              <a:rPr lang="en-US" altLang="ko-KR" sz="1400" dirty="0" smtClean="0">
+                <a:latin typeface="Roboto" panose="02000000000000000000" pitchFamily="2" charset="0"/>
+                <a:ea typeface="Roboto" panose="02000000000000000000" pitchFamily="2" charset="0"/>
+              </a:rPr>
+              <a:t>             : candidate</a:t>
+            </a:r>
+          </a:p>
+          <a:p>
+            <a:endParaRPr lang="en-US" altLang="ko-KR" sz="1400" dirty="0">
+              <a:latin typeface="Roboto" panose="02000000000000000000" pitchFamily="2" charset="0"/>
+              <a:ea typeface="Roboto" panose="02000000000000000000" pitchFamily="2" charset="0"/>
+            </a:endParaRPr>
+          </a:p>
+          <a:p>
+            <a:r>
+              <a:rPr lang="en-US" altLang="ko-KR" sz="1400" dirty="0">
+                <a:latin typeface="Roboto" panose="02000000000000000000" pitchFamily="2" charset="0"/>
+                <a:ea typeface="Roboto" panose="02000000000000000000" pitchFamily="2" charset="0"/>
+              </a:rPr>
+              <a:t> </a:t>
+            </a:r>
+            <a:r>
+              <a:rPr lang="en-US" altLang="ko-KR" sz="1400" dirty="0" smtClean="0">
+                <a:latin typeface="Roboto" panose="02000000000000000000" pitchFamily="2" charset="0"/>
+                <a:ea typeface="Roboto" panose="02000000000000000000" pitchFamily="2" charset="0"/>
+              </a:rPr>
+              <a:t>             : best candidate</a:t>
+            </a:r>
+          </a:p>
+          <a:p>
+            <a:endParaRPr lang="en-US" altLang="ko-KR" sz="1400" dirty="0">
+              <a:latin typeface="Roboto" panose="02000000000000000000" pitchFamily="2" charset="0"/>
+              <a:ea typeface="Roboto" panose="02000000000000000000" pitchFamily="2" charset="0"/>
+            </a:endParaRPr>
+          </a:p>
+          <a:p>
+            <a:r>
+              <a:rPr lang="en-US" altLang="ko-KR" sz="1400" dirty="0">
+                <a:latin typeface="Roboto" panose="02000000000000000000" pitchFamily="2" charset="0"/>
+                <a:ea typeface="Roboto" panose="02000000000000000000" pitchFamily="2" charset="0"/>
+              </a:rPr>
+              <a:t> </a:t>
+            </a:r>
+            <a:r>
+              <a:rPr lang="en-US" altLang="ko-KR" sz="1400" dirty="0" smtClean="0">
+                <a:latin typeface="Roboto" panose="02000000000000000000" pitchFamily="2" charset="0"/>
+                <a:ea typeface="Roboto" panose="02000000000000000000" pitchFamily="2" charset="0"/>
+              </a:rPr>
+              <a:t>             : distance between</a:t>
+            </a:r>
+          </a:p>
+          <a:p>
+            <a:r>
+              <a:rPr lang="en-US" altLang="ko-KR" sz="1400" dirty="0">
+                <a:latin typeface="Roboto" panose="02000000000000000000" pitchFamily="2" charset="0"/>
+                <a:ea typeface="Roboto" panose="02000000000000000000" pitchFamily="2" charset="0"/>
+              </a:rPr>
+              <a:t> </a:t>
+            </a:r>
+            <a:r>
+              <a:rPr lang="en-US" altLang="ko-KR" sz="1400" dirty="0" smtClean="0">
+                <a:latin typeface="Roboto" panose="02000000000000000000" pitchFamily="2" charset="0"/>
+                <a:ea typeface="Roboto" panose="02000000000000000000" pitchFamily="2" charset="0"/>
+              </a:rPr>
+              <a:t>               elements</a:t>
+            </a:r>
+            <a:endParaRPr lang="en-US" altLang="ko-KR" sz="1400" dirty="0">
+              <a:latin typeface="Roboto" panose="02000000000000000000" pitchFamily="2" charset="0"/>
+              <a:ea typeface="Roboto" panose="02000000000000000000" pitchFamily="2" charset="0"/>
+            </a:endParaRPr>
+          </a:p>
+          <a:p>
+            <a:endParaRPr lang="en-US" altLang="ko-KR" sz="1400" b="1" dirty="0" smtClean="0">
+              <a:latin typeface="Roboto" panose="02000000000000000000" pitchFamily="2" charset="0"/>
+              <a:ea typeface="Roboto" panose="02000000000000000000" pitchFamily="2" charset="0"/>
+            </a:endParaRPr>
+          </a:p>
+          <a:p>
+            <a:endParaRPr lang="en-US" altLang="ko-KR" sz="1400" b="1" dirty="0">
+              <a:latin typeface="Roboto Thin" panose="02000000000000000000" pitchFamily="2" charset="0"/>
+              <a:ea typeface="Roboto Thin" panose="02000000000000000000" pitchFamily="2" charset="0"/>
+            </a:endParaRPr>
+          </a:p>
+          <a:p>
+            <a:endParaRPr lang="en-US" altLang="ko-KR" sz="1400" b="1" dirty="0" smtClean="0">
+              <a:latin typeface="Roboto Thin" panose="02000000000000000000" pitchFamily="2" charset="0"/>
+              <a:ea typeface="Roboto Thin" panose="02000000000000000000" pitchFamily="2" charset="0"/>
+            </a:endParaRPr>
+          </a:p>
+          <a:p>
+            <a:endParaRPr lang="en-US" altLang="ko-KR" sz="1400" b="1" dirty="0" smtClean="0">
+              <a:latin typeface="Roboto Thin" panose="02000000000000000000" pitchFamily="2" charset="0"/>
+              <a:ea typeface="Roboto Thin" panose="02000000000000000000" pitchFamily="2" charset="0"/>
+            </a:endParaRPr>
+          </a:p>
+        </p:txBody>
+      </p:sp>
+      <p:sp>
+        <p:nvSpPr>
+          <p:cNvPr id="143" name="직사각형 142"/>
+          <p:cNvSpPr/>
+          <p:nvPr/>
+        </p:nvSpPr>
+        <p:spPr>
+          <a:xfrm>
+            <a:off x="9995919" y="87900"/>
+            <a:ext cx="504000" cy="252000"/>
+          </a:xfrm>
+          <a:prstGeom prst="rect">
+            <a:avLst/>
+          </a:prstGeom>
+          <a:noFill/>
+          <a:ln w="44450">
+            <a:solidFill>
+              <a:srgbClr val="81C6FF"/>
+            </a:solidFill>
+          </a:ln>
+        </p:spPr>
+        <p:style>
+          <a:lnRef idx="2">
+            <a:schemeClr val="accent1">
+              <a:shade val="50000"/>
+            </a:schemeClr>
+          </a:lnRef>
+          <a:fillRef idx="1">
+            <a:schemeClr val="accent1"/>
+          </a:fillRef>
+          <a:effectRef idx="0">
+            <a:schemeClr val="accent1"/>
+          </a:effectRef>
+          <a:fontRef idx="minor">
+            <a:schemeClr val="lt1"/>
+          </a:fontRef>
+        </p:style>
+        <p:txBody>
+          <a:bodyPr rtlCol="0" anchor="ctr"/>
+          <a:lstStyle/>
+          <a:p>
+            <a:pPr algn="ctr"/>
+            <a:endParaRPr lang="en-US" sz="1600">
+              <a:latin typeface="Roboto" panose="02000000000000000000" pitchFamily="2" charset="0"/>
+              <a:ea typeface="Roboto" panose="02000000000000000000" pitchFamily="2" charset="0"/>
+            </a:endParaRPr>
+          </a:p>
+        </p:txBody>
+      </p:sp>
+      <p:sp>
+        <p:nvSpPr>
+          <p:cNvPr id="144" name="직사각형 143"/>
+          <p:cNvSpPr/>
+          <p:nvPr/>
+        </p:nvSpPr>
+        <p:spPr>
+          <a:xfrm>
+            <a:off x="10020878" y="524381"/>
+            <a:ext cx="504000" cy="252000"/>
+          </a:xfrm>
+          <a:prstGeom prst="rect">
+            <a:avLst/>
+          </a:prstGeom>
+          <a:noFill/>
+          <a:ln w="44450">
+            <a:solidFill>
+              <a:srgbClr val="92D050"/>
+            </a:solidFill>
+          </a:ln>
+        </p:spPr>
+        <p:style>
+          <a:lnRef idx="2">
+            <a:schemeClr val="accent1">
+              <a:shade val="50000"/>
+            </a:schemeClr>
+          </a:lnRef>
+          <a:fillRef idx="1">
+            <a:schemeClr val="accent1"/>
+          </a:fillRef>
+          <a:effectRef idx="0">
+            <a:schemeClr val="accent1"/>
+          </a:effectRef>
+          <a:fontRef idx="minor">
+            <a:schemeClr val="lt1"/>
+          </a:fontRef>
+        </p:style>
+        <p:txBody>
+          <a:bodyPr rtlCol="0" anchor="ctr"/>
+          <a:lstStyle/>
+          <a:p>
+            <a:pPr algn="ctr"/>
+            <a:endParaRPr lang="en-US" sz="1600">
+              <a:latin typeface="Roboto" panose="02000000000000000000" pitchFamily="2" charset="0"/>
+              <a:ea typeface="Roboto" panose="02000000000000000000" pitchFamily="2" charset="0"/>
+            </a:endParaRPr>
+          </a:p>
+        </p:txBody>
+      </p:sp>
+      <p:sp>
+        <p:nvSpPr>
+          <p:cNvPr id="147" name="직사각형 146"/>
+          <p:cNvSpPr/>
+          <p:nvPr/>
+        </p:nvSpPr>
+        <p:spPr>
+          <a:xfrm>
+            <a:off x="10020878" y="950702"/>
+            <a:ext cx="504000" cy="252000"/>
+          </a:xfrm>
+          <a:prstGeom prst="rect">
+            <a:avLst/>
+          </a:prstGeom>
+          <a:noFill/>
+          <a:ln w="44450">
+            <a:solidFill>
+              <a:srgbClr val="00B050"/>
+            </a:solidFill>
+          </a:ln>
+        </p:spPr>
+        <p:style>
+          <a:lnRef idx="2">
+            <a:schemeClr val="accent1">
+              <a:shade val="50000"/>
+            </a:schemeClr>
+          </a:lnRef>
+          <a:fillRef idx="1">
+            <a:schemeClr val="accent1"/>
+          </a:fillRef>
+          <a:effectRef idx="0">
+            <a:schemeClr val="accent1"/>
+          </a:effectRef>
+          <a:fontRef idx="minor">
+            <a:schemeClr val="lt1"/>
+          </a:fontRef>
+        </p:style>
+        <p:txBody>
+          <a:bodyPr rtlCol="0" anchor="ctr"/>
+          <a:lstStyle/>
+          <a:p>
+            <a:pPr algn="ctr"/>
+            <a:endParaRPr lang="en-US" sz="1600">
+              <a:latin typeface="Roboto" panose="02000000000000000000" pitchFamily="2" charset="0"/>
+              <a:ea typeface="Roboto" panose="02000000000000000000" pitchFamily="2" charset="0"/>
+            </a:endParaRPr>
+          </a:p>
+        </p:txBody>
+      </p:sp>
+      <p:cxnSp>
+        <p:nvCxnSpPr>
+          <p:cNvPr id="148" name="직선 화살표 연결선 147"/>
+          <p:cNvCxnSpPr/>
+          <p:nvPr/>
+        </p:nvCxnSpPr>
+        <p:spPr>
+          <a:xfrm>
+            <a:off x="10120155" y="1490458"/>
+            <a:ext cx="324000" cy="0"/>
+          </a:xfrm>
+          <a:prstGeom prst="straightConnector1">
+            <a:avLst/>
+          </a:prstGeom>
+          <a:ln w="31750">
+            <a:solidFill>
+              <a:srgbClr val="D95757"/>
+            </a:solidFill>
+            <a:prstDash val="sysDash"/>
+            <a:headEnd type="none" w="med" len="med"/>
+            <a:tailEnd type="none" w="med" len="med"/>
+          </a:ln>
+        </p:spPr>
+        <p:style>
+          <a:lnRef idx="1">
+            <a:schemeClr val="accent1"/>
+          </a:lnRef>
+          <a:fillRef idx="0">
+            <a:schemeClr val="accent1"/>
+          </a:fillRef>
+          <a:effectRef idx="0">
+            <a:schemeClr val="accent1"/>
+          </a:effectRef>
+          <a:fontRef idx="minor">
+            <a:schemeClr val="tx1"/>
+          </a:fontRef>
+        </p:style>
+      </p:cxnSp>
+      <p:sp>
+        <p:nvSpPr>
+          <p:cNvPr id="149" name="오른쪽 화살표 148"/>
+          <p:cNvSpPr/>
+          <p:nvPr/>
+        </p:nvSpPr>
+        <p:spPr>
+          <a:xfrm>
+            <a:off x="1570763" y="2245580"/>
+            <a:ext cx="241479" cy="278987"/>
+          </a:xfrm>
+          <a:prstGeom prst="rightArrow">
+            <a:avLst/>
+          </a:prstGeom>
+          <a:solidFill>
+            <a:srgbClr val="C00000"/>
+          </a:solidFill>
+          <a:ln>
+            <a:noFill/>
+          </a:ln>
+        </p:spPr>
+        <p:style>
+          <a:lnRef idx="2">
+            <a:schemeClr val="accent1">
+              <a:shade val="50000"/>
+            </a:schemeClr>
+          </a:lnRef>
+          <a:fillRef idx="1">
+            <a:schemeClr val="accent1"/>
+          </a:fillRef>
+          <a:effectRef idx="0">
+            <a:schemeClr val="accent1"/>
+          </a:effectRef>
+          <a:fontRef idx="minor">
+            <a:schemeClr val="lt1"/>
+          </a:fontRef>
+        </p:style>
+        <p:txBody>
+          <a:bodyPr rtlCol="0" anchor="ctr"/>
+          <a:lstStyle/>
+          <a:p>
+            <a:pPr algn="ctr"/>
+            <a:endParaRPr lang="en-US"/>
+          </a:p>
+        </p:txBody>
+      </p:sp>
+    </p:spTree>
+    <p:extLst>
+      <p:ext uri="{BB962C8B-B14F-4D97-AF65-F5344CB8AC3E}">
+        <p14:creationId xmlns:p14="http://schemas.microsoft.com/office/powerpoint/2010/main" val="2829809095"/>
       </p:ext>
     </p:extLst>
   </p:cSld>

--- a/docs/images_of_spec.pptx
+++ b/docs/images_of_spec.pptx
@@ -7933,7 +7933,7 @@
           </p:nvSpPr>
           <p:spPr>
             <a:xfrm>
-              <a:off x="1514884" y="851411"/>
+              <a:off x="1484404" y="841251"/>
               <a:ext cx="4368892" cy="584775"/>
             </a:xfrm>
             <a:prstGeom prst="rect">
@@ -7955,7 +7955,27 @@
                   <a:latin typeface="Roboto" panose="02000000000000000000" pitchFamily="2" charset="0"/>
                   <a:ea typeface="Roboto" panose="02000000000000000000" pitchFamily="2" charset="0"/>
                 </a:rPr>
-                <a:t>1. Press the arrow down key on a focused</a:t>
+                <a:t>1. Press the arrow </a:t>
+              </a:r>
+              <a:r>
+                <a:rPr lang="en-US" sz="1600" dirty="0" smtClean="0">
+                  <a:solidFill>
+                    <a:srgbClr val="C00000"/>
+                  </a:solidFill>
+                  <a:latin typeface="Roboto" panose="02000000000000000000" pitchFamily="2" charset="0"/>
+                  <a:ea typeface="Roboto" panose="02000000000000000000" pitchFamily="2" charset="0"/>
+                </a:rPr>
+                <a:t>right key </a:t>
+              </a:r>
+              <a:r>
+                <a:rPr lang="en-US" sz="1600" dirty="0" smtClean="0">
+                  <a:solidFill>
+                    <a:srgbClr val="C00000"/>
+                  </a:solidFill>
+                  <a:latin typeface="Roboto" panose="02000000000000000000" pitchFamily="2" charset="0"/>
+                  <a:ea typeface="Roboto" panose="02000000000000000000" pitchFamily="2" charset="0"/>
+                </a:rPr>
+                <a:t>on a focused</a:t>
               </a:r>
             </a:p>
             <a:p>
@@ -8040,7 +8060,7 @@
           </p:nvSpPr>
           <p:spPr>
             <a:xfrm>
-              <a:off x="6336194" y="857139"/>
+              <a:off x="6305714" y="846979"/>
               <a:ext cx="3977082" cy="338554"/>
             </a:xfrm>
             <a:prstGeom prst="rect">
@@ -8118,7 +8138,7 @@
           </p:nvSpPr>
           <p:spPr>
             <a:xfrm>
-              <a:off x="1514884" y="3992507"/>
+              <a:off x="1484404" y="3982347"/>
               <a:ext cx="4243659" cy="338554"/>
             </a:xfrm>
             <a:prstGeom prst="rect">
@@ -8203,7 +8223,7 @@
           </p:nvSpPr>
           <p:spPr>
             <a:xfrm>
-              <a:off x="6340500" y="3918018"/>
+              <a:off x="6310020" y="3907858"/>
               <a:ext cx="3977082" cy="338554"/>
             </a:xfrm>
             <a:prstGeom prst="rect">
